--- a/Examen PW.pptx
+++ b/Examen PW.pptx
@@ -1,41 +1,48 @@
 
 <file path=ppt/presentation.xml><?xml version="1.0" encoding="utf-8"?>
-<p:presentation xmlns:a="http://schemas.openxmlformats.org/drawingml/2006/main" xmlns:r="http://schemas.openxmlformats.org/officeDocument/2006/relationships" xmlns:mc="http://schemas.openxmlformats.org/markup-compatibility/2006" xmlns:mv="urn:schemas-microsoft-com:mac:vml" xmlns:p="http://schemas.openxmlformats.org/presentationml/2006/main" xmlns:c="http://schemas.openxmlformats.org/drawingml/2006/chart" xmlns:dgm="http://schemas.openxmlformats.org/drawingml/2006/diagram" xmlns:o="urn:schemas-microsoft-com:office:office" xmlns:v="urn:schemas-microsoft-com:vml" xmlns:pvml="urn:schemas-microsoft-com:office:powerpoint" xmlns:com="http://schemas.openxmlformats.org/drawingml/2006/compatibility" xmlns:p14="http://schemas.microsoft.com/office/powerpoint/2010/main" xmlns:p15="http://schemas.microsoft.com/office/powerpoint/2012/main" xmlns:ahyp="http://schemas.microsoft.com/office/drawing/2018/hyperlinkcolor" autoCompressPictures="0" embedTrueTypeFonts="1" strictFirstAndLastChars="0" saveSubsetFonts="1">
+<p:presentation xmlns:a="http://schemas.openxmlformats.org/drawingml/2006/main" xmlns:r="http://schemas.openxmlformats.org/officeDocument/2006/relationships" xmlns:p="http://schemas.openxmlformats.org/presentationml/2006/main" strictFirstAndLastChars="0" embedTrueTypeFonts="1" saveSubsetFonts="1" autoCompressPictures="0">
   <p:sldMasterIdLst>
-    <p:sldMasterId id="2147483651" r:id="rId4"/>
+    <p:sldMasterId id="2147483651" r:id="rId1"/>
   </p:sldMasterIdLst>
   <p:notesMasterIdLst>
-    <p:notesMasterId r:id="rId5"/>
+    <p:notesMasterId r:id="rId9"/>
   </p:notesMasterIdLst>
   <p:sldIdLst>
-    <p:sldId id="256" r:id="rId6"/>
-    <p:sldId id="257" r:id="rId7"/>
-    <p:sldId id="258" r:id="rId8"/>
-    <p:sldId id="259" r:id="rId9"/>
-    <p:sldId id="260" r:id="rId10"/>
-    <p:sldId id="261" r:id="rId11"/>
-    <p:sldId id="262" r:id="rId12"/>
+    <p:sldId id="256" r:id="rId2"/>
+    <p:sldId id="257" r:id="rId3"/>
+    <p:sldId id="258" r:id="rId4"/>
+    <p:sldId id="259" r:id="rId5"/>
+    <p:sldId id="260" r:id="rId6"/>
+    <p:sldId id="261" r:id="rId7"/>
+    <p:sldId id="262" r:id="rId8"/>
   </p:sldIdLst>
-  <p:sldSz cy="6858000" cx="12192000"/>
+  <p:sldSz cx="12192000" cy="6858000"/>
   <p:notesSz cx="6858000" cy="9144000"/>
   <p:embeddedFontLst>
     <p:embeddedFont>
-      <p:font typeface="Roboto"/>
-      <p:regular r:id="rId13"/>
-      <p:bold r:id="rId14"/>
-      <p:italic r:id="rId15"/>
-      <p:boldItalic r:id="rId16"/>
+      <p:font typeface="Calibri" panose="020F0502020204030204" pitchFamily="34" charset="0"/>
+      <p:regular r:id="rId10"/>
+      <p:bold r:id="rId11"/>
+      <p:italic r:id="rId12"/>
+      <p:boldItalic r:id="rId13"/>
     </p:embeddedFont>
     <p:embeddedFont>
-      <p:font typeface="Quattrocento Sans"/>
-      <p:regular r:id="rId17"/>
-      <p:bold r:id="rId18"/>
-      <p:italic r:id="rId19"/>
-      <p:boldItalic r:id="rId20"/>
+      <p:font typeface="Quattrocento Sans" panose="020B0604020202020204" charset="0"/>
+      <p:regular r:id="rId14"/>
+      <p:bold r:id="rId15"/>
+      <p:italic r:id="rId16"/>
+      <p:boldItalic r:id="rId17"/>
+    </p:embeddedFont>
+    <p:embeddedFont>
+      <p:font typeface="Roboto" panose="020B0604020202020204" charset="0"/>
+      <p:regular r:id="rId18"/>
+      <p:bold r:id="rId19"/>
+      <p:italic r:id="rId20"/>
+      <p:boldItalic r:id="rId21"/>
     </p:embeddedFont>
   </p:embeddedFontLst>
   <p:defaultTextStyle>
-    <a:defPPr lvl="0" marR="0" rtl="0" algn="l">
+    <a:defPPr marR="0" lvl="0" algn="l" rtl="0">
       <a:lnSpc>
         <a:spcPct val="100000"/>
       </a:lnSpc>
@@ -46,7 +53,7 @@
         <a:spcPts val="0"/>
       </a:spcAft>
     </a:defPPr>
-    <a:lvl1pPr lvl="0" marR="0" rtl="0" algn="l">
+    <a:lvl1pPr marR="0" lvl="0" algn="l" rtl="0">
       <a:lnSpc>
         <a:spcPct val="100000"/>
       </a:lnSpc>
@@ -60,7 +67,7 @@
         <a:srgbClr val="000000"/>
       </a:buClr>
       <a:buFont typeface="Arial"/>
-      <a:defRPr b="0" i="0" sz="1400" u="none" cap="none" strike="noStrike">
+      <a:defRPr sz="1400" b="0" i="0" u="none" strike="noStrike" cap="none">
         <a:solidFill>
           <a:srgbClr val="000000"/>
         </a:solidFill>
@@ -70,7 +77,7 @@
         <a:sym typeface="Arial"/>
       </a:defRPr>
     </a:lvl1pPr>
-    <a:lvl2pPr lvl="1" marR="0" rtl="0" algn="l">
+    <a:lvl2pPr marR="0" lvl="1" algn="l" rtl="0">
       <a:lnSpc>
         <a:spcPct val="100000"/>
       </a:lnSpc>
@@ -84,7 +91,7 @@
         <a:srgbClr val="000000"/>
       </a:buClr>
       <a:buFont typeface="Arial"/>
-      <a:defRPr b="0" i="0" sz="1400" u="none" cap="none" strike="noStrike">
+      <a:defRPr sz="1400" b="0" i="0" u="none" strike="noStrike" cap="none">
         <a:solidFill>
           <a:srgbClr val="000000"/>
         </a:solidFill>
@@ -94,7 +101,7 @@
         <a:sym typeface="Arial"/>
       </a:defRPr>
     </a:lvl2pPr>
-    <a:lvl3pPr lvl="2" marR="0" rtl="0" algn="l">
+    <a:lvl3pPr marR="0" lvl="2" algn="l" rtl="0">
       <a:lnSpc>
         <a:spcPct val="100000"/>
       </a:lnSpc>
@@ -108,7 +115,7 @@
         <a:srgbClr val="000000"/>
       </a:buClr>
       <a:buFont typeface="Arial"/>
-      <a:defRPr b="0" i="0" sz="1400" u="none" cap="none" strike="noStrike">
+      <a:defRPr sz="1400" b="0" i="0" u="none" strike="noStrike" cap="none">
         <a:solidFill>
           <a:srgbClr val="000000"/>
         </a:solidFill>
@@ -118,7 +125,7 @@
         <a:sym typeface="Arial"/>
       </a:defRPr>
     </a:lvl3pPr>
-    <a:lvl4pPr lvl="3" marR="0" rtl="0" algn="l">
+    <a:lvl4pPr marR="0" lvl="3" algn="l" rtl="0">
       <a:lnSpc>
         <a:spcPct val="100000"/>
       </a:lnSpc>
@@ -132,7 +139,7 @@
         <a:srgbClr val="000000"/>
       </a:buClr>
       <a:buFont typeface="Arial"/>
-      <a:defRPr b="0" i="0" sz="1400" u="none" cap="none" strike="noStrike">
+      <a:defRPr sz="1400" b="0" i="0" u="none" strike="noStrike" cap="none">
         <a:solidFill>
           <a:srgbClr val="000000"/>
         </a:solidFill>
@@ -142,7 +149,7 @@
         <a:sym typeface="Arial"/>
       </a:defRPr>
     </a:lvl4pPr>
-    <a:lvl5pPr lvl="4" marR="0" rtl="0" algn="l">
+    <a:lvl5pPr marR="0" lvl="4" algn="l" rtl="0">
       <a:lnSpc>
         <a:spcPct val="100000"/>
       </a:lnSpc>
@@ -156,7 +163,7 @@
         <a:srgbClr val="000000"/>
       </a:buClr>
       <a:buFont typeface="Arial"/>
-      <a:defRPr b="0" i="0" sz="1400" u="none" cap="none" strike="noStrike">
+      <a:defRPr sz="1400" b="0" i="0" u="none" strike="noStrike" cap="none">
         <a:solidFill>
           <a:srgbClr val="000000"/>
         </a:solidFill>
@@ -166,7 +173,7 @@
         <a:sym typeface="Arial"/>
       </a:defRPr>
     </a:lvl5pPr>
-    <a:lvl6pPr lvl="5" marR="0" rtl="0" algn="l">
+    <a:lvl6pPr marR="0" lvl="5" algn="l" rtl="0">
       <a:lnSpc>
         <a:spcPct val="100000"/>
       </a:lnSpc>
@@ -180,7 +187,7 @@
         <a:srgbClr val="000000"/>
       </a:buClr>
       <a:buFont typeface="Arial"/>
-      <a:defRPr b="0" i="0" sz="1400" u="none" cap="none" strike="noStrike">
+      <a:defRPr sz="1400" b="0" i="0" u="none" strike="noStrike" cap="none">
         <a:solidFill>
           <a:srgbClr val="000000"/>
         </a:solidFill>
@@ -190,7 +197,7 @@
         <a:sym typeface="Arial"/>
       </a:defRPr>
     </a:lvl6pPr>
-    <a:lvl7pPr lvl="6" marR="0" rtl="0" algn="l">
+    <a:lvl7pPr marR="0" lvl="6" algn="l" rtl="0">
       <a:lnSpc>
         <a:spcPct val="100000"/>
       </a:lnSpc>
@@ -204,7 +211,7 @@
         <a:srgbClr val="000000"/>
       </a:buClr>
       <a:buFont typeface="Arial"/>
-      <a:defRPr b="0" i="0" sz="1400" u="none" cap="none" strike="noStrike">
+      <a:defRPr sz="1400" b="0" i="0" u="none" strike="noStrike" cap="none">
         <a:solidFill>
           <a:srgbClr val="000000"/>
         </a:solidFill>
@@ -214,7 +221,7 @@
         <a:sym typeface="Arial"/>
       </a:defRPr>
     </a:lvl7pPr>
-    <a:lvl8pPr lvl="7" marR="0" rtl="0" algn="l">
+    <a:lvl8pPr marR="0" lvl="7" algn="l" rtl="0">
       <a:lnSpc>
         <a:spcPct val="100000"/>
       </a:lnSpc>
@@ -228,7 +235,7 @@
         <a:srgbClr val="000000"/>
       </a:buClr>
       <a:buFont typeface="Arial"/>
-      <a:defRPr b="0" i="0" sz="1400" u="none" cap="none" strike="noStrike">
+      <a:defRPr sz="1400" b="0" i="0" u="none" strike="noStrike" cap="none">
         <a:solidFill>
           <a:srgbClr val="000000"/>
         </a:solidFill>
@@ -238,7 +245,7 @@
         <a:sym typeface="Arial"/>
       </a:defRPr>
     </a:lvl8pPr>
-    <a:lvl9pPr lvl="8" marR="0" rtl="0" algn="l">
+    <a:lvl9pPr marR="0" lvl="8" algn="l" rtl="0">
       <a:lnSpc>
         <a:spcPct val="100000"/>
       </a:lnSpc>
@@ -252,7 +259,7 @@
         <a:srgbClr val="000000"/>
       </a:buClr>
       <a:buFont typeface="Arial"/>
-      <a:defRPr b="0" i="0" sz="1400" u="none" cap="none" strike="noStrike">
+      <a:defRPr sz="1400" b="0" i="0" u="none" strike="noStrike" cap="none">
         <a:solidFill>
           <a:srgbClr val="000000"/>
         </a:solidFill>
@@ -265,7 +272,7 @@
   </p:defaultTextStyle>
   <p:extLst>
     <p:ext uri="{EFAFB233-063F-42B5-8137-9DF3F51BA10A}">
-      <p15:sldGuideLst>
+      <p15:sldGuideLst xmlns:p15="http://schemas.microsoft.com/office/powerpoint/2012/main">
         <p15:guide id="1" orient="horz" pos="2160">
           <p15:clr>
             <a:srgbClr val="A4A3A4"/>
@@ -283,18 +290,19 @@
 </file>
 
 <file path=ppt/notesMasters/notesMaster1.xml><?xml version="1.0" encoding="utf-8"?>
-<p:notesMaster xmlns:a="http://schemas.openxmlformats.org/drawingml/2006/main" xmlns:r="http://schemas.openxmlformats.org/officeDocument/2006/relationships" xmlns:mc="http://schemas.openxmlformats.org/markup-compatibility/2006" xmlns:mv="urn:schemas-microsoft-com:mac:vml" xmlns:p="http://schemas.openxmlformats.org/presentationml/2006/main" xmlns:c="http://schemas.openxmlformats.org/drawingml/2006/chart" xmlns:dgm="http://schemas.openxmlformats.org/drawingml/2006/diagram" xmlns:o="urn:schemas-microsoft-com:office:office" xmlns:v="urn:schemas-microsoft-com:vml" xmlns:pvml="urn:schemas-microsoft-com:office:powerpoint" xmlns:com="http://schemas.openxmlformats.org/drawingml/2006/compatibility" xmlns:p14="http://schemas.microsoft.com/office/powerpoint/2010/main" xmlns:p15="http://schemas.microsoft.com/office/powerpoint/2012/main" xmlns:ahyp="http://schemas.microsoft.com/office/drawing/2018/hyperlinkcolor">
+<p:notesMaster xmlns:a="http://schemas.openxmlformats.org/drawingml/2006/main" xmlns:r="http://schemas.openxmlformats.org/officeDocument/2006/relationships" xmlns:p="http://schemas.openxmlformats.org/presentationml/2006/main">
   <p:cSld>
     <p:bg>
       <p:bgPr>
         <a:solidFill>
           <a:schemeClr val="lt1"/>
         </a:solidFill>
+        <a:effectLst/>
       </p:bgPr>
     </p:bg>
     <p:spTree>
       <p:nvGrpSpPr>
-        <p:cNvPr id="2" name="Shape 2"/>
+        <p:cNvPr id="1" name="Shape 2"/>
         <p:cNvGrpSpPr/>
         <p:nvPr/>
       </p:nvGrpSpPr>
@@ -309,9 +317,11 @@
       <p:sp>
         <p:nvSpPr>
           <p:cNvPr id="3" name="Google Shape;3;n"/>
-          <p:cNvSpPr txBox="1"/>
+          <p:cNvSpPr txBox="1">
+            <a:spLocks noGrp="1"/>
+          </p:cNvSpPr>
           <p:nvPr>
-            <p:ph idx="2" type="hdr"/>
+            <p:ph type="hdr" idx="2"/>
           </p:nvPr>
         </p:nvSpPr>
         <p:spPr>
@@ -328,11 +338,11 @@
           </a:ln>
         </p:spPr>
         <p:txBody>
-          <a:bodyPr anchorCtr="0" anchor="t" bIns="45700" lIns="91425" spcFirstLastPara="1" rIns="91425" wrap="square" tIns="45700">
+          <a:bodyPr spcFirstLastPara="1" wrap="square" lIns="91425" tIns="45700" rIns="91425" bIns="45700" anchor="t" anchorCtr="0">
             <a:noAutofit/>
           </a:bodyPr>
           <a:lstStyle>
-            <a:lvl1pPr lvl="0" marR="0" rtl="0" algn="l">
+            <a:lvl1pPr marR="0" lvl="0" algn="l" rtl="0">
               <a:spcBef>
                 <a:spcPts val="0"/>
               </a:spcBef>
@@ -341,7 +351,7 @@
               </a:spcAft>
               <a:buSzPts val="1400"/>
               <a:buNone/>
-              <a:defRPr b="0" i="0" sz="1200" u="none" cap="none" strike="noStrike">
+              <a:defRPr sz="1200" b="0" i="0" u="none" strike="noStrike" cap="none">
                 <a:solidFill>
                   <a:schemeClr val="dk1"/>
                 </a:solidFill>
@@ -351,7 +361,7 @@
                 <a:sym typeface="Calibri"/>
               </a:defRPr>
             </a:lvl1pPr>
-            <a:lvl2pPr lvl="1" marR="0" rtl="0" algn="l">
+            <a:lvl2pPr marR="0" lvl="1" algn="l" rtl="0">
               <a:spcBef>
                 <a:spcPts val="0"/>
               </a:spcBef>
@@ -360,7 +370,7 @@
               </a:spcAft>
               <a:buSzPts val="1400"/>
               <a:buNone/>
-              <a:defRPr b="0" i="0" sz="1800" u="none" cap="none" strike="noStrike">
+              <a:defRPr sz="1800" b="0" i="0" u="none" strike="noStrike" cap="none">
                 <a:solidFill>
                   <a:schemeClr val="dk1"/>
                 </a:solidFill>
@@ -370,7 +380,7 @@
                 <a:sym typeface="Calibri"/>
               </a:defRPr>
             </a:lvl2pPr>
-            <a:lvl3pPr lvl="2" marR="0" rtl="0" algn="l">
+            <a:lvl3pPr marR="0" lvl="2" algn="l" rtl="0">
               <a:spcBef>
                 <a:spcPts val="0"/>
               </a:spcBef>
@@ -379,7 +389,7 @@
               </a:spcAft>
               <a:buSzPts val="1400"/>
               <a:buNone/>
-              <a:defRPr b="0" i="0" sz="1800" u="none" cap="none" strike="noStrike">
+              <a:defRPr sz="1800" b="0" i="0" u="none" strike="noStrike" cap="none">
                 <a:solidFill>
                   <a:schemeClr val="dk1"/>
                 </a:solidFill>
@@ -389,7 +399,7 @@
                 <a:sym typeface="Calibri"/>
               </a:defRPr>
             </a:lvl3pPr>
-            <a:lvl4pPr lvl="3" marR="0" rtl="0" algn="l">
+            <a:lvl4pPr marR="0" lvl="3" algn="l" rtl="0">
               <a:spcBef>
                 <a:spcPts val="0"/>
               </a:spcBef>
@@ -398,7 +408,7 @@
               </a:spcAft>
               <a:buSzPts val="1400"/>
               <a:buNone/>
-              <a:defRPr b="0" i="0" sz="1800" u="none" cap="none" strike="noStrike">
+              <a:defRPr sz="1800" b="0" i="0" u="none" strike="noStrike" cap="none">
                 <a:solidFill>
                   <a:schemeClr val="dk1"/>
                 </a:solidFill>
@@ -408,7 +418,7 @@
                 <a:sym typeface="Calibri"/>
               </a:defRPr>
             </a:lvl4pPr>
-            <a:lvl5pPr lvl="4" marR="0" rtl="0" algn="l">
+            <a:lvl5pPr marR="0" lvl="4" algn="l" rtl="0">
               <a:spcBef>
                 <a:spcPts val="0"/>
               </a:spcBef>
@@ -417,7 +427,7 @@
               </a:spcAft>
               <a:buSzPts val="1400"/>
               <a:buNone/>
-              <a:defRPr b="0" i="0" sz="1800" u="none" cap="none" strike="noStrike">
+              <a:defRPr sz="1800" b="0" i="0" u="none" strike="noStrike" cap="none">
                 <a:solidFill>
                   <a:schemeClr val="dk1"/>
                 </a:solidFill>
@@ -427,7 +437,7 @@
                 <a:sym typeface="Calibri"/>
               </a:defRPr>
             </a:lvl5pPr>
-            <a:lvl6pPr lvl="5" marR="0" rtl="0" algn="l">
+            <a:lvl6pPr marR="0" lvl="5" algn="l" rtl="0">
               <a:spcBef>
                 <a:spcPts val="0"/>
               </a:spcBef>
@@ -436,7 +446,7 @@
               </a:spcAft>
               <a:buSzPts val="1400"/>
               <a:buNone/>
-              <a:defRPr b="0" i="0" sz="1800" u="none" cap="none" strike="noStrike">
+              <a:defRPr sz="1800" b="0" i="0" u="none" strike="noStrike" cap="none">
                 <a:solidFill>
                   <a:schemeClr val="dk1"/>
                 </a:solidFill>
@@ -446,7 +456,7 @@
                 <a:sym typeface="Calibri"/>
               </a:defRPr>
             </a:lvl6pPr>
-            <a:lvl7pPr lvl="6" marR="0" rtl="0" algn="l">
+            <a:lvl7pPr marR="0" lvl="6" algn="l" rtl="0">
               <a:spcBef>
                 <a:spcPts val="0"/>
               </a:spcBef>
@@ -455,7 +465,7 @@
               </a:spcAft>
               <a:buSzPts val="1400"/>
               <a:buNone/>
-              <a:defRPr b="0" i="0" sz="1800" u="none" cap="none" strike="noStrike">
+              <a:defRPr sz="1800" b="0" i="0" u="none" strike="noStrike" cap="none">
                 <a:solidFill>
                   <a:schemeClr val="dk1"/>
                 </a:solidFill>
@@ -465,7 +475,7 @@
                 <a:sym typeface="Calibri"/>
               </a:defRPr>
             </a:lvl7pPr>
-            <a:lvl8pPr lvl="7" marR="0" rtl="0" algn="l">
+            <a:lvl8pPr marR="0" lvl="7" algn="l" rtl="0">
               <a:spcBef>
                 <a:spcPts val="0"/>
               </a:spcBef>
@@ -474,7 +484,7 @@
               </a:spcAft>
               <a:buSzPts val="1400"/>
               <a:buNone/>
-              <a:defRPr b="0" i="0" sz="1800" u="none" cap="none" strike="noStrike">
+              <a:defRPr sz="1800" b="0" i="0" u="none" strike="noStrike" cap="none">
                 <a:solidFill>
                   <a:schemeClr val="dk1"/>
                 </a:solidFill>
@@ -484,7 +494,7 @@
                 <a:sym typeface="Calibri"/>
               </a:defRPr>
             </a:lvl8pPr>
-            <a:lvl9pPr lvl="8" marR="0" rtl="0" algn="l">
+            <a:lvl9pPr marR="0" lvl="8" algn="l" rtl="0">
               <a:spcBef>
                 <a:spcPts val="0"/>
               </a:spcBef>
@@ -493,7 +503,7 @@
               </a:spcAft>
               <a:buSzPts val="1400"/>
               <a:buNone/>
-              <a:defRPr b="0" i="0" sz="1800" u="none" cap="none" strike="noStrike">
+              <a:defRPr sz="1800" b="0" i="0" u="none" strike="noStrike" cap="none">
                 <a:solidFill>
                   <a:schemeClr val="dk1"/>
                 </a:solidFill>
@@ -504,15 +514,19 @@
               </a:defRPr>
             </a:lvl9pPr>
           </a:lstStyle>
-          <a:p/>
+          <a:p>
+            <a:endParaRPr/>
+          </a:p>
         </p:txBody>
       </p:sp>
       <p:sp>
         <p:nvSpPr>
           <p:cNvPr id="4" name="Google Shape;4;n"/>
-          <p:cNvSpPr txBox="1"/>
+          <p:cNvSpPr txBox="1">
+            <a:spLocks noGrp="1"/>
+          </p:cNvSpPr>
           <p:nvPr>
-            <p:ph idx="10" type="dt"/>
+            <p:ph type="dt" idx="10"/>
           </p:nvPr>
         </p:nvSpPr>
         <p:spPr>
@@ -529,11 +543,11 @@
           </a:ln>
         </p:spPr>
         <p:txBody>
-          <a:bodyPr anchorCtr="0" anchor="t" bIns="45700" lIns="91425" spcFirstLastPara="1" rIns="91425" wrap="square" tIns="45700">
+          <a:bodyPr spcFirstLastPara="1" wrap="square" lIns="91425" tIns="45700" rIns="91425" bIns="45700" anchor="t" anchorCtr="0">
             <a:noAutofit/>
           </a:bodyPr>
           <a:lstStyle>
-            <a:lvl1pPr lvl="0" marR="0" rtl="0" algn="r">
+            <a:lvl1pPr marR="0" lvl="0" algn="r" rtl="0">
               <a:spcBef>
                 <a:spcPts val="0"/>
               </a:spcBef>
@@ -542,7 +556,7 @@
               </a:spcAft>
               <a:buSzPts val="1400"/>
               <a:buNone/>
-              <a:defRPr b="0" i="0" sz="1200" u="none" cap="none" strike="noStrike">
+              <a:defRPr sz="1200" b="0" i="0" u="none" strike="noStrike" cap="none">
                 <a:solidFill>
                   <a:schemeClr val="dk1"/>
                 </a:solidFill>
@@ -552,7 +566,7 @@
                 <a:sym typeface="Calibri"/>
               </a:defRPr>
             </a:lvl1pPr>
-            <a:lvl2pPr lvl="1" marR="0" rtl="0" algn="l">
+            <a:lvl2pPr marR="0" lvl="1" algn="l" rtl="0">
               <a:spcBef>
                 <a:spcPts val="0"/>
               </a:spcBef>
@@ -561,7 +575,7 @@
               </a:spcAft>
               <a:buSzPts val="1400"/>
               <a:buNone/>
-              <a:defRPr b="0" i="0" sz="1800" u="none" cap="none" strike="noStrike">
+              <a:defRPr sz="1800" b="0" i="0" u="none" strike="noStrike" cap="none">
                 <a:solidFill>
                   <a:schemeClr val="dk1"/>
                 </a:solidFill>
@@ -571,7 +585,7 @@
                 <a:sym typeface="Calibri"/>
               </a:defRPr>
             </a:lvl2pPr>
-            <a:lvl3pPr lvl="2" marR="0" rtl="0" algn="l">
+            <a:lvl3pPr marR="0" lvl="2" algn="l" rtl="0">
               <a:spcBef>
                 <a:spcPts val="0"/>
               </a:spcBef>
@@ -580,7 +594,7 @@
               </a:spcAft>
               <a:buSzPts val="1400"/>
               <a:buNone/>
-              <a:defRPr b="0" i="0" sz="1800" u="none" cap="none" strike="noStrike">
+              <a:defRPr sz="1800" b="0" i="0" u="none" strike="noStrike" cap="none">
                 <a:solidFill>
                   <a:schemeClr val="dk1"/>
                 </a:solidFill>
@@ -590,7 +604,7 @@
                 <a:sym typeface="Calibri"/>
               </a:defRPr>
             </a:lvl3pPr>
-            <a:lvl4pPr lvl="3" marR="0" rtl="0" algn="l">
+            <a:lvl4pPr marR="0" lvl="3" algn="l" rtl="0">
               <a:spcBef>
                 <a:spcPts val="0"/>
               </a:spcBef>
@@ -599,7 +613,7 @@
               </a:spcAft>
               <a:buSzPts val="1400"/>
               <a:buNone/>
-              <a:defRPr b="0" i="0" sz="1800" u="none" cap="none" strike="noStrike">
+              <a:defRPr sz="1800" b="0" i="0" u="none" strike="noStrike" cap="none">
                 <a:solidFill>
                   <a:schemeClr val="dk1"/>
                 </a:solidFill>
@@ -609,7 +623,7 @@
                 <a:sym typeface="Calibri"/>
               </a:defRPr>
             </a:lvl4pPr>
-            <a:lvl5pPr lvl="4" marR="0" rtl="0" algn="l">
+            <a:lvl5pPr marR="0" lvl="4" algn="l" rtl="0">
               <a:spcBef>
                 <a:spcPts val="0"/>
               </a:spcBef>
@@ -618,7 +632,7 @@
               </a:spcAft>
               <a:buSzPts val="1400"/>
               <a:buNone/>
-              <a:defRPr b="0" i="0" sz="1800" u="none" cap="none" strike="noStrike">
+              <a:defRPr sz="1800" b="0" i="0" u="none" strike="noStrike" cap="none">
                 <a:solidFill>
                   <a:schemeClr val="dk1"/>
                 </a:solidFill>
@@ -628,7 +642,7 @@
                 <a:sym typeface="Calibri"/>
               </a:defRPr>
             </a:lvl5pPr>
-            <a:lvl6pPr lvl="5" marR="0" rtl="0" algn="l">
+            <a:lvl6pPr marR="0" lvl="5" algn="l" rtl="0">
               <a:spcBef>
                 <a:spcPts val="0"/>
               </a:spcBef>
@@ -637,7 +651,7 @@
               </a:spcAft>
               <a:buSzPts val="1400"/>
               <a:buNone/>
-              <a:defRPr b="0" i="0" sz="1800" u="none" cap="none" strike="noStrike">
+              <a:defRPr sz="1800" b="0" i="0" u="none" strike="noStrike" cap="none">
                 <a:solidFill>
                   <a:schemeClr val="dk1"/>
                 </a:solidFill>
@@ -647,7 +661,7 @@
                 <a:sym typeface="Calibri"/>
               </a:defRPr>
             </a:lvl6pPr>
-            <a:lvl7pPr lvl="6" marR="0" rtl="0" algn="l">
+            <a:lvl7pPr marR="0" lvl="6" algn="l" rtl="0">
               <a:spcBef>
                 <a:spcPts val="0"/>
               </a:spcBef>
@@ -656,7 +670,7 @@
               </a:spcAft>
               <a:buSzPts val="1400"/>
               <a:buNone/>
-              <a:defRPr b="0" i="0" sz="1800" u="none" cap="none" strike="noStrike">
+              <a:defRPr sz="1800" b="0" i="0" u="none" strike="noStrike" cap="none">
                 <a:solidFill>
                   <a:schemeClr val="dk1"/>
                 </a:solidFill>
@@ -666,7 +680,7 @@
                 <a:sym typeface="Calibri"/>
               </a:defRPr>
             </a:lvl7pPr>
-            <a:lvl8pPr lvl="7" marR="0" rtl="0" algn="l">
+            <a:lvl8pPr marR="0" lvl="7" algn="l" rtl="0">
               <a:spcBef>
                 <a:spcPts val="0"/>
               </a:spcBef>
@@ -675,7 +689,7 @@
               </a:spcAft>
               <a:buSzPts val="1400"/>
               <a:buNone/>
-              <a:defRPr b="0" i="0" sz="1800" u="none" cap="none" strike="noStrike">
+              <a:defRPr sz="1800" b="0" i="0" u="none" strike="noStrike" cap="none">
                 <a:solidFill>
                   <a:schemeClr val="dk1"/>
                 </a:solidFill>
@@ -685,7 +699,7 @@
                 <a:sym typeface="Calibri"/>
               </a:defRPr>
             </a:lvl8pPr>
-            <a:lvl9pPr lvl="8" marR="0" rtl="0" algn="l">
+            <a:lvl9pPr marR="0" lvl="8" algn="l" rtl="0">
               <a:spcBef>
                 <a:spcPts val="0"/>
               </a:spcBef>
@@ -694,7 +708,7 @@
               </a:spcAft>
               <a:buSzPts val="1400"/>
               <a:buNone/>
-              <a:defRPr b="0" i="0" sz="1800" u="none" cap="none" strike="noStrike">
+              <a:defRPr sz="1800" b="0" i="0" u="none" strike="noStrike" cap="none">
                 <a:solidFill>
                   <a:schemeClr val="dk1"/>
                 </a:solidFill>
@@ -705,15 +719,19 @@
               </a:defRPr>
             </a:lvl9pPr>
           </a:lstStyle>
-          <a:p/>
+          <a:p>
+            <a:endParaRPr/>
+          </a:p>
         </p:txBody>
       </p:sp>
       <p:sp>
         <p:nvSpPr>
           <p:cNvPr id="5" name="Google Shape;5;n"/>
-          <p:cNvSpPr/>
+          <p:cNvSpPr>
+            <a:spLocks noGrp="1" noRot="1" noChangeAspect="1"/>
+          </p:cNvSpPr>
           <p:nvPr>
-            <p:ph idx="3" type="sldImg"/>
+            <p:ph type="sldImg" idx="3"/>
           </p:nvPr>
         </p:nvSpPr>
         <p:spPr>
@@ -722,9 +740,13 @@
             <a:ext cx="5486400" cy="3086100"/>
           </a:xfrm>
           <a:custGeom>
-            <a:rect b="b" l="l" r="r" t="t"/>
+            <a:avLst/>
+            <a:gdLst/>
+            <a:ahLst/>
+            <a:cxnLst/>
+            <a:rect l="l" t="t" r="r" b="b"/>
             <a:pathLst>
-              <a:path extrusionOk="0" h="120000" w="120000">
+              <a:path w="120000" h="120000" extrusionOk="0">
                 <a:moveTo>
                   <a:pt x="0" y="0"/>
                 </a:moveTo>
@@ -742,23 +764,25 @@
             </a:pathLst>
           </a:custGeom>
           <a:noFill/>
-          <a:ln cap="flat" cmpd="sng" w="12700">
+          <a:ln w="12700" cap="flat" cmpd="sng">
             <a:solidFill>
               <a:srgbClr val="000000"/>
             </a:solidFill>
             <a:prstDash val="solid"/>
             <a:round/>
-            <a:headEnd len="sm" w="sm" type="none"/>
-            <a:tailEnd len="sm" w="sm" type="none"/>
+            <a:headEnd type="none" w="sm" len="sm"/>
+            <a:tailEnd type="none" w="sm" len="sm"/>
           </a:ln>
         </p:spPr>
       </p:sp>
       <p:sp>
         <p:nvSpPr>
           <p:cNvPr id="6" name="Google Shape;6;n"/>
-          <p:cNvSpPr txBox="1"/>
+          <p:cNvSpPr txBox="1">
+            <a:spLocks noGrp="1"/>
+          </p:cNvSpPr>
           <p:nvPr>
-            <p:ph idx="1" type="body"/>
+            <p:ph type="body" idx="1"/>
           </p:nvPr>
         </p:nvSpPr>
         <p:spPr>
@@ -775,11 +799,11 @@
           </a:ln>
         </p:spPr>
         <p:txBody>
-          <a:bodyPr anchorCtr="0" anchor="t" bIns="45700" lIns="91425" spcFirstLastPara="1" rIns="91425" wrap="square" tIns="45700">
+          <a:bodyPr spcFirstLastPara="1" wrap="square" lIns="91425" tIns="45700" rIns="91425" bIns="45700" anchor="t" anchorCtr="0">
             <a:noAutofit/>
           </a:bodyPr>
           <a:lstStyle>
-            <a:lvl1pPr indent="-228600" lvl="0" marL="457200" marR="0" rtl="0" algn="l">
+            <a:lvl1pPr marL="457200" marR="0" lvl="0" indent="-228600" algn="l" rtl="0">
               <a:spcBef>
                 <a:spcPts val="0"/>
               </a:spcBef>
@@ -788,7 +812,7 @@
               </a:spcAft>
               <a:buSzPts val="1400"/>
               <a:buNone/>
-              <a:defRPr b="0" i="0" sz="1200" u="none" cap="none" strike="noStrike">
+              <a:defRPr sz="1200" b="0" i="0" u="none" strike="noStrike" cap="none">
                 <a:solidFill>
                   <a:schemeClr val="dk1"/>
                 </a:solidFill>
@@ -798,7 +822,7 @@
                 <a:sym typeface="Calibri"/>
               </a:defRPr>
             </a:lvl1pPr>
-            <a:lvl2pPr indent="-228600" lvl="1" marL="914400" marR="0" rtl="0" algn="l">
+            <a:lvl2pPr marL="914400" marR="0" lvl="1" indent="-228600" algn="l" rtl="0">
               <a:spcBef>
                 <a:spcPts val="0"/>
               </a:spcBef>
@@ -807,7 +831,7 @@
               </a:spcAft>
               <a:buSzPts val="1400"/>
               <a:buNone/>
-              <a:defRPr b="0" i="0" sz="1200" u="none" cap="none" strike="noStrike">
+              <a:defRPr sz="1200" b="0" i="0" u="none" strike="noStrike" cap="none">
                 <a:solidFill>
                   <a:schemeClr val="dk1"/>
                 </a:solidFill>
@@ -817,7 +841,7 @@
                 <a:sym typeface="Calibri"/>
               </a:defRPr>
             </a:lvl2pPr>
-            <a:lvl3pPr indent="-228600" lvl="2" marL="1371600" marR="0" rtl="0" algn="l">
+            <a:lvl3pPr marL="1371600" marR="0" lvl="2" indent="-228600" algn="l" rtl="0">
               <a:spcBef>
                 <a:spcPts val="0"/>
               </a:spcBef>
@@ -826,7 +850,7 @@
               </a:spcAft>
               <a:buSzPts val="1400"/>
               <a:buNone/>
-              <a:defRPr b="0" i="0" sz="1200" u="none" cap="none" strike="noStrike">
+              <a:defRPr sz="1200" b="0" i="0" u="none" strike="noStrike" cap="none">
                 <a:solidFill>
                   <a:schemeClr val="dk1"/>
                 </a:solidFill>
@@ -836,7 +860,7 @@
                 <a:sym typeface="Calibri"/>
               </a:defRPr>
             </a:lvl3pPr>
-            <a:lvl4pPr indent="-228600" lvl="3" marL="1828800" marR="0" rtl="0" algn="l">
+            <a:lvl4pPr marL="1828800" marR="0" lvl="3" indent="-228600" algn="l" rtl="0">
               <a:spcBef>
                 <a:spcPts val="0"/>
               </a:spcBef>
@@ -845,7 +869,7 @@
               </a:spcAft>
               <a:buSzPts val="1400"/>
               <a:buNone/>
-              <a:defRPr b="0" i="0" sz="1200" u="none" cap="none" strike="noStrike">
+              <a:defRPr sz="1200" b="0" i="0" u="none" strike="noStrike" cap="none">
                 <a:solidFill>
                   <a:schemeClr val="dk1"/>
                 </a:solidFill>
@@ -855,7 +879,7 @@
                 <a:sym typeface="Calibri"/>
               </a:defRPr>
             </a:lvl4pPr>
-            <a:lvl5pPr indent="-228600" lvl="4" marL="2286000" marR="0" rtl="0" algn="l">
+            <a:lvl5pPr marL="2286000" marR="0" lvl="4" indent="-228600" algn="l" rtl="0">
               <a:spcBef>
                 <a:spcPts val="0"/>
               </a:spcBef>
@@ -864,7 +888,7 @@
               </a:spcAft>
               <a:buSzPts val="1400"/>
               <a:buNone/>
-              <a:defRPr b="0" i="0" sz="1200" u="none" cap="none" strike="noStrike">
+              <a:defRPr sz="1200" b="0" i="0" u="none" strike="noStrike" cap="none">
                 <a:solidFill>
                   <a:schemeClr val="dk1"/>
                 </a:solidFill>
@@ -874,7 +898,7 @@
                 <a:sym typeface="Calibri"/>
               </a:defRPr>
             </a:lvl5pPr>
-            <a:lvl6pPr indent="-228600" lvl="5" marL="2743200" marR="0" rtl="0" algn="l">
+            <a:lvl6pPr marL="2743200" marR="0" lvl="5" indent="-228600" algn="l" rtl="0">
               <a:spcBef>
                 <a:spcPts val="0"/>
               </a:spcBef>
@@ -883,7 +907,7 @@
               </a:spcAft>
               <a:buSzPts val="1400"/>
               <a:buNone/>
-              <a:defRPr b="0" i="0" sz="1200" u="none" cap="none" strike="noStrike">
+              <a:defRPr sz="1200" b="0" i="0" u="none" strike="noStrike" cap="none">
                 <a:solidFill>
                   <a:schemeClr val="dk1"/>
                 </a:solidFill>
@@ -893,7 +917,7 @@
                 <a:sym typeface="Calibri"/>
               </a:defRPr>
             </a:lvl6pPr>
-            <a:lvl7pPr indent="-228600" lvl="6" marL="3200400" marR="0" rtl="0" algn="l">
+            <a:lvl7pPr marL="3200400" marR="0" lvl="6" indent="-228600" algn="l" rtl="0">
               <a:spcBef>
                 <a:spcPts val="0"/>
               </a:spcBef>
@@ -902,7 +926,7 @@
               </a:spcAft>
               <a:buSzPts val="1400"/>
               <a:buNone/>
-              <a:defRPr b="0" i="0" sz="1200" u="none" cap="none" strike="noStrike">
+              <a:defRPr sz="1200" b="0" i="0" u="none" strike="noStrike" cap="none">
                 <a:solidFill>
                   <a:schemeClr val="dk1"/>
                 </a:solidFill>
@@ -912,7 +936,7 @@
                 <a:sym typeface="Calibri"/>
               </a:defRPr>
             </a:lvl7pPr>
-            <a:lvl8pPr indent="-228600" lvl="7" marL="3657600" marR="0" rtl="0" algn="l">
+            <a:lvl8pPr marL="3657600" marR="0" lvl="7" indent="-228600" algn="l" rtl="0">
               <a:spcBef>
                 <a:spcPts val="0"/>
               </a:spcBef>
@@ -921,7 +945,7 @@
               </a:spcAft>
               <a:buSzPts val="1400"/>
               <a:buNone/>
-              <a:defRPr b="0" i="0" sz="1200" u="none" cap="none" strike="noStrike">
+              <a:defRPr sz="1200" b="0" i="0" u="none" strike="noStrike" cap="none">
                 <a:solidFill>
                   <a:schemeClr val="dk1"/>
                 </a:solidFill>
@@ -931,7 +955,7 @@
                 <a:sym typeface="Calibri"/>
               </a:defRPr>
             </a:lvl8pPr>
-            <a:lvl9pPr indent="-228600" lvl="8" marL="4114800" marR="0" rtl="0" algn="l">
+            <a:lvl9pPr marL="4114800" marR="0" lvl="8" indent="-228600" algn="l" rtl="0">
               <a:spcBef>
                 <a:spcPts val="0"/>
               </a:spcBef>
@@ -940,7 +964,7 @@
               </a:spcAft>
               <a:buSzPts val="1400"/>
               <a:buNone/>
-              <a:defRPr b="0" i="0" sz="1200" u="none" cap="none" strike="noStrike">
+              <a:defRPr sz="1200" b="0" i="0" u="none" strike="noStrike" cap="none">
                 <a:solidFill>
                   <a:schemeClr val="dk1"/>
                 </a:solidFill>
@@ -951,15 +975,19 @@
               </a:defRPr>
             </a:lvl9pPr>
           </a:lstStyle>
-          <a:p/>
+          <a:p>
+            <a:endParaRPr/>
+          </a:p>
         </p:txBody>
       </p:sp>
       <p:sp>
         <p:nvSpPr>
           <p:cNvPr id="7" name="Google Shape;7;n"/>
-          <p:cNvSpPr txBox="1"/>
+          <p:cNvSpPr txBox="1">
+            <a:spLocks noGrp="1"/>
+          </p:cNvSpPr>
           <p:nvPr>
-            <p:ph idx="11" type="ftr"/>
+            <p:ph type="ftr" idx="11"/>
           </p:nvPr>
         </p:nvSpPr>
         <p:spPr>
@@ -976,11 +1004,11 @@
           </a:ln>
         </p:spPr>
         <p:txBody>
-          <a:bodyPr anchorCtr="0" anchor="b" bIns="45700" lIns="91425" spcFirstLastPara="1" rIns="91425" wrap="square" tIns="45700">
+          <a:bodyPr spcFirstLastPara="1" wrap="square" lIns="91425" tIns="45700" rIns="91425" bIns="45700" anchor="b" anchorCtr="0">
             <a:noAutofit/>
           </a:bodyPr>
           <a:lstStyle>
-            <a:lvl1pPr lvl="0" marR="0" rtl="0" algn="l">
+            <a:lvl1pPr marR="0" lvl="0" algn="l" rtl="0">
               <a:spcBef>
                 <a:spcPts val="0"/>
               </a:spcBef>
@@ -989,7 +1017,7 @@
               </a:spcAft>
               <a:buSzPts val="1400"/>
               <a:buNone/>
-              <a:defRPr b="0" i="0" sz="1200" u="none" cap="none" strike="noStrike">
+              <a:defRPr sz="1200" b="0" i="0" u="none" strike="noStrike" cap="none">
                 <a:solidFill>
                   <a:schemeClr val="dk1"/>
                 </a:solidFill>
@@ -999,7 +1027,7 @@
                 <a:sym typeface="Calibri"/>
               </a:defRPr>
             </a:lvl1pPr>
-            <a:lvl2pPr lvl="1" marR="0" rtl="0" algn="l">
+            <a:lvl2pPr marR="0" lvl="1" algn="l" rtl="0">
               <a:spcBef>
                 <a:spcPts val="0"/>
               </a:spcBef>
@@ -1008,7 +1036,7 @@
               </a:spcAft>
               <a:buSzPts val="1400"/>
               <a:buNone/>
-              <a:defRPr b="0" i="0" sz="1800" u="none" cap="none" strike="noStrike">
+              <a:defRPr sz="1800" b="0" i="0" u="none" strike="noStrike" cap="none">
                 <a:solidFill>
                   <a:schemeClr val="dk1"/>
                 </a:solidFill>
@@ -1018,7 +1046,7 @@
                 <a:sym typeface="Calibri"/>
               </a:defRPr>
             </a:lvl2pPr>
-            <a:lvl3pPr lvl="2" marR="0" rtl="0" algn="l">
+            <a:lvl3pPr marR="0" lvl="2" algn="l" rtl="0">
               <a:spcBef>
                 <a:spcPts val="0"/>
               </a:spcBef>
@@ -1027,7 +1055,7 @@
               </a:spcAft>
               <a:buSzPts val="1400"/>
               <a:buNone/>
-              <a:defRPr b="0" i="0" sz="1800" u="none" cap="none" strike="noStrike">
+              <a:defRPr sz="1800" b="0" i="0" u="none" strike="noStrike" cap="none">
                 <a:solidFill>
                   <a:schemeClr val="dk1"/>
                 </a:solidFill>
@@ -1037,7 +1065,7 @@
                 <a:sym typeface="Calibri"/>
               </a:defRPr>
             </a:lvl3pPr>
-            <a:lvl4pPr lvl="3" marR="0" rtl="0" algn="l">
+            <a:lvl4pPr marR="0" lvl="3" algn="l" rtl="0">
               <a:spcBef>
                 <a:spcPts val="0"/>
               </a:spcBef>
@@ -1046,7 +1074,7 @@
               </a:spcAft>
               <a:buSzPts val="1400"/>
               <a:buNone/>
-              <a:defRPr b="0" i="0" sz="1800" u="none" cap="none" strike="noStrike">
+              <a:defRPr sz="1800" b="0" i="0" u="none" strike="noStrike" cap="none">
                 <a:solidFill>
                   <a:schemeClr val="dk1"/>
                 </a:solidFill>
@@ -1056,7 +1084,7 @@
                 <a:sym typeface="Calibri"/>
               </a:defRPr>
             </a:lvl4pPr>
-            <a:lvl5pPr lvl="4" marR="0" rtl="0" algn="l">
+            <a:lvl5pPr marR="0" lvl="4" algn="l" rtl="0">
               <a:spcBef>
                 <a:spcPts val="0"/>
               </a:spcBef>
@@ -1065,7 +1093,7 @@
               </a:spcAft>
               <a:buSzPts val="1400"/>
               <a:buNone/>
-              <a:defRPr b="0" i="0" sz="1800" u="none" cap="none" strike="noStrike">
+              <a:defRPr sz="1800" b="0" i="0" u="none" strike="noStrike" cap="none">
                 <a:solidFill>
                   <a:schemeClr val="dk1"/>
                 </a:solidFill>
@@ -1075,7 +1103,7 @@
                 <a:sym typeface="Calibri"/>
               </a:defRPr>
             </a:lvl5pPr>
-            <a:lvl6pPr lvl="5" marR="0" rtl="0" algn="l">
+            <a:lvl6pPr marR="0" lvl="5" algn="l" rtl="0">
               <a:spcBef>
                 <a:spcPts val="0"/>
               </a:spcBef>
@@ -1084,7 +1112,7 @@
               </a:spcAft>
               <a:buSzPts val="1400"/>
               <a:buNone/>
-              <a:defRPr b="0" i="0" sz="1800" u="none" cap="none" strike="noStrike">
+              <a:defRPr sz="1800" b="0" i="0" u="none" strike="noStrike" cap="none">
                 <a:solidFill>
                   <a:schemeClr val="dk1"/>
                 </a:solidFill>
@@ -1094,7 +1122,7 @@
                 <a:sym typeface="Calibri"/>
               </a:defRPr>
             </a:lvl6pPr>
-            <a:lvl7pPr lvl="6" marR="0" rtl="0" algn="l">
+            <a:lvl7pPr marR="0" lvl="6" algn="l" rtl="0">
               <a:spcBef>
                 <a:spcPts val="0"/>
               </a:spcBef>
@@ -1103,7 +1131,7 @@
               </a:spcAft>
               <a:buSzPts val="1400"/>
               <a:buNone/>
-              <a:defRPr b="0" i="0" sz="1800" u="none" cap="none" strike="noStrike">
+              <a:defRPr sz="1800" b="0" i="0" u="none" strike="noStrike" cap="none">
                 <a:solidFill>
                   <a:schemeClr val="dk1"/>
                 </a:solidFill>
@@ -1113,7 +1141,7 @@
                 <a:sym typeface="Calibri"/>
               </a:defRPr>
             </a:lvl7pPr>
-            <a:lvl8pPr lvl="7" marR="0" rtl="0" algn="l">
+            <a:lvl8pPr marR="0" lvl="7" algn="l" rtl="0">
               <a:spcBef>
                 <a:spcPts val="0"/>
               </a:spcBef>
@@ -1122,7 +1150,7 @@
               </a:spcAft>
               <a:buSzPts val="1400"/>
               <a:buNone/>
-              <a:defRPr b="0" i="0" sz="1800" u="none" cap="none" strike="noStrike">
+              <a:defRPr sz="1800" b="0" i="0" u="none" strike="noStrike" cap="none">
                 <a:solidFill>
                   <a:schemeClr val="dk1"/>
                 </a:solidFill>
@@ -1132,7 +1160,7 @@
                 <a:sym typeface="Calibri"/>
               </a:defRPr>
             </a:lvl8pPr>
-            <a:lvl9pPr lvl="8" marR="0" rtl="0" algn="l">
+            <a:lvl9pPr marR="0" lvl="8" algn="l" rtl="0">
               <a:spcBef>
                 <a:spcPts val="0"/>
               </a:spcBef>
@@ -1141,7 +1169,7 @@
               </a:spcAft>
               <a:buSzPts val="1400"/>
               <a:buNone/>
-              <a:defRPr b="0" i="0" sz="1800" u="none" cap="none" strike="noStrike">
+              <a:defRPr sz="1800" b="0" i="0" u="none" strike="noStrike" cap="none">
                 <a:solidFill>
                   <a:schemeClr val="dk1"/>
                 </a:solidFill>
@@ -1152,15 +1180,19 @@
               </a:defRPr>
             </a:lvl9pPr>
           </a:lstStyle>
-          <a:p/>
+          <a:p>
+            <a:endParaRPr/>
+          </a:p>
         </p:txBody>
       </p:sp>
       <p:sp>
         <p:nvSpPr>
           <p:cNvPr id="8" name="Google Shape;8;n"/>
-          <p:cNvSpPr txBox="1"/>
+          <p:cNvSpPr txBox="1">
+            <a:spLocks noGrp="1"/>
+          </p:cNvSpPr>
           <p:nvPr>
-            <p:ph idx="12" type="sldNum"/>
+            <p:ph type="sldNum" idx="12"/>
           </p:nvPr>
         </p:nvSpPr>
         <p:spPr>
@@ -1177,12 +1209,12 @@
           </a:ln>
         </p:spPr>
         <p:txBody>
-          <a:bodyPr anchorCtr="0" anchor="b" bIns="45700" lIns="91425" spcFirstLastPara="1" rIns="91425" wrap="square" tIns="45700">
+          <a:bodyPr spcFirstLastPara="1" wrap="square" lIns="91425" tIns="45700" rIns="91425" bIns="45700" anchor="b" anchorCtr="0">
             <a:noAutofit/>
           </a:bodyPr>
           <a:lstStyle/>
           <a:p>
-            <a:pPr indent="0" lvl="0" marL="0" marR="0" rtl="0" algn="r">
+            <a:pPr marL="0" marR="0" lvl="0" indent="0" algn="r" rtl="0">
               <a:spcBef>
                 <a:spcPts val="0"/>
               </a:spcBef>
@@ -1192,7 +1224,7 @@
               <a:buNone/>
             </a:pPr>
             <a:fld id="{00000000-1234-1234-1234-123412341234}" type="slidenum">
-              <a:rPr b="0" i="0" lang="es-ES" sz="1200" u="none" cap="none" strike="noStrike">
+              <a:rPr lang="es-ES" sz="1200" b="0" i="0" u="none" strike="noStrike" cap="none">
                 <a:solidFill>
                   <a:schemeClr val="dk1"/>
                 </a:solidFill>
@@ -1201,9 +1233,9 @@
                 <a:cs typeface="Calibri"/>
                 <a:sym typeface="Calibri"/>
               </a:rPr>
-              <a:t>‹#›</a:t>
+              <a:t>‹Nº›</a:t>
             </a:fld>
-            <a:endParaRPr b="0" i="0" sz="1200" u="none" cap="none" strike="noStrike">
+            <a:endParaRPr sz="1200" b="0" i="0" u="none" strike="noStrike" cap="none">
               <a:solidFill>
                 <a:schemeClr val="dk1"/>
               </a:solidFill>
@@ -1217,9 +1249,9 @@
       </p:sp>
     </p:spTree>
   </p:cSld>
-  <p:clrMap accent1="accent1" accent2="accent2" accent3="accent3" accent4="accent4" accent5="accent5" accent6="accent6" bg1="lt1" bg2="dk2" tx1="dk1" tx2="lt2" folHlink="folHlink" hlink="hlink"/>
+  <p:clrMap bg1="lt1" tx1="dk1" bg2="dk2" tx2="lt2" accent1="accent1" accent2="accent2" accent3="accent3" accent4="accent4" accent5="accent5" accent6="accent6" hlink="hlink" folHlink="folHlink"/>
   <p:notesStyle>
-    <a:defPPr lvl="0" marR="0" rtl="0" algn="l">
+    <a:defPPr marR="0" lvl="0" algn="l" rtl="0">
       <a:lnSpc>
         <a:spcPct val="100000"/>
       </a:lnSpc>
@@ -1230,7 +1262,7 @@
         <a:spcPts val="0"/>
       </a:spcAft>
     </a:defPPr>
-    <a:lvl1pPr lvl="0" marR="0" rtl="0" algn="l">
+    <a:lvl1pPr marR="0" lvl="0" algn="l" rtl="0">
       <a:lnSpc>
         <a:spcPct val="100000"/>
       </a:lnSpc>
@@ -1244,7 +1276,7 @@
         <a:srgbClr val="000000"/>
       </a:buClr>
       <a:buFont typeface="Arial"/>
-      <a:defRPr b="0" i="0" sz="1400" u="none" cap="none" strike="noStrike">
+      <a:defRPr sz="1400" b="0" i="0" u="none" strike="noStrike" cap="none">
         <a:solidFill>
           <a:srgbClr val="000000"/>
         </a:solidFill>
@@ -1254,7 +1286,7 @@
         <a:sym typeface="Arial"/>
       </a:defRPr>
     </a:lvl1pPr>
-    <a:lvl2pPr lvl="1" marR="0" rtl="0" algn="l">
+    <a:lvl2pPr marR="0" lvl="1" algn="l" rtl="0">
       <a:lnSpc>
         <a:spcPct val="100000"/>
       </a:lnSpc>
@@ -1268,7 +1300,7 @@
         <a:srgbClr val="000000"/>
       </a:buClr>
       <a:buFont typeface="Arial"/>
-      <a:defRPr b="0" i="0" sz="1400" u="none" cap="none" strike="noStrike">
+      <a:defRPr sz="1400" b="0" i="0" u="none" strike="noStrike" cap="none">
         <a:solidFill>
           <a:srgbClr val="000000"/>
         </a:solidFill>
@@ -1278,7 +1310,7 @@
         <a:sym typeface="Arial"/>
       </a:defRPr>
     </a:lvl2pPr>
-    <a:lvl3pPr lvl="2" marR="0" rtl="0" algn="l">
+    <a:lvl3pPr marR="0" lvl="2" algn="l" rtl="0">
       <a:lnSpc>
         <a:spcPct val="100000"/>
       </a:lnSpc>
@@ -1292,7 +1324,7 @@
         <a:srgbClr val="000000"/>
       </a:buClr>
       <a:buFont typeface="Arial"/>
-      <a:defRPr b="0" i="0" sz="1400" u="none" cap="none" strike="noStrike">
+      <a:defRPr sz="1400" b="0" i="0" u="none" strike="noStrike" cap="none">
         <a:solidFill>
           <a:srgbClr val="000000"/>
         </a:solidFill>
@@ -1302,7 +1334,7 @@
         <a:sym typeface="Arial"/>
       </a:defRPr>
     </a:lvl3pPr>
-    <a:lvl4pPr lvl="3" marR="0" rtl="0" algn="l">
+    <a:lvl4pPr marR="0" lvl="3" algn="l" rtl="0">
       <a:lnSpc>
         <a:spcPct val="100000"/>
       </a:lnSpc>
@@ -1316,7 +1348,7 @@
         <a:srgbClr val="000000"/>
       </a:buClr>
       <a:buFont typeface="Arial"/>
-      <a:defRPr b="0" i="0" sz="1400" u="none" cap="none" strike="noStrike">
+      <a:defRPr sz="1400" b="0" i="0" u="none" strike="noStrike" cap="none">
         <a:solidFill>
           <a:srgbClr val="000000"/>
         </a:solidFill>
@@ -1326,7 +1358,7 @@
         <a:sym typeface="Arial"/>
       </a:defRPr>
     </a:lvl4pPr>
-    <a:lvl5pPr lvl="4" marR="0" rtl="0" algn="l">
+    <a:lvl5pPr marR="0" lvl="4" algn="l" rtl="0">
       <a:lnSpc>
         <a:spcPct val="100000"/>
       </a:lnSpc>
@@ -1340,7 +1372,7 @@
         <a:srgbClr val="000000"/>
       </a:buClr>
       <a:buFont typeface="Arial"/>
-      <a:defRPr b="0" i="0" sz="1400" u="none" cap="none" strike="noStrike">
+      <a:defRPr sz="1400" b="0" i="0" u="none" strike="noStrike" cap="none">
         <a:solidFill>
           <a:srgbClr val="000000"/>
         </a:solidFill>
@@ -1350,7 +1382,7 @@
         <a:sym typeface="Arial"/>
       </a:defRPr>
     </a:lvl5pPr>
-    <a:lvl6pPr lvl="5" marR="0" rtl="0" algn="l">
+    <a:lvl6pPr marR="0" lvl="5" algn="l" rtl="0">
       <a:lnSpc>
         <a:spcPct val="100000"/>
       </a:lnSpc>
@@ -1364,7 +1396,7 @@
         <a:srgbClr val="000000"/>
       </a:buClr>
       <a:buFont typeface="Arial"/>
-      <a:defRPr b="0" i="0" sz="1400" u="none" cap="none" strike="noStrike">
+      <a:defRPr sz="1400" b="0" i="0" u="none" strike="noStrike" cap="none">
         <a:solidFill>
           <a:srgbClr val="000000"/>
         </a:solidFill>
@@ -1374,7 +1406,7 @@
         <a:sym typeface="Arial"/>
       </a:defRPr>
     </a:lvl6pPr>
-    <a:lvl7pPr lvl="6" marR="0" rtl="0" algn="l">
+    <a:lvl7pPr marR="0" lvl="6" algn="l" rtl="0">
       <a:lnSpc>
         <a:spcPct val="100000"/>
       </a:lnSpc>
@@ -1388,7 +1420,7 @@
         <a:srgbClr val="000000"/>
       </a:buClr>
       <a:buFont typeface="Arial"/>
-      <a:defRPr b="0" i="0" sz="1400" u="none" cap="none" strike="noStrike">
+      <a:defRPr sz="1400" b="0" i="0" u="none" strike="noStrike" cap="none">
         <a:solidFill>
           <a:srgbClr val="000000"/>
         </a:solidFill>
@@ -1398,7 +1430,7 @@
         <a:sym typeface="Arial"/>
       </a:defRPr>
     </a:lvl7pPr>
-    <a:lvl8pPr lvl="7" marR="0" rtl="0" algn="l">
+    <a:lvl8pPr marR="0" lvl="7" algn="l" rtl="0">
       <a:lnSpc>
         <a:spcPct val="100000"/>
       </a:lnSpc>
@@ -1412,7 +1444,7 @@
         <a:srgbClr val="000000"/>
       </a:buClr>
       <a:buFont typeface="Arial"/>
-      <a:defRPr b="0" i="0" sz="1400" u="none" cap="none" strike="noStrike">
+      <a:defRPr sz="1400" b="0" i="0" u="none" strike="noStrike" cap="none">
         <a:solidFill>
           <a:srgbClr val="000000"/>
         </a:solidFill>
@@ -1422,7 +1454,7 @@
         <a:sym typeface="Arial"/>
       </a:defRPr>
     </a:lvl8pPr>
-    <a:lvl9pPr lvl="8" marR="0" rtl="0" algn="l">
+    <a:lvl9pPr marR="0" lvl="8" algn="l" rtl="0">
       <a:lnSpc>
         <a:spcPct val="100000"/>
       </a:lnSpc>
@@ -1436,7 +1468,7 @@
         <a:srgbClr val="000000"/>
       </a:buClr>
       <a:buFont typeface="Arial"/>
-      <a:defRPr b="0" i="0" sz="1400" u="none" cap="none" strike="noStrike">
+      <a:defRPr sz="1400" b="0" i="0" u="none" strike="noStrike" cap="none">
         <a:solidFill>
           <a:srgbClr val="000000"/>
         </a:solidFill>
@@ -1451,11 +1483,11 @@
 </file>
 
 <file path=ppt/notesSlides/notesSlide1.xml><?xml version="1.0" encoding="utf-8"?>
-<p:notes xmlns:a="http://schemas.openxmlformats.org/drawingml/2006/main" xmlns:r="http://schemas.openxmlformats.org/officeDocument/2006/relationships" xmlns:mc="http://schemas.openxmlformats.org/markup-compatibility/2006" xmlns:mv="urn:schemas-microsoft-com:mac:vml" xmlns:p="http://schemas.openxmlformats.org/presentationml/2006/main" xmlns:c="http://schemas.openxmlformats.org/drawingml/2006/chart" xmlns:dgm="http://schemas.openxmlformats.org/drawingml/2006/diagram" xmlns:o="urn:schemas-microsoft-com:office:office" xmlns:v="urn:schemas-microsoft-com:vml" xmlns:pvml="urn:schemas-microsoft-com:office:powerpoint" xmlns:com="http://schemas.openxmlformats.org/drawingml/2006/compatibility" xmlns:p14="http://schemas.microsoft.com/office/powerpoint/2010/main" xmlns:p15="http://schemas.microsoft.com/office/powerpoint/2012/main" xmlns:ahyp="http://schemas.microsoft.com/office/drawing/2018/hyperlinkcolor" showMasterPhAnim="0" showMasterSp="0">
+<p:notes xmlns:a="http://schemas.openxmlformats.org/drawingml/2006/main" xmlns:r="http://schemas.openxmlformats.org/officeDocument/2006/relationships" xmlns:p="http://schemas.openxmlformats.org/presentationml/2006/main" showMasterSp="0" showMasterPhAnim="0">
   <p:cSld>
     <p:spTree>
       <p:nvGrpSpPr>
-        <p:cNvPr id="33" name="Shape 33"/>
+        <p:cNvPr id="1" name="Shape 33"/>
         <p:cNvGrpSpPr/>
         <p:nvPr/>
       </p:nvGrpSpPr>
@@ -1470,9 +1502,11 @@
       <p:sp>
         <p:nvSpPr>
           <p:cNvPr id="34" name="Google Shape;34;p1:notes"/>
-          <p:cNvSpPr/>
+          <p:cNvSpPr>
+            <a:spLocks noGrp="1" noRot="1" noChangeAspect="1"/>
+          </p:cNvSpPr>
           <p:nvPr>
-            <p:ph idx="2" type="sldImg"/>
+            <p:ph type="sldImg" idx="2"/>
           </p:nvPr>
         </p:nvSpPr>
         <p:spPr>
@@ -1481,9 +1515,13 @@
             <a:ext cx="5486400" cy="3086100"/>
           </a:xfrm>
           <a:custGeom>
-            <a:rect b="b" l="l" r="r" t="t"/>
+            <a:avLst/>
+            <a:gdLst/>
+            <a:ahLst/>
+            <a:cxnLst/>
+            <a:rect l="l" t="t" r="r" b="b"/>
             <a:pathLst>
-              <a:path extrusionOk="0" h="120000" w="120000">
+              <a:path w="120000" h="120000" extrusionOk="0">
                 <a:moveTo>
                   <a:pt x="0" y="0"/>
                 </a:moveTo>
@@ -1501,23 +1539,25 @@
             </a:pathLst>
           </a:custGeom>
           <a:noFill/>
-          <a:ln cap="flat" cmpd="sng" w="12700">
+          <a:ln w="12700" cap="flat" cmpd="sng">
             <a:solidFill>
               <a:srgbClr val="000000"/>
             </a:solidFill>
             <a:prstDash val="solid"/>
             <a:round/>
-            <a:headEnd len="sm" w="sm" type="none"/>
-            <a:tailEnd len="sm" w="sm" type="none"/>
+            <a:headEnd type="none" w="sm" len="sm"/>
+            <a:tailEnd type="none" w="sm" len="sm"/>
           </a:ln>
         </p:spPr>
       </p:sp>
       <p:sp>
         <p:nvSpPr>
           <p:cNvPr id="35" name="Google Shape;35;p1:notes"/>
-          <p:cNvSpPr txBox="1"/>
+          <p:cNvSpPr txBox="1">
+            <a:spLocks noGrp="1"/>
+          </p:cNvSpPr>
           <p:nvPr>
-            <p:ph idx="1" type="body"/>
+            <p:ph type="body" idx="1"/>
           </p:nvPr>
         </p:nvSpPr>
         <p:spPr>
@@ -1534,12 +1574,12 @@
           </a:ln>
         </p:spPr>
         <p:txBody>
-          <a:bodyPr anchorCtr="0" anchor="t" bIns="45700" lIns="91425" spcFirstLastPara="1" rIns="91425" wrap="square" tIns="45700">
+          <a:bodyPr spcFirstLastPara="1" wrap="square" lIns="91425" tIns="45700" rIns="91425" bIns="45700" anchor="t" anchorCtr="0">
             <a:noAutofit/>
           </a:bodyPr>
           <a:lstStyle/>
           <a:p>
-            <a:pPr indent="0" lvl="0" marL="0" rtl="0" algn="l">
+            <a:pPr marL="0" lvl="0" indent="0" algn="l" rtl="0">
               <a:spcBef>
                 <a:spcPts val="0"/>
               </a:spcBef>
@@ -1548,9 +1588,6 @@
               </a:spcAft>
               <a:buNone/>
             </a:pPr>
-            <a:r>
-              <a:t/>
-            </a:r>
             <a:endParaRPr/>
           </a:p>
         </p:txBody>
@@ -1558,9 +1595,11 @@
       <p:sp>
         <p:nvSpPr>
           <p:cNvPr id="36" name="Google Shape;36;p1:notes"/>
-          <p:cNvSpPr txBox="1"/>
+          <p:cNvSpPr txBox="1">
+            <a:spLocks noGrp="1"/>
+          </p:cNvSpPr>
           <p:nvPr>
-            <p:ph idx="12" type="sldNum"/>
+            <p:ph type="sldNum" idx="12"/>
           </p:nvPr>
         </p:nvSpPr>
         <p:spPr>
@@ -1577,12 +1616,12 @@
           </a:ln>
         </p:spPr>
         <p:txBody>
-          <a:bodyPr anchorCtr="0" anchor="b" bIns="45700" lIns="91425" spcFirstLastPara="1" rIns="91425" wrap="square" tIns="45700">
+          <a:bodyPr spcFirstLastPara="1" wrap="square" lIns="91425" tIns="45700" rIns="91425" bIns="45700" anchor="b" anchorCtr="0">
             <a:noAutofit/>
           </a:bodyPr>
           <a:lstStyle/>
           <a:p>
-            <a:pPr indent="0" lvl="0" marL="0" rtl="0" algn="r">
+            <a:pPr marL="0" lvl="0" indent="0" algn="r" rtl="0">
               <a:spcBef>
                 <a:spcPts val="0"/>
               </a:spcBef>
@@ -1593,7 +1632,7 @@
             </a:pPr>
             <a:fld id="{00000000-1234-1234-1234-123412341234}" type="slidenum">
               <a:rPr lang="es-ES"/>
-              <a:t>‹#›</a:t>
+              <a:t>1</a:t>
             </a:fld>
             <a:endParaRPr/>
           </a:p>
@@ -1608,11 +1647,11 @@
 </file>
 
 <file path=ppt/notesSlides/notesSlide2.xml><?xml version="1.0" encoding="utf-8"?>
-<p:notes xmlns:a="http://schemas.openxmlformats.org/drawingml/2006/main" xmlns:r="http://schemas.openxmlformats.org/officeDocument/2006/relationships" xmlns:mc="http://schemas.openxmlformats.org/markup-compatibility/2006" xmlns:mv="urn:schemas-microsoft-com:mac:vml" xmlns:p="http://schemas.openxmlformats.org/presentationml/2006/main" xmlns:c="http://schemas.openxmlformats.org/drawingml/2006/chart" xmlns:dgm="http://schemas.openxmlformats.org/drawingml/2006/diagram" xmlns:o="urn:schemas-microsoft-com:office:office" xmlns:v="urn:schemas-microsoft-com:vml" xmlns:pvml="urn:schemas-microsoft-com:office:powerpoint" xmlns:com="http://schemas.openxmlformats.org/drawingml/2006/compatibility" xmlns:p14="http://schemas.microsoft.com/office/powerpoint/2010/main" xmlns:p15="http://schemas.microsoft.com/office/powerpoint/2012/main" xmlns:ahyp="http://schemas.microsoft.com/office/drawing/2018/hyperlinkcolor" showMasterPhAnim="0" showMasterSp="0">
+<p:notes xmlns:a="http://schemas.openxmlformats.org/drawingml/2006/main" xmlns:r="http://schemas.openxmlformats.org/officeDocument/2006/relationships" xmlns:p="http://schemas.openxmlformats.org/presentationml/2006/main" showMasterSp="0" showMasterPhAnim="0">
   <p:cSld>
     <p:spTree>
       <p:nvGrpSpPr>
-        <p:cNvPr id="40" name="Shape 40"/>
+        <p:cNvPr id="1" name="Shape 40"/>
         <p:cNvGrpSpPr/>
         <p:nvPr/>
       </p:nvGrpSpPr>
@@ -1627,9 +1666,11 @@
       <p:sp>
         <p:nvSpPr>
           <p:cNvPr id="41" name="Google Shape;41;p2:notes"/>
-          <p:cNvSpPr/>
+          <p:cNvSpPr>
+            <a:spLocks noGrp="1" noRot="1" noChangeAspect="1"/>
+          </p:cNvSpPr>
           <p:nvPr>
-            <p:ph idx="2" type="sldImg"/>
+            <p:ph type="sldImg" idx="2"/>
           </p:nvPr>
         </p:nvSpPr>
         <p:spPr>
@@ -1638,9 +1679,13 @@
             <a:ext cx="5486400" cy="3086100"/>
           </a:xfrm>
           <a:custGeom>
-            <a:rect b="b" l="l" r="r" t="t"/>
+            <a:avLst/>
+            <a:gdLst/>
+            <a:ahLst/>
+            <a:cxnLst/>
+            <a:rect l="l" t="t" r="r" b="b"/>
             <a:pathLst>
-              <a:path extrusionOk="0" h="120000" w="120000">
+              <a:path w="120000" h="120000" extrusionOk="0">
                 <a:moveTo>
                   <a:pt x="0" y="0"/>
                 </a:moveTo>
@@ -1658,23 +1703,25 @@
             </a:pathLst>
           </a:custGeom>
           <a:noFill/>
-          <a:ln cap="flat" cmpd="sng" w="12700">
+          <a:ln w="12700" cap="flat" cmpd="sng">
             <a:solidFill>
               <a:srgbClr val="000000"/>
             </a:solidFill>
             <a:prstDash val="solid"/>
             <a:round/>
-            <a:headEnd len="sm" w="sm" type="none"/>
-            <a:tailEnd len="sm" w="sm" type="none"/>
+            <a:headEnd type="none" w="sm" len="sm"/>
+            <a:tailEnd type="none" w="sm" len="sm"/>
           </a:ln>
         </p:spPr>
       </p:sp>
       <p:sp>
         <p:nvSpPr>
           <p:cNvPr id="42" name="Google Shape;42;p2:notes"/>
-          <p:cNvSpPr txBox="1"/>
+          <p:cNvSpPr txBox="1">
+            <a:spLocks noGrp="1"/>
+          </p:cNvSpPr>
           <p:nvPr>
-            <p:ph idx="1" type="body"/>
+            <p:ph type="body" idx="1"/>
           </p:nvPr>
         </p:nvSpPr>
         <p:spPr>
@@ -1691,12 +1738,12 @@
           </a:ln>
         </p:spPr>
         <p:txBody>
-          <a:bodyPr anchorCtr="0" anchor="t" bIns="45700" lIns="91425" spcFirstLastPara="1" rIns="91425" wrap="square" tIns="45700">
+          <a:bodyPr spcFirstLastPara="1" wrap="square" lIns="91425" tIns="45700" rIns="91425" bIns="45700" anchor="t" anchorCtr="0">
             <a:noAutofit/>
           </a:bodyPr>
           <a:lstStyle/>
           <a:p>
-            <a:pPr indent="0" lvl="0" marL="0" rtl="0" algn="l">
+            <a:pPr marL="0" lvl="0" indent="0" algn="l" rtl="0">
               <a:spcBef>
                 <a:spcPts val="0"/>
               </a:spcBef>
@@ -1705,9 +1752,6 @@
               </a:spcAft>
               <a:buNone/>
             </a:pPr>
-            <a:r>
-              <a:t/>
-            </a:r>
             <a:endParaRPr/>
           </a:p>
         </p:txBody>
@@ -1715,9 +1759,11 @@
       <p:sp>
         <p:nvSpPr>
           <p:cNvPr id="43" name="Google Shape;43;p2:notes"/>
-          <p:cNvSpPr txBox="1"/>
+          <p:cNvSpPr txBox="1">
+            <a:spLocks noGrp="1"/>
+          </p:cNvSpPr>
           <p:nvPr>
-            <p:ph idx="12" type="sldNum"/>
+            <p:ph type="sldNum" idx="12"/>
           </p:nvPr>
         </p:nvSpPr>
         <p:spPr>
@@ -1734,12 +1780,12 @@
           </a:ln>
         </p:spPr>
         <p:txBody>
-          <a:bodyPr anchorCtr="0" anchor="b" bIns="45700" lIns="91425" spcFirstLastPara="1" rIns="91425" wrap="square" tIns="45700">
+          <a:bodyPr spcFirstLastPara="1" wrap="square" lIns="91425" tIns="45700" rIns="91425" bIns="45700" anchor="b" anchorCtr="0">
             <a:noAutofit/>
           </a:bodyPr>
           <a:lstStyle/>
           <a:p>
-            <a:pPr indent="0" lvl="0" marL="0" rtl="0" algn="r">
+            <a:pPr marL="0" lvl="0" indent="0" algn="r" rtl="0">
               <a:spcBef>
                 <a:spcPts val="0"/>
               </a:spcBef>
@@ -1750,7 +1796,7 @@
             </a:pPr>
             <a:fld id="{00000000-1234-1234-1234-123412341234}" type="slidenum">
               <a:rPr lang="es-ES"/>
-              <a:t>‹#›</a:t>
+              <a:t>2</a:t>
             </a:fld>
             <a:endParaRPr/>
           </a:p>
@@ -1765,11 +1811,11 @@
 </file>
 
 <file path=ppt/notesSlides/notesSlide3.xml><?xml version="1.0" encoding="utf-8"?>
-<p:notes xmlns:a="http://schemas.openxmlformats.org/drawingml/2006/main" xmlns:r="http://schemas.openxmlformats.org/officeDocument/2006/relationships" xmlns:mc="http://schemas.openxmlformats.org/markup-compatibility/2006" xmlns:mv="urn:schemas-microsoft-com:mac:vml" xmlns:p="http://schemas.openxmlformats.org/presentationml/2006/main" xmlns:c="http://schemas.openxmlformats.org/drawingml/2006/chart" xmlns:dgm="http://schemas.openxmlformats.org/drawingml/2006/diagram" xmlns:o="urn:schemas-microsoft-com:office:office" xmlns:v="urn:schemas-microsoft-com:vml" xmlns:pvml="urn:schemas-microsoft-com:office:powerpoint" xmlns:com="http://schemas.openxmlformats.org/drawingml/2006/compatibility" xmlns:p14="http://schemas.microsoft.com/office/powerpoint/2010/main" xmlns:p15="http://schemas.microsoft.com/office/powerpoint/2012/main" xmlns:ahyp="http://schemas.microsoft.com/office/drawing/2018/hyperlinkcolor" showMasterPhAnim="0" showMasterSp="0">
+<p:notes xmlns:a="http://schemas.openxmlformats.org/drawingml/2006/main" xmlns:r="http://schemas.openxmlformats.org/officeDocument/2006/relationships" xmlns:p="http://schemas.openxmlformats.org/presentationml/2006/main" showMasterSp="0" showMasterPhAnim="0">
   <p:cSld>
     <p:spTree>
       <p:nvGrpSpPr>
-        <p:cNvPr id="47" name="Shape 47"/>
+        <p:cNvPr id="1" name="Shape 47"/>
         <p:cNvGrpSpPr/>
         <p:nvPr/>
       </p:nvGrpSpPr>
@@ -1784,9 +1830,11 @@
       <p:sp>
         <p:nvSpPr>
           <p:cNvPr id="48" name="Google Shape;48;p3:notes"/>
-          <p:cNvSpPr/>
+          <p:cNvSpPr>
+            <a:spLocks noGrp="1" noRot="1" noChangeAspect="1"/>
+          </p:cNvSpPr>
           <p:nvPr>
-            <p:ph idx="2" type="sldImg"/>
+            <p:ph type="sldImg" idx="2"/>
           </p:nvPr>
         </p:nvSpPr>
         <p:spPr>
@@ -1795,9 +1843,13 @@
             <a:ext cx="5486400" cy="3086100"/>
           </a:xfrm>
           <a:custGeom>
-            <a:rect b="b" l="l" r="r" t="t"/>
+            <a:avLst/>
+            <a:gdLst/>
+            <a:ahLst/>
+            <a:cxnLst/>
+            <a:rect l="l" t="t" r="r" b="b"/>
             <a:pathLst>
-              <a:path extrusionOk="0" h="120000" w="120000">
+              <a:path w="120000" h="120000" extrusionOk="0">
                 <a:moveTo>
                   <a:pt x="0" y="0"/>
                 </a:moveTo>
@@ -1815,23 +1867,25 @@
             </a:pathLst>
           </a:custGeom>
           <a:noFill/>
-          <a:ln cap="flat" cmpd="sng" w="12700">
+          <a:ln w="12700" cap="flat" cmpd="sng">
             <a:solidFill>
               <a:srgbClr val="000000"/>
             </a:solidFill>
             <a:prstDash val="solid"/>
             <a:round/>
-            <a:headEnd len="sm" w="sm" type="none"/>
-            <a:tailEnd len="sm" w="sm" type="none"/>
+            <a:headEnd type="none" w="sm" len="sm"/>
+            <a:tailEnd type="none" w="sm" len="sm"/>
           </a:ln>
         </p:spPr>
       </p:sp>
       <p:sp>
         <p:nvSpPr>
           <p:cNvPr id="49" name="Google Shape;49;p3:notes"/>
-          <p:cNvSpPr txBox="1"/>
+          <p:cNvSpPr txBox="1">
+            <a:spLocks noGrp="1"/>
+          </p:cNvSpPr>
           <p:nvPr>
-            <p:ph idx="1" type="body"/>
+            <p:ph type="body" idx="1"/>
           </p:nvPr>
         </p:nvSpPr>
         <p:spPr>
@@ -1848,12 +1902,12 @@
           </a:ln>
         </p:spPr>
         <p:txBody>
-          <a:bodyPr anchorCtr="0" anchor="t" bIns="45700" lIns="91425" spcFirstLastPara="1" rIns="91425" wrap="square" tIns="45700">
+          <a:bodyPr spcFirstLastPara="1" wrap="square" lIns="91425" tIns="45700" rIns="91425" bIns="45700" anchor="t" anchorCtr="0">
             <a:noAutofit/>
           </a:bodyPr>
           <a:lstStyle/>
           <a:p>
-            <a:pPr indent="0" lvl="0" marL="0" rtl="0" algn="l">
+            <a:pPr marL="0" lvl="0" indent="0" algn="l" rtl="0">
               <a:spcBef>
                 <a:spcPts val="0"/>
               </a:spcBef>
@@ -1862,9 +1916,6 @@
               </a:spcAft>
               <a:buNone/>
             </a:pPr>
-            <a:r>
-              <a:t/>
-            </a:r>
             <a:endParaRPr/>
           </a:p>
         </p:txBody>
@@ -1872,9 +1923,11 @@
       <p:sp>
         <p:nvSpPr>
           <p:cNvPr id="50" name="Google Shape;50;p3:notes"/>
-          <p:cNvSpPr txBox="1"/>
+          <p:cNvSpPr txBox="1">
+            <a:spLocks noGrp="1"/>
+          </p:cNvSpPr>
           <p:nvPr>
-            <p:ph idx="12" type="sldNum"/>
+            <p:ph type="sldNum" idx="12"/>
           </p:nvPr>
         </p:nvSpPr>
         <p:spPr>
@@ -1891,12 +1944,12 @@
           </a:ln>
         </p:spPr>
         <p:txBody>
-          <a:bodyPr anchorCtr="0" anchor="b" bIns="45700" lIns="91425" spcFirstLastPara="1" rIns="91425" wrap="square" tIns="45700">
+          <a:bodyPr spcFirstLastPara="1" wrap="square" lIns="91425" tIns="45700" rIns="91425" bIns="45700" anchor="b" anchorCtr="0">
             <a:noAutofit/>
           </a:bodyPr>
           <a:lstStyle/>
           <a:p>
-            <a:pPr indent="0" lvl="0" marL="0" rtl="0" algn="r">
+            <a:pPr marL="0" lvl="0" indent="0" algn="r" rtl="0">
               <a:spcBef>
                 <a:spcPts val="0"/>
               </a:spcBef>
@@ -1907,7 +1960,7 @@
             </a:pPr>
             <a:fld id="{00000000-1234-1234-1234-123412341234}" type="slidenum">
               <a:rPr lang="es-ES"/>
-              <a:t>‹#›</a:t>
+              <a:t>3</a:t>
             </a:fld>
             <a:endParaRPr/>
           </a:p>
@@ -1922,11 +1975,11 @@
 </file>
 
 <file path=ppt/notesSlides/notesSlide4.xml><?xml version="1.0" encoding="utf-8"?>
-<p:notes xmlns:a="http://schemas.openxmlformats.org/drawingml/2006/main" xmlns:r="http://schemas.openxmlformats.org/officeDocument/2006/relationships" xmlns:mc="http://schemas.openxmlformats.org/markup-compatibility/2006" xmlns:mv="urn:schemas-microsoft-com:mac:vml" xmlns:p="http://schemas.openxmlformats.org/presentationml/2006/main" xmlns:c="http://schemas.openxmlformats.org/drawingml/2006/chart" xmlns:dgm="http://schemas.openxmlformats.org/drawingml/2006/diagram" xmlns:o="urn:schemas-microsoft-com:office:office" xmlns:v="urn:schemas-microsoft-com:vml" xmlns:pvml="urn:schemas-microsoft-com:office:powerpoint" xmlns:com="http://schemas.openxmlformats.org/drawingml/2006/compatibility" xmlns:p14="http://schemas.microsoft.com/office/powerpoint/2010/main" xmlns:p15="http://schemas.microsoft.com/office/powerpoint/2012/main" xmlns:ahyp="http://schemas.microsoft.com/office/drawing/2018/hyperlinkcolor" showMasterPhAnim="0" showMasterSp="0">
+<p:notes xmlns:a="http://schemas.openxmlformats.org/drawingml/2006/main" xmlns:r="http://schemas.openxmlformats.org/officeDocument/2006/relationships" xmlns:p="http://schemas.openxmlformats.org/presentationml/2006/main" showMasterSp="0" showMasterPhAnim="0">
   <p:cSld>
     <p:spTree>
       <p:nvGrpSpPr>
-        <p:cNvPr id="74" name="Shape 74"/>
+        <p:cNvPr id="1" name="Shape 74"/>
         <p:cNvGrpSpPr/>
         <p:nvPr/>
       </p:nvGrpSpPr>
@@ -1941,9 +1994,11 @@
       <p:sp>
         <p:nvSpPr>
           <p:cNvPr id="75" name="Google Shape;75;p4:notes"/>
-          <p:cNvSpPr/>
+          <p:cNvSpPr>
+            <a:spLocks noGrp="1" noRot="1" noChangeAspect="1"/>
+          </p:cNvSpPr>
           <p:nvPr>
-            <p:ph idx="2" type="sldImg"/>
+            <p:ph type="sldImg" idx="2"/>
           </p:nvPr>
         </p:nvSpPr>
         <p:spPr>
@@ -1952,9 +2007,13 @@
             <a:ext cx="5486400" cy="3086100"/>
           </a:xfrm>
           <a:custGeom>
-            <a:rect b="b" l="l" r="r" t="t"/>
+            <a:avLst/>
+            <a:gdLst/>
+            <a:ahLst/>
+            <a:cxnLst/>
+            <a:rect l="l" t="t" r="r" b="b"/>
             <a:pathLst>
-              <a:path extrusionOk="0" h="120000" w="120000">
+              <a:path w="120000" h="120000" extrusionOk="0">
                 <a:moveTo>
                   <a:pt x="0" y="0"/>
                 </a:moveTo>
@@ -1972,23 +2031,25 @@
             </a:pathLst>
           </a:custGeom>
           <a:noFill/>
-          <a:ln cap="flat" cmpd="sng" w="12700">
+          <a:ln w="12700" cap="flat" cmpd="sng">
             <a:solidFill>
               <a:srgbClr val="000000"/>
             </a:solidFill>
             <a:prstDash val="solid"/>
             <a:round/>
-            <a:headEnd len="sm" w="sm" type="none"/>
-            <a:tailEnd len="sm" w="sm" type="none"/>
+            <a:headEnd type="none" w="sm" len="sm"/>
+            <a:tailEnd type="none" w="sm" len="sm"/>
           </a:ln>
         </p:spPr>
       </p:sp>
       <p:sp>
         <p:nvSpPr>
           <p:cNvPr id="76" name="Google Shape;76;p4:notes"/>
-          <p:cNvSpPr txBox="1"/>
+          <p:cNvSpPr txBox="1">
+            <a:spLocks noGrp="1"/>
+          </p:cNvSpPr>
           <p:nvPr>
-            <p:ph idx="1" type="body"/>
+            <p:ph type="body" idx="1"/>
           </p:nvPr>
         </p:nvSpPr>
         <p:spPr>
@@ -2005,12 +2066,12 @@
           </a:ln>
         </p:spPr>
         <p:txBody>
-          <a:bodyPr anchorCtr="0" anchor="t" bIns="45700" lIns="91425" spcFirstLastPara="1" rIns="91425" wrap="square" tIns="45700">
+          <a:bodyPr spcFirstLastPara="1" wrap="square" lIns="91425" tIns="45700" rIns="91425" bIns="45700" anchor="t" anchorCtr="0">
             <a:noAutofit/>
           </a:bodyPr>
           <a:lstStyle/>
           <a:p>
-            <a:pPr indent="0" lvl="0" marL="0" rtl="0" algn="l">
+            <a:pPr marL="0" lvl="0" indent="0" algn="l" rtl="0">
               <a:spcBef>
                 <a:spcPts val="0"/>
               </a:spcBef>
@@ -2019,9 +2080,6 @@
               </a:spcAft>
               <a:buNone/>
             </a:pPr>
-            <a:r>
-              <a:t/>
-            </a:r>
             <a:endParaRPr/>
           </a:p>
         </p:txBody>
@@ -2029,9 +2087,11 @@
       <p:sp>
         <p:nvSpPr>
           <p:cNvPr id="77" name="Google Shape;77;p4:notes"/>
-          <p:cNvSpPr txBox="1"/>
+          <p:cNvSpPr txBox="1">
+            <a:spLocks noGrp="1"/>
+          </p:cNvSpPr>
           <p:nvPr>
-            <p:ph idx="12" type="sldNum"/>
+            <p:ph type="sldNum" idx="12"/>
           </p:nvPr>
         </p:nvSpPr>
         <p:spPr>
@@ -2048,12 +2108,12 @@
           </a:ln>
         </p:spPr>
         <p:txBody>
-          <a:bodyPr anchorCtr="0" anchor="b" bIns="45700" lIns="91425" spcFirstLastPara="1" rIns="91425" wrap="square" tIns="45700">
+          <a:bodyPr spcFirstLastPara="1" wrap="square" lIns="91425" tIns="45700" rIns="91425" bIns="45700" anchor="b" anchorCtr="0">
             <a:noAutofit/>
           </a:bodyPr>
           <a:lstStyle/>
           <a:p>
-            <a:pPr indent="0" lvl="0" marL="0" rtl="0" algn="r">
+            <a:pPr marL="0" lvl="0" indent="0" algn="r" rtl="0">
               <a:spcBef>
                 <a:spcPts val="0"/>
               </a:spcBef>
@@ -2064,7 +2124,7 @@
             </a:pPr>
             <a:fld id="{00000000-1234-1234-1234-123412341234}" type="slidenum">
               <a:rPr lang="es-ES"/>
-              <a:t>‹#›</a:t>
+              <a:t>4</a:t>
             </a:fld>
             <a:endParaRPr/>
           </a:p>
@@ -2079,11 +2139,11 @@
 </file>
 
 <file path=ppt/notesSlides/notesSlide5.xml><?xml version="1.0" encoding="utf-8"?>
-<p:notes xmlns:a="http://schemas.openxmlformats.org/drawingml/2006/main" xmlns:r="http://schemas.openxmlformats.org/officeDocument/2006/relationships" xmlns:mc="http://schemas.openxmlformats.org/markup-compatibility/2006" xmlns:mv="urn:schemas-microsoft-com:mac:vml" xmlns:p="http://schemas.openxmlformats.org/presentationml/2006/main" xmlns:c="http://schemas.openxmlformats.org/drawingml/2006/chart" xmlns:dgm="http://schemas.openxmlformats.org/drawingml/2006/diagram" xmlns:o="urn:schemas-microsoft-com:office:office" xmlns:v="urn:schemas-microsoft-com:vml" xmlns:pvml="urn:schemas-microsoft-com:office:powerpoint" xmlns:com="http://schemas.openxmlformats.org/drawingml/2006/compatibility" xmlns:p14="http://schemas.microsoft.com/office/powerpoint/2010/main" xmlns:p15="http://schemas.microsoft.com/office/powerpoint/2012/main" xmlns:ahyp="http://schemas.microsoft.com/office/drawing/2018/hyperlinkcolor" showMasterPhAnim="0" showMasterSp="0">
+<p:notes xmlns:a="http://schemas.openxmlformats.org/drawingml/2006/main" xmlns:r="http://schemas.openxmlformats.org/officeDocument/2006/relationships" xmlns:p="http://schemas.openxmlformats.org/presentationml/2006/main" showMasterSp="0" showMasterPhAnim="0">
   <p:cSld>
     <p:spTree>
       <p:nvGrpSpPr>
-        <p:cNvPr id="83" name="Shape 83"/>
+        <p:cNvPr id="1" name="Shape 83"/>
         <p:cNvGrpSpPr/>
         <p:nvPr/>
       </p:nvGrpSpPr>
@@ -2098,9 +2158,11 @@
       <p:sp>
         <p:nvSpPr>
           <p:cNvPr id="84" name="Google Shape;84;p5:notes"/>
-          <p:cNvSpPr/>
+          <p:cNvSpPr>
+            <a:spLocks noGrp="1" noRot="1" noChangeAspect="1"/>
+          </p:cNvSpPr>
           <p:nvPr>
-            <p:ph idx="2" type="sldImg"/>
+            <p:ph type="sldImg" idx="2"/>
           </p:nvPr>
         </p:nvSpPr>
         <p:spPr>
@@ -2109,9 +2171,13 @@
             <a:ext cx="5486400" cy="3086100"/>
           </a:xfrm>
           <a:custGeom>
-            <a:rect b="b" l="l" r="r" t="t"/>
+            <a:avLst/>
+            <a:gdLst/>
+            <a:ahLst/>
+            <a:cxnLst/>
+            <a:rect l="l" t="t" r="r" b="b"/>
             <a:pathLst>
-              <a:path extrusionOk="0" h="120000" w="120000">
+              <a:path w="120000" h="120000" extrusionOk="0">
                 <a:moveTo>
                   <a:pt x="0" y="0"/>
                 </a:moveTo>
@@ -2129,23 +2195,25 @@
             </a:pathLst>
           </a:custGeom>
           <a:noFill/>
-          <a:ln cap="flat" cmpd="sng" w="12700">
+          <a:ln w="12700" cap="flat" cmpd="sng">
             <a:solidFill>
               <a:srgbClr val="000000"/>
             </a:solidFill>
             <a:prstDash val="solid"/>
             <a:round/>
-            <a:headEnd len="sm" w="sm" type="none"/>
-            <a:tailEnd len="sm" w="sm" type="none"/>
+            <a:headEnd type="none" w="sm" len="sm"/>
+            <a:tailEnd type="none" w="sm" len="sm"/>
           </a:ln>
         </p:spPr>
       </p:sp>
       <p:sp>
         <p:nvSpPr>
           <p:cNvPr id="85" name="Google Shape;85;p5:notes"/>
-          <p:cNvSpPr txBox="1"/>
+          <p:cNvSpPr txBox="1">
+            <a:spLocks noGrp="1"/>
+          </p:cNvSpPr>
           <p:nvPr>
-            <p:ph idx="1" type="body"/>
+            <p:ph type="body" idx="1"/>
           </p:nvPr>
         </p:nvSpPr>
         <p:spPr>
@@ -2162,12 +2230,12 @@
           </a:ln>
         </p:spPr>
         <p:txBody>
-          <a:bodyPr anchorCtr="0" anchor="t" bIns="45700" lIns="91425" spcFirstLastPara="1" rIns="91425" wrap="square" tIns="45700">
+          <a:bodyPr spcFirstLastPara="1" wrap="square" lIns="91425" tIns="45700" rIns="91425" bIns="45700" anchor="t" anchorCtr="0">
             <a:noAutofit/>
           </a:bodyPr>
           <a:lstStyle/>
           <a:p>
-            <a:pPr indent="0" lvl="0" marL="0" rtl="0" algn="l">
+            <a:pPr marL="0" lvl="0" indent="0" algn="l" rtl="0">
               <a:spcBef>
                 <a:spcPts val="0"/>
               </a:spcBef>
@@ -2176,9 +2244,6 @@
               </a:spcAft>
               <a:buNone/>
             </a:pPr>
-            <a:r>
-              <a:t/>
-            </a:r>
             <a:endParaRPr/>
           </a:p>
         </p:txBody>
@@ -2186,9 +2251,11 @@
       <p:sp>
         <p:nvSpPr>
           <p:cNvPr id="86" name="Google Shape;86;p5:notes"/>
-          <p:cNvSpPr txBox="1"/>
+          <p:cNvSpPr txBox="1">
+            <a:spLocks noGrp="1"/>
+          </p:cNvSpPr>
           <p:nvPr>
-            <p:ph idx="12" type="sldNum"/>
+            <p:ph type="sldNum" idx="12"/>
           </p:nvPr>
         </p:nvSpPr>
         <p:spPr>
@@ -2205,12 +2272,12 @@
           </a:ln>
         </p:spPr>
         <p:txBody>
-          <a:bodyPr anchorCtr="0" anchor="b" bIns="45700" lIns="91425" spcFirstLastPara="1" rIns="91425" wrap="square" tIns="45700">
+          <a:bodyPr spcFirstLastPara="1" wrap="square" lIns="91425" tIns="45700" rIns="91425" bIns="45700" anchor="b" anchorCtr="0">
             <a:noAutofit/>
           </a:bodyPr>
           <a:lstStyle/>
           <a:p>
-            <a:pPr indent="0" lvl="0" marL="0" rtl="0" algn="r">
+            <a:pPr marL="0" lvl="0" indent="0" algn="r" rtl="0">
               <a:spcBef>
                 <a:spcPts val="0"/>
               </a:spcBef>
@@ -2221,7 +2288,7 @@
             </a:pPr>
             <a:fld id="{00000000-1234-1234-1234-123412341234}" type="slidenum">
               <a:rPr lang="es-ES"/>
-              <a:t>‹#›</a:t>
+              <a:t>5</a:t>
             </a:fld>
             <a:endParaRPr/>
           </a:p>
@@ -2236,11 +2303,11 @@
 </file>
 
 <file path=ppt/notesSlides/notesSlide6.xml><?xml version="1.0" encoding="utf-8"?>
-<p:notes xmlns:a="http://schemas.openxmlformats.org/drawingml/2006/main" xmlns:r="http://schemas.openxmlformats.org/officeDocument/2006/relationships" xmlns:mc="http://schemas.openxmlformats.org/markup-compatibility/2006" xmlns:mv="urn:schemas-microsoft-com:mac:vml" xmlns:p="http://schemas.openxmlformats.org/presentationml/2006/main" xmlns:c="http://schemas.openxmlformats.org/drawingml/2006/chart" xmlns:dgm="http://schemas.openxmlformats.org/drawingml/2006/diagram" xmlns:o="urn:schemas-microsoft-com:office:office" xmlns:v="urn:schemas-microsoft-com:vml" xmlns:pvml="urn:schemas-microsoft-com:office:powerpoint" xmlns:com="http://schemas.openxmlformats.org/drawingml/2006/compatibility" xmlns:p14="http://schemas.microsoft.com/office/powerpoint/2010/main" xmlns:p15="http://schemas.microsoft.com/office/powerpoint/2012/main" xmlns:ahyp="http://schemas.microsoft.com/office/drawing/2018/hyperlinkcolor" showMasterPhAnim="0" showMasterSp="0">
+<p:notes xmlns:a="http://schemas.openxmlformats.org/drawingml/2006/main" xmlns:r="http://schemas.openxmlformats.org/officeDocument/2006/relationships" xmlns:p="http://schemas.openxmlformats.org/presentationml/2006/main" showMasterSp="0" showMasterPhAnim="0">
   <p:cSld>
     <p:spTree>
       <p:nvGrpSpPr>
-        <p:cNvPr id="104" name="Shape 104"/>
+        <p:cNvPr id="1" name="Shape 104"/>
         <p:cNvGrpSpPr/>
         <p:nvPr/>
       </p:nvGrpSpPr>
@@ -2255,9 +2322,11 @@
       <p:sp>
         <p:nvSpPr>
           <p:cNvPr id="105" name="Google Shape;105;p6:notes"/>
-          <p:cNvSpPr/>
+          <p:cNvSpPr>
+            <a:spLocks noGrp="1" noRot="1" noChangeAspect="1"/>
+          </p:cNvSpPr>
           <p:nvPr>
-            <p:ph idx="2" type="sldImg"/>
+            <p:ph type="sldImg" idx="2"/>
           </p:nvPr>
         </p:nvSpPr>
         <p:spPr>
@@ -2266,9 +2335,13 @@
             <a:ext cx="5486400" cy="3086100"/>
           </a:xfrm>
           <a:custGeom>
-            <a:rect b="b" l="l" r="r" t="t"/>
+            <a:avLst/>
+            <a:gdLst/>
+            <a:ahLst/>
+            <a:cxnLst/>
+            <a:rect l="l" t="t" r="r" b="b"/>
             <a:pathLst>
-              <a:path extrusionOk="0" h="120000" w="120000">
+              <a:path w="120000" h="120000" extrusionOk="0">
                 <a:moveTo>
                   <a:pt x="0" y="0"/>
                 </a:moveTo>
@@ -2286,23 +2359,25 @@
             </a:pathLst>
           </a:custGeom>
           <a:noFill/>
-          <a:ln cap="flat" cmpd="sng" w="12700">
+          <a:ln w="12700" cap="flat" cmpd="sng">
             <a:solidFill>
               <a:srgbClr val="000000"/>
             </a:solidFill>
             <a:prstDash val="solid"/>
             <a:round/>
-            <a:headEnd len="sm" w="sm" type="none"/>
-            <a:tailEnd len="sm" w="sm" type="none"/>
+            <a:headEnd type="none" w="sm" len="sm"/>
+            <a:tailEnd type="none" w="sm" len="sm"/>
           </a:ln>
         </p:spPr>
       </p:sp>
       <p:sp>
         <p:nvSpPr>
           <p:cNvPr id="106" name="Google Shape;106;p6:notes"/>
-          <p:cNvSpPr txBox="1"/>
+          <p:cNvSpPr txBox="1">
+            <a:spLocks noGrp="1"/>
+          </p:cNvSpPr>
           <p:nvPr>
-            <p:ph idx="1" type="body"/>
+            <p:ph type="body" idx="1"/>
           </p:nvPr>
         </p:nvSpPr>
         <p:spPr>
@@ -2319,12 +2394,12 @@
           </a:ln>
         </p:spPr>
         <p:txBody>
-          <a:bodyPr anchorCtr="0" anchor="t" bIns="45700" lIns="91425" spcFirstLastPara="1" rIns="91425" wrap="square" tIns="45700">
+          <a:bodyPr spcFirstLastPara="1" wrap="square" lIns="91425" tIns="45700" rIns="91425" bIns="45700" anchor="t" anchorCtr="0">
             <a:noAutofit/>
           </a:bodyPr>
           <a:lstStyle/>
           <a:p>
-            <a:pPr indent="0" lvl="0" marL="0" rtl="0" algn="l">
+            <a:pPr marL="0" lvl="0" indent="0" algn="l" rtl="0">
               <a:spcBef>
                 <a:spcPts val="0"/>
               </a:spcBef>
@@ -2333,9 +2408,6 @@
               </a:spcAft>
               <a:buNone/>
             </a:pPr>
-            <a:r>
-              <a:t/>
-            </a:r>
             <a:endParaRPr/>
           </a:p>
         </p:txBody>
@@ -2343,9 +2415,11 @@
       <p:sp>
         <p:nvSpPr>
           <p:cNvPr id="107" name="Google Shape;107;p6:notes"/>
-          <p:cNvSpPr txBox="1"/>
+          <p:cNvSpPr txBox="1">
+            <a:spLocks noGrp="1"/>
+          </p:cNvSpPr>
           <p:nvPr>
-            <p:ph idx="12" type="sldNum"/>
+            <p:ph type="sldNum" idx="12"/>
           </p:nvPr>
         </p:nvSpPr>
         <p:spPr>
@@ -2362,12 +2436,12 @@
           </a:ln>
         </p:spPr>
         <p:txBody>
-          <a:bodyPr anchorCtr="0" anchor="b" bIns="45700" lIns="91425" spcFirstLastPara="1" rIns="91425" wrap="square" tIns="45700">
+          <a:bodyPr spcFirstLastPara="1" wrap="square" lIns="91425" tIns="45700" rIns="91425" bIns="45700" anchor="b" anchorCtr="0">
             <a:noAutofit/>
           </a:bodyPr>
           <a:lstStyle/>
           <a:p>
-            <a:pPr indent="0" lvl="0" marL="0" rtl="0" algn="r">
+            <a:pPr marL="0" lvl="0" indent="0" algn="r" rtl="0">
               <a:spcBef>
                 <a:spcPts val="0"/>
               </a:spcBef>
@@ -2378,7 +2452,7 @@
             </a:pPr>
             <a:fld id="{00000000-1234-1234-1234-123412341234}" type="slidenum">
               <a:rPr lang="es-ES"/>
-              <a:t>‹#›</a:t>
+              <a:t>6</a:t>
             </a:fld>
             <a:endParaRPr/>
           </a:p>
@@ -2393,11 +2467,11 @@
 </file>
 
 <file path=ppt/notesSlides/notesSlide7.xml><?xml version="1.0" encoding="utf-8"?>
-<p:notes xmlns:a="http://schemas.openxmlformats.org/drawingml/2006/main" xmlns:r="http://schemas.openxmlformats.org/officeDocument/2006/relationships" xmlns:mc="http://schemas.openxmlformats.org/markup-compatibility/2006" xmlns:mv="urn:schemas-microsoft-com:mac:vml" xmlns:p="http://schemas.openxmlformats.org/presentationml/2006/main" xmlns:c="http://schemas.openxmlformats.org/drawingml/2006/chart" xmlns:dgm="http://schemas.openxmlformats.org/drawingml/2006/diagram" xmlns:o="urn:schemas-microsoft-com:office:office" xmlns:v="urn:schemas-microsoft-com:vml" xmlns:pvml="urn:schemas-microsoft-com:office:powerpoint" xmlns:com="http://schemas.openxmlformats.org/drawingml/2006/compatibility" xmlns:p14="http://schemas.microsoft.com/office/powerpoint/2010/main" xmlns:p15="http://schemas.microsoft.com/office/powerpoint/2012/main" xmlns:ahyp="http://schemas.microsoft.com/office/drawing/2018/hyperlinkcolor" showMasterPhAnim="0" showMasterSp="0">
+<p:notes xmlns:a="http://schemas.openxmlformats.org/drawingml/2006/main" xmlns:r="http://schemas.openxmlformats.org/officeDocument/2006/relationships" xmlns:p="http://schemas.openxmlformats.org/presentationml/2006/main" showMasterSp="0" showMasterPhAnim="0">
   <p:cSld>
     <p:spTree>
       <p:nvGrpSpPr>
-        <p:cNvPr id="126" name="Shape 126"/>
+        <p:cNvPr id="1" name="Shape 126"/>
         <p:cNvGrpSpPr/>
         <p:nvPr/>
       </p:nvGrpSpPr>
@@ -2412,9 +2486,11 @@
       <p:sp>
         <p:nvSpPr>
           <p:cNvPr id="127" name="Google Shape;127;p8:notes"/>
-          <p:cNvSpPr/>
+          <p:cNvSpPr>
+            <a:spLocks noGrp="1" noRot="1" noChangeAspect="1"/>
+          </p:cNvSpPr>
           <p:nvPr>
-            <p:ph idx="2" type="sldImg"/>
+            <p:ph type="sldImg" idx="2"/>
           </p:nvPr>
         </p:nvSpPr>
         <p:spPr>
@@ -2423,9 +2499,13 @@
             <a:ext cx="5486400" cy="3086100"/>
           </a:xfrm>
           <a:custGeom>
-            <a:rect b="b" l="l" r="r" t="t"/>
+            <a:avLst/>
+            <a:gdLst/>
+            <a:ahLst/>
+            <a:cxnLst/>
+            <a:rect l="l" t="t" r="r" b="b"/>
             <a:pathLst>
-              <a:path extrusionOk="0" h="120000" w="120000">
+              <a:path w="120000" h="120000" extrusionOk="0">
                 <a:moveTo>
                   <a:pt x="0" y="0"/>
                 </a:moveTo>
@@ -2443,23 +2523,25 @@
             </a:pathLst>
           </a:custGeom>
           <a:noFill/>
-          <a:ln cap="flat" cmpd="sng" w="12700">
+          <a:ln w="12700" cap="flat" cmpd="sng">
             <a:solidFill>
               <a:srgbClr val="000000"/>
             </a:solidFill>
             <a:prstDash val="solid"/>
             <a:round/>
-            <a:headEnd len="sm" w="sm" type="none"/>
-            <a:tailEnd len="sm" w="sm" type="none"/>
+            <a:headEnd type="none" w="sm" len="sm"/>
+            <a:tailEnd type="none" w="sm" len="sm"/>
           </a:ln>
         </p:spPr>
       </p:sp>
       <p:sp>
         <p:nvSpPr>
           <p:cNvPr id="128" name="Google Shape;128;p8:notes"/>
-          <p:cNvSpPr txBox="1"/>
+          <p:cNvSpPr txBox="1">
+            <a:spLocks noGrp="1"/>
+          </p:cNvSpPr>
           <p:nvPr>
-            <p:ph idx="1" type="body"/>
+            <p:ph type="body" idx="1"/>
           </p:nvPr>
         </p:nvSpPr>
         <p:spPr>
@@ -2476,12 +2558,12 @@
           </a:ln>
         </p:spPr>
         <p:txBody>
-          <a:bodyPr anchorCtr="0" anchor="t" bIns="45700" lIns="91425" spcFirstLastPara="1" rIns="91425" wrap="square" tIns="45700">
+          <a:bodyPr spcFirstLastPara="1" wrap="square" lIns="91425" tIns="45700" rIns="91425" bIns="45700" anchor="t" anchorCtr="0">
             <a:noAutofit/>
           </a:bodyPr>
           <a:lstStyle/>
           <a:p>
-            <a:pPr indent="0" lvl="0" marL="0" rtl="0" algn="l">
+            <a:pPr marL="0" lvl="0" indent="0" algn="l" rtl="0">
               <a:spcBef>
                 <a:spcPts val="0"/>
               </a:spcBef>
@@ -2490,9 +2572,6 @@
               </a:spcAft>
               <a:buNone/>
             </a:pPr>
-            <a:r>
-              <a:t/>
-            </a:r>
             <a:endParaRPr/>
           </a:p>
         </p:txBody>
@@ -2500,9 +2579,11 @@
       <p:sp>
         <p:nvSpPr>
           <p:cNvPr id="129" name="Google Shape;129;p8:notes"/>
-          <p:cNvSpPr txBox="1"/>
+          <p:cNvSpPr txBox="1">
+            <a:spLocks noGrp="1"/>
+          </p:cNvSpPr>
           <p:nvPr>
-            <p:ph idx="12" type="sldNum"/>
+            <p:ph type="sldNum" idx="12"/>
           </p:nvPr>
         </p:nvSpPr>
         <p:spPr>
@@ -2519,12 +2600,12 @@
           </a:ln>
         </p:spPr>
         <p:txBody>
-          <a:bodyPr anchorCtr="0" anchor="b" bIns="45700" lIns="91425" spcFirstLastPara="1" rIns="91425" wrap="square" tIns="45700">
+          <a:bodyPr spcFirstLastPara="1" wrap="square" lIns="91425" tIns="45700" rIns="91425" bIns="45700" anchor="b" anchorCtr="0">
             <a:noAutofit/>
           </a:bodyPr>
           <a:lstStyle/>
           <a:p>
-            <a:pPr indent="0" lvl="0" marL="0" rtl="0" algn="r">
+            <a:pPr marL="0" lvl="0" indent="0" algn="r" rtl="0">
               <a:spcBef>
                 <a:spcPts val="0"/>
               </a:spcBef>
@@ -2535,7 +2616,7 @@
             </a:pPr>
             <a:fld id="{00000000-1234-1234-1234-123412341234}" type="slidenum">
               <a:rPr lang="es-ES"/>
-              <a:t>‹#›</a:t>
+              <a:t>7</a:t>
             </a:fld>
             <a:endParaRPr/>
           </a:p>
@@ -2550,11 +2631,11 @@
 </file>
 
 <file path=ppt/slideLayouts/slideLayout1.xml><?xml version="1.0" encoding="utf-8"?>
-<p:sldLayout xmlns:a="http://schemas.openxmlformats.org/drawingml/2006/main" xmlns:r="http://schemas.openxmlformats.org/officeDocument/2006/relationships" xmlns:mc="http://schemas.openxmlformats.org/markup-compatibility/2006" xmlns:mv="urn:schemas-microsoft-com:mac:vml" xmlns:p="http://schemas.openxmlformats.org/presentationml/2006/main" xmlns:c="http://schemas.openxmlformats.org/drawingml/2006/chart" xmlns:dgm="http://schemas.openxmlformats.org/drawingml/2006/diagram" xmlns:o="urn:schemas-microsoft-com:office:office" xmlns:v="urn:schemas-microsoft-com:vml" xmlns:pvml="urn:schemas-microsoft-com:office:powerpoint" xmlns:com="http://schemas.openxmlformats.org/drawingml/2006/compatibility" xmlns:p14="http://schemas.microsoft.com/office/powerpoint/2010/main" xmlns:p15="http://schemas.microsoft.com/office/powerpoint/2012/main" xmlns:ahyp="http://schemas.microsoft.com/office/drawing/2018/hyperlinkcolor" matchingName="Diapositiva de título">
+<p:sldLayout xmlns:a="http://schemas.openxmlformats.org/drawingml/2006/main" xmlns:r="http://schemas.openxmlformats.org/officeDocument/2006/relationships" xmlns:p="http://schemas.openxmlformats.org/presentationml/2006/main" matchingName="Diapositiva de título">
   <p:cSld name="Diapositiva de título">
     <p:spTree>
       <p:nvGrpSpPr>
-        <p:cNvPr id="17" name="Shape 17"/>
+        <p:cNvPr id="1" name="Shape 17"/>
         <p:cNvGrpSpPr/>
         <p:nvPr/>
       </p:nvGrpSpPr>
@@ -2588,12 +2669,12 @@
           </a:ln>
         </p:spPr>
         <p:txBody>
-          <a:bodyPr anchorCtr="0" anchor="ctr" bIns="45700" lIns="91425" spcFirstLastPara="1" rIns="91425" wrap="square" tIns="45700">
+          <a:bodyPr spcFirstLastPara="1" wrap="square" lIns="91425" tIns="45700" rIns="91425" bIns="45700" anchor="ctr" anchorCtr="0">
             <a:noAutofit/>
           </a:bodyPr>
           <a:lstStyle/>
           <a:p>
-            <a:pPr indent="0" lvl="0" marL="0" marR="0" rtl="0" algn="ctr">
+            <a:pPr marL="0" marR="0" lvl="0" indent="0" algn="ctr" rtl="0">
               <a:spcBef>
                 <a:spcPts val="0"/>
               </a:spcBef>
@@ -2602,10 +2683,7 @@
               </a:spcAft>
               <a:buNone/>
             </a:pPr>
-            <a:r>
-              <a:t/>
-            </a:r>
-            <a:endParaRPr b="0" i="0" sz="1800" u="none" cap="none" strike="noStrike">
+            <a:endParaRPr sz="1800" b="0" i="0" u="none" strike="noStrike" cap="none">
               <a:solidFill>
                 <a:schemeClr val="lt1"/>
               </a:solidFill>
@@ -2620,7 +2698,9 @@
       <p:sp>
         <p:nvSpPr>
           <p:cNvPr id="19" name="Google Shape;19;p2"/>
-          <p:cNvSpPr txBox="1"/>
+          <p:cNvSpPr txBox="1">
+            <a:spLocks noGrp="1"/>
+          </p:cNvSpPr>
           <p:nvPr>
             <p:ph type="title"/>
           </p:nvPr>
@@ -2639,7 +2719,7 @@
           </a:ln>
         </p:spPr>
         <p:txBody>
-          <a:bodyPr anchorCtr="0" anchor="b" bIns="45700" lIns="91425" spcFirstLastPara="1" rIns="91425" wrap="square" tIns="45700">
+          <a:bodyPr spcFirstLastPara="1" wrap="square" lIns="91425" tIns="45700" rIns="91425" bIns="45700" anchor="b" anchorCtr="0">
             <a:normAutofit/>
           </a:bodyPr>
           <a:lstStyle>
@@ -2746,7 +2826,9 @@
               <a:defRPr/>
             </a:lvl9pPr>
           </a:lstStyle>
-          <a:p/>
+          <a:p>
+            <a:endParaRPr/>
+          </a:p>
         </p:txBody>
       </p:sp>
     </p:spTree>
@@ -2758,11 +2840,11 @@
 </file>
 
 <file path=ppt/slideLayouts/slideLayout2.xml><?xml version="1.0" encoding="utf-8"?>
-<p:sldLayout xmlns:a="http://schemas.openxmlformats.org/drawingml/2006/main" xmlns:r="http://schemas.openxmlformats.org/officeDocument/2006/relationships" xmlns:mc="http://schemas.openxmlformats.org/markup-compatibility/2006" xmlns:mv="urn:schemas-microsoft-com:mac:vml" xmlns:p="http://schemas.openxmlformats.org/presentationml/2006/main" xmlns:c="http://schemas.openxmlformats.org/drawingml/2006/chart" xmlns:dgm="http://schemas.openxmlformats.org/drawingml/2006/diagram" xmlns:o="urn:schemas-microsoft-com:office:office" xmlns:v="urn:schemas-microsoft-com:vml" xmlns:pvml="urn:schemas-microsoft-com:office:powerpoint" xmlns:com="http://schemas.openxmlformats.org/drawingml/2006/compatibility" xmlns:p14="http://schemas.microsoft.com/office/powerpoint/2010/main" xmlns:p15="http://schemas.microsoft.com/office/powerpoint/2012/main" xmlns:ahyp="http://schemas.microsoft.com/office/drawing/2018/hyperlinkcolor" matchingName="Título y contenido">
+<p:sldLayout xmlns:a="http://schemas.openxmlformats.org/drawingml/2006/main" xmlns:r="http://schemas.openxmlformats.org/officeDocument/2006/relationships" xmlns:p="http://schemas.openxmlformats.org/presentationml/2006/main" matchingName="Título y contenido">
   <p:cSld name="Título y contenido">
     <p:spTree>
       <p:nvGrpSpPr>
-        <p:cNvPr id="20" name="Shape 20"/>
+        <p:cNvPr id="1" name="Shape 20"/>
         <p:cNvGrpSpPr/>
         <p:nvPr/>
       </p:nvGrpSpPr>
@@ -2796,12 +2878,12 @@
           </a:ln>
         </p:spPr>
         <p:txBody>
-          <a:bodyPr anchorCtr="0" anchor="b" bIns="45700" lIns="91425" spcFirstLastPara="1" rIns="91425" wrap="square" tIns="45700">
+          <a:bodyPr spcFirstLastPara="1" wrap="square" lIns="91425" tIns="45700" rIns="91425" bIns="45700" anchor="b" anchorCtr="0">
             <a:noAutofit/>
           </a:bodyPr>
           <a:lstStyle/>
           <a:p>
-            <a:pPr indent="0" lvl="0" marL="0" marR="0" rtl="0" algn="ctr">
+            <a:pPr marL="0" marR="0" lvl="0" indent="0" algn="ctr" rtl="0">
               <a:spcBef>
                 <a:spcPts val="0"/>
               </a:spcBef>
@@ -2810,10 +2892,7 @@
               </a:spcAft>
               <a:buNone/>
             </a:pPr>
-            <a:r>
-              <a:t/>
-            </a:r>
-            <a:endParaRPr b="0" i="0" sz="1800" u="none" cap="none" strike="noStrike">
+            <a:endParaRPr sz="1800" b="0" i="0" u="none" strike="noStrike" cap="none">
               <a:solidFill>
                 <a:schemeClr val="lt1"/>
               </a:solidFill>
@@ -2840,21 +2919,23 @@
             <a:avLst/>
           </a:prstGeom>
           <a:noFill/>
-          <a:ln cap="flat" cmpd="sng" w="25400">
+          <a:ln w="25400" cap="flat" cmpd="sng">
             <a:solidFill>
               <a:srgbClr val="D24726"/>
             </a:solidFill>
             <a:prstDash val="solid"/>
             <a:miter lim="800000"/>
-            <a:headEnd len="sm" w="sm" type="none"/>
-            <a:tailEnd len="sm" w="sm" type="none"/>
+            <a:headEnd type="none" w="sm" len="sm"/>
+            <a:tailEnd type="none" w="sm" len="sm"/>
           </a:ln>
         </p:spPr>
       </p:cxnSp>
       <p:sp>
         <p:nvSpPr>
           <p:cNvPr id="23" name="Google Shape;23;p3"/>
-          <p:cNvSpPr txBox="1"/>
+          <p:cNvSpPr txBox="1">
+            <a:spLocks noGrp="1"/>
+          </p:cNvSpPr>
           <p:nvPr>
             <p:ph type="title"/>
           </p:nvPr>
@@ -2873,7 +2954,7 @@
           </a:ln>
         </p:spPr>
         <p:txBody>
-          <a:bodyPr anchorCtr="0" anchor="b" bIns="45700" lIns="91425" spcFirstLastPara="1" rIns="91425" wrap="square" tIns="45700">
+          <a:bodyPr spcFirstLastPara="1" wrap="square" lIns="91425" tIns="45700" rIns="91425" bIns="45700" anchor="b" anchorCtr="0">
             <a:normAutofit/>
           </a:bodyPr>
           <a:lstStyle>
@@ -2985,15 +3066,19 @@
               <a:defRPr/>
             </a:lvl9pPr>
           </a:lstStyle>
-          <a:p/>
+          <a:p>
+            <a:endParaRPr/>
+          </a:p>
         </p:txBody>
       </p:sp>
       <p:sp>
         <p:nvSpPr>
           <p:cNvPr id="24" name="Google Shape;24;p3"/>
-          <p:cNvSpPr txBox="1"/>
+          <p:cNvSpPr txBox="1">
+            <a:spLocks noGrp="1"/>
+          </p:cNvSpPr>
           <p:nvPr>
-            <p:ph idx="1" type="body"/>
+            <p:ph type="body" idx="1"/>
           </p:nvPr>
         </p:nvSpPr>
         <p:spPr>
@@ -3010,11 +3095,11 @@
           </a:ln>
         </p:spPr>
         <p:txBody>
-          <a:bodyPr anchorCtr="0" anchor="t" bIns="45700" lIns="91425" spcFirstLastPara="1" rIns="91425" wrap="square" tIns="45700">
+          <a:bodyPr spcFirstLastPara="1" wrap="square" lIns="91425" tIns="45700" rIns="91425" bIns="45700" anchor="t" anchorCtr="0">
             <a:normAutofit/>
           </a:bodyPr>
           <a:lstStyle>
-            <a:lvl1pPr indent="-228600" lvl="0" marL="457200" algn="l">
+            <a:lvl1pPr marL="457200" lvl="0" indent="-228600" algn="l">
               <a:lnSpc>
                 <a:spcPct val="150000"/>
               </a:lnSpc>
@@ -3036,7 +3121,7 @@
                 </a:solidFill>
               </a:defRPr>
             </a:lvl1pPr>
-            <a:lvl2pPr indent="-304800" lvl="1" marL="914400" algn="l">
+            <a:lvl2pPr marL="914400" lvl="1" indent="-304800" algn="l">
               <a:lnSpc>
                 <a:spcPct val="150000"/>
               </a:lnSpc>
@@ -3057,7 +3142,7 @@
                 </a:solidFill>
               </a:defRPr>
             </a:lvl2pPr>
-            <a:lvl3pPr indent="-304800" lvl="2" marL="1371600" algn="l">
+            <a:lvl3pPr marL="1371600" lvl="2" indent="-304800" algn="l">
               <a:lnSpc>
                 <a:spcPct val="150000"/>
               </a:lnSpc>
@@ -3078,7 +3163,7 @@
                 </a:solidFill>
               </a:defRPr>
             </a:lvl3pPr>
-            <a:lvl4pPr indent="-304800" lvl="3" marL="1828800" algn="l">
+            <a:lvl4pPr marL="1828800" lvl="3" indent="-304800" algn="l">
               <a:lnSpc>
                 <a:spcPct val="150000"/>
               </a:lnSpc>
@@ -3099,7 +3184,7 @@
                 </a:solidFill>
               </a:defRPr>
             </a:lvl4pPr>
-            <a:lvl5pPr indent="-304800" lvl="4" marL="2286000" algn="l">
+            <a:lvl5pPr marL="2286000" lvl="4" indent="-304800" algn="l">
               <a:lnSpc>
                 <a:spcPct val="150000"/>
               </a:lnSpc>
@@ -3120,7 +3205,7 @@
                 </a:solidFill>
               </a:defRPr>
             </a:lvl5pPr>
-            <a:lvl6pPr indent="-342900" lvl="5" marL="2743200" algn="l">
+            <a:lvl6pPr marL="2743200" lvl="5" indent="-342900" algn="l">
               <a:lnSpc>
                 <a:spcPct val="150000"/>
               </a:lnSpc>
@@ -3137,7 +3222,7 @@
               <a:buChar char="•"/>
               <a:defRPr/>
             </a:lvl6pPr>
-            <a:lvl7pPr indent="-342900" lvl="6" marL="3200400" algn="l">
+            <a:lvl7pPr marL="3200400" lvl="6" indent="-342900" algn="l">
               <a:lnSpc>
                 <a:spcPct val="150000"/>
               </a:lnSpc>
@@ -3154,7 +3239,7 @@
               <a:buChar char="•"/>
               <a:defRPr/>
             </a:lvl7pPr>
-            <a:lvl8pPr indent="-342900" lvl="7" marL="3657600" algn="l">
+            <a:lvl8pPr marL="3657600" lvl="7" indent="-342900" algn="l">
               <a:lnSpc>
                 <a:spcPct val="150000"/>
               </a:lnSpc>
@@ -3171,7 +3256,7 @@
               <a:buChar char="•"/>
               <a:defRPr/>
             </a:lvl8pPr>
-            <a:lvl9pPr indent="-228600" lvl="8" marL="4114800" algn="l">
+            <a:lvl9pPr marL="4114800" lvl="8" indent="-228600" algn="l">
               <a:lnSpc>
                 <a:spcPct val="90000"/>
               </a:lnSpc>
@@ -3189,15 +3274,19 @@
               <a:defRPr/>
             </a:lvl9pPr>
           </a:lstStyle>
-          <a:p/>
+          <a:p>
+            <a:endParaRPr/>
+          </a:p>
         </p:txBody>
       </p:sp>
       <p:sp>
         <p:nvSpPr>
           <p:cNvPr id="25" name="Google Shape;25;p3"/>
-          <p:cNvSpPr txBox="1"/>
+          <p:cNvSpPr txBox="1">
+            <a:spLocks noGrp="1"/>
+          </p:cNvSpPr>
           <p:nvPr>
-            <p:ph idx="10" type="dt"/>
+            <p:ph type="dt" idx="10"/>
           </p:nvPr>
         </p:nvSpPr>
         <p:spPr>
@@ -3214,7 +3303,7 @@
           </a:ln>
         </p:spPr>
         <p:txBody>
-          <a:bodyPr anchorCtr="0" anchor="ctr" bIns="45700" lIns="91425" spcFirstLastPara="1" rIns="91425" wrap="square" tIns="45700">
+          <a:bodyPr spcFirstLastPara="1" wrap="square" lIns="91425" tIns="45700" rIns="91425" bIns="45700" anchor="ctr" anchorCtr="0">
             <a:noAutofit/>
           </a:bodyPr>
           <a:lstStyle>
@@ -3322,15 +3411,19 @@
               <a:defRPr/>
             </a:lvl9pPr>
           </a:lstStyle>
-          <a:p/>
+          <a:p>
+            <a:endParaRPr/>
+          </a:p>
         </p:txBody>
       </p:sp>
       <p:sp>
         <p:nvSpPr>
           <p:cNvPr id="26" name="Google Shape;26;p3"/>
-          <p:cNvSpPr txBox="1"/>
+          <p:cNvSpPr txBox="1">
+            <a:spLocks noGrp="1"/>
+          </p:cNvSpPr>
           <p:nvPr>
-            <p:ph idx="11" type="ftr"/>
+            <p:ph type="ftr" idx="11"/>
           </p:nvPr>
         </p:nvSpPr>
         <p:spPr>
@@ -3347,7 +3440,7 @@
           </a:ln>
         </p:spPr>
         <p:txBody>
-          <a:bodyPr anchorCtr="0" anchor="ctr" bIns="45700" lIns="91425" spcFirstLastPara="1" rIns="91425" wrap="square" tIns="45700">
+          <a:bodyPr spcFirstLastPara="1" wrap="square" lIns="91425" tIns="45700" rIns="91425" bIns="45700" anchor="ctr" anchorCtr="0">
             <a:noAutofit/>
           </a:bodyPr>
           <a:lstStyle>
@@ -3455,15 +3548,19 @@
               <a:defRPr/>
             </a:lvl9pPr>
           </a:lstStyle>
-          <a:p/>
+          <a:p>
+            <a:endParaRPr/>
+          </a:p>
         </p:txBody>
       </p:sp>
       <p:sp>
         <p:nvSpPr>
           <p:cNvPr id="27" name="Google Shape;27;p3"/>
-          <p:cNvSpPr txBox="1"/>
+          <p:cNvSpPr txBox="1">
+            <a:spLocks noGrp="1"/>
+          </p:cNvSpPr>
           <p:nvPr>
-            <p:ph idx="12" type="sldNum"/>
+            <p:ph type="sldNum" idx="12"/>
           </p:nvPr>
         </p:nvSpPr>
         <p:spPr>
@@ -3480,16 +3577,16 @@
           </a:ln>
         </p:spPr>
         <p:txBody>
-          <a:bodyPr anchorCtr="0" anchor="ctr" bIns="45700" lIns="91425" spcFirstLastPara="1" rIns="91425" wrap="square" tIns="45700">
+          <a:bodyPr spcFirstLastPara="1" wrap="square" lIns="91425" tIns="45700" rIns="91425" bIns="45700" anchor="ctr" anchorCtr="0">
             <a:noAutofit/>
           </a:bodyPr>
           <a:lstStyle>
-            <a:lvl1pPr indent="0" lvl="0" marL="0" marR="0" algn="r">
-              <a:spcBef>
-                <a:spcPts val="0"/>
-              </a:spcBef>
-              <a:buNone/>
-              <a:defRPr b="0" i="0" sz="1200" u="none" cap="none" strike="noStrike">
+            <a:lvl1pPr marL="0" marR="0" lvl="0" indent="0" algn="r">
+              <a:spcBef>
+                <a:spcPts val="0"/>
+              </a:spcBef>
+              <a:buNone/>
+              <a:defRPr sz="1200" b="0" i="0" u="none" strike="noStrike" cap="none">
                 <a:solidFill>
                   <a:srgbClr val="595959"/>
                 </a:solidFill>
@@ -3499,12 +3596,12 @@
                 <a:sym typeface="Quattrocento Sans"/>
               </a:defRPr>
             </a:lvl1pPr>
-            <a:lvl2pPr indent="0" lvl="1" marL="0" marR="0" algn="r">
-              <a:spcBef>
-                <a:spcPts val="0"/>
-              </a:spcBef>
-              <a:buNone/>
-              <a:defRPr b="0" i="0" sz="1200" u="none" cap="none" strike="noStrike">
+            <a:lvl2pPr marL="0" marR="0" lvl="1" indent="0" algn="r">
+              <a:spcBef>
+                <a:spcPts val="0"/>
+              </a:spcBef>
+              <a:buNone/>
+              <a:defRPr sz="1200" b="0" i="0" u="none" strike="noStrike" cap="none">
                 <a:solidFill>
                   <a:srgbClr val="595959"/>
                 </a:solidFill>
@@ -3514,12 +3611,12 @@
                 <a:sym typeface="Quattrocento Sans"/>
               </a:defRPr>
             </a:lvl2pPr>
-            <a:lvl3pPr indent="0" lvl="2" marL="0" marR="0" algn="r">
-              <a:spcBef>
-                <a:spcPts val="0"/>
-              </a:spcBef>
-              <a:buNone/>
-              <a:defRPr b="0" i="0" sz="1200" u="none" cap="none" strike="noStrike">
+            <a:lvl3pPr marL="0" marR="0" lvl="2" indent="0" algn="r">
+              <a:spcBef>
+                <a:spcPts val="0"/>
+              </a:spcBef>
+              <a:buNone/>
+              <a:defRPr sz="1200" b="0" i="0" u="none" strike="noStrike" cap="none">
                 <a:solidFill>
                   <a:srgbClr val="595959"/>
                 </a:solidFill>
@@ -3529,12 +3626,12 @@
                 <a:sym typeface="Quattrocento Sans"/>
               </a:defRPr>
             </a:lvl3pPr>
-            <a:lvl4pPr indent="0" lvl="3" marL="0" marR="0" algn="r">
-              <a:spcBef>
-                <a:spcPts val="0"/>
-              </a:spcBef>
-              <a:buNone/>
-              <a:defRPr b="0" i="0" sz="1200" u="none" cap="none" strike="noStrike">
+            <a:lvl4pPr marL="0" marR="0" lvl="3" indent="0" algn="r">
+              <a:spcBef>
+                <a:spcPts val="0"/>
+              </a:spcBef>
+              <a:buNone/>
+              <a:defRPr sz="1200" b="0" i="0" u="none" strike="noStrike" cap="none">
                 <a:solidFill>
                   <a:srgbClr val="595959"/>
                 </a:solidFill>
@@ -3544,12 +3641,12 @@
                 <a:sym typeface="Quattrocento Sans"/>
               </a:defRPr>
             </a:lvl4pPr>
-            <a:lvl5pPr indent="0" lvl="4" marL="0" marR="0" algn="r">
-              <a:spcBef>
-                <a:spcPts val="0"/>
-              </a:spcBef>
-              <a:buNone/>
-              <a:defRPr b="0" i="0" sz="1200" u="none" cap="none" strike="noStrike">
+            <a:lvl5pPr marL="0" marR="0" lvl="4" indent="0" algn="r">
+              <a:spcBef>
+                <a:spcPts val="0"/>
+              </a:spcBef>
+              <a:buNone/>
+              <a:defRPr sz="1200" b="0" i="0" u="none" strike="noStrike" cap="none">
                 <a:solidFill>
                   <a:srgbClr val="595959"/>
                 </a:solidFill>
@@ -3559,12 +3656,12 @@
                 <a:sym typeface="Quattrocento Sans"/>
               </a:defRPr>
             </a:lvl5pPr>
-            <a:lvl6pPr indent="0" lvl="5" marL="0" marR="0" algn="r">
-              <a:spcBef>
-                <a:spcPts val="0"/>
-              </a:spcBef>
-              <a:buNone/>
-              <a:defRPr b="0" i="0" sz="1200" u="none" cap="none" strike="noStrike">
+            <a:lvl6pPr marL="0" marR="0" lvl="5" indent="0" algn="r">
+              <a:spcBef>
+                <a:spcPts val="0"/>
+              </a:spcBef>
+              <a:buNone/>
+              <a:defRPr sz="1200" b="0" i="0" u="none" strike="noStrike" cap="none">
                 <a:solidFill>
                   <a:srgbClr val="595959"/>
                 </a:solidFill>
@@ -3574,12 +3671,12 @@
                 <a:sym typeface="Quattrocento Sans"/>
               </a:defRPr>
             </a:lvl6pPr>
-            <a:lvl7pPr indent="0" lvl="6" marL="0" marR="0" algn="r">
-              <a:spcBef>
-                <a:spcPts val="0"/>
-              </a:spcBef>
-              <a:buNone/>
-              <a:defRPr b="0" i="0" sz="1200" u="none" cap="none" strike="noStrike">
+            <a:lvl7pPr marL="0" marR="0" lvl="6" indent="0" algn="r">
+              <a:spcBef>
+                <a:spcPts val="0"/>
+              </a:spcBef>
+              <a:buNone/>
+              <a:defRPr sz="1200" b="0" i="0" u="none" strike="noStrike" cap="none">
                 <a:solidFill>
                   <a:srgbClr val="595959"/>
                 </a:solidFill>
@@ -3589,12 +3686,12 @@
                 <a:sym typeface="Quattrocento Sans"/>
               </a:defRPr>
             </a:lvl7pPr>
-            <a:lvl8pPr indent="0" lvl="7" marL="0" marR="0" algn="r">
-              <a:spcBef>
-                <a:spcPts val="0"/>
-              </a:spcBef>
-              <a:buNone/>
-              <a:defRPr b="0" i="0" sz="1200" u="none" cap="none" strike="noStrike">
+            <a:lvl8pPr marL="0" marR="0" lvl="7" indent="0" algn="r">
+              <a:spcBef>
+                <a:spcPts val="0"/>
+              </a:spcBef>
+              <a:buNone/>
+              <a:defRPr sz="1200" b="0" i="0" u="none" strike="noStrike" cap="none">
                 <a:solidFill>
                   <a:srgbClr val="595959"/>
                 </a:solidFill>
@@ -3604,12 +3701,12 @@
                 <a:sym typeface="Quattrocento Sans"/>
               </a:defRPr>
             </a:lvl8pPr>
-            <a:lvl9pPr indent="0" lvl="8" marL="0" marR="0" algn="r">
-              <a:spcBef>
-                <a:spcPts val="0"/>
-              </a:spcBef>
-              <a:buNone/>
-              <a:defRPr b="0" i="0" sz="1200" u="none" cap="none" strike="noStrike">
+            <a:lvl9pPr marL="0" marR="0" lvl="8" indent="0" algn="r">
+              <a:spcBef>
+                <a:spcPts val="0"/>
+              </a:spcBef>
+              <a:buNone/>
+              <a:defRPr sz="1200" b="0" i="0" u="none" strike="noStrike" cap="none">
                 <a:solidFill>
                   <a:srgbClr val="595959"/>
                 </a:solidFill>
@@ -3621,7 +3718,7 @@
             </a:lvl9pPr>
           </a:lstStyle>
           <a:p>
-            <a:pPr indent="0" lvl="0" marL="0" rtl="0" algn="r">
+            <a:pPr marL="0" lvl="0" indent="0" algn="r" rtl="0">
               <a:spcBef>
                 <a:spcPts val="0"/>
               </a:spcBef>
@@ -3632,7 +3729,7 @@
             </a:pPr>
             <a:fld id="{00000000-1234-1234-1234-123412341234}" type="slidenum">
               <a:rPr lang="es-ES"/>
-              <a:t>‹#›</a:t>
+              <a:t>‹Nº›</a:t>
             </a:fld>
             <a:endParaRPr/>
           </a:p>
@@ -3647,11 +3744,11 @@
 </file>
 
 <file path=ppt/slideLayouts/slideLayout3.xml><?xml version="1.0" encoding="utf-8"?>
-<p:sldLayout xmlns:a="http://schemas.openxmlformats.org/drawingml/2006/main" xmlns:r="http://schemas.openxmlformats.org/officeDocument/2006/relationships" xmlns:mc="http://schemas.openxmlformats.org/markup-compatibility/2006" xmlns:mv="urn:schemas-microsoft-com:mac:vml" xmlns:p="http://schemas.openxmlformats.org/presentationml/2006/main" xmlns:c="http://schemas.openxmlformats.org/drawingml/2006/chart" xmlns:dgm="http://schemas.openxmlformats.org/drawingml/2006/diagram" xmlns:o="urn:schemas-microsoft-com:office:office" xmlns:v="urn:schemas-microsoft-com:vml" xmlns:pvml="urn:schemas-microsoft-com:office:powerpoint" xmlns:com="http://schemas.openxmlformats.org/drawingml/2006/compatibility" xmlns:p14="http://schemas.microsoft.com/office/powerpoint/2010/main" xmlns:p15="http://schemas.microsoft.com/office/powerpoint/2012/main" xmlns:ahyp="http://schemas.microsoft.com/office/drawing/2018/hyperlinkcolor" matchingName="Encabezado de sección">
+<p:sldLayout xmlns:a="http://schemas.openxmlformats.org/drawingml/2006/main" xmlns:r="http://schemas.openxmlformats.org/officeDocument/2006/relationships" xmlns:p="http://schemas.openxmlformats.org/presentationml/2006/main" matchingName="Encabezado de sección">
   <p:cSld name="Encabezado de sección">
     <p:spTree>
       <p:nvGrpSpPr>
-        <p:cNvPr id="28" name="Shape 28"/>
+        <p:cNvPr id="1" name="Shape 28"/>
         <p:cNvGrpSpPr/>
         <p:nvPr/>
       </p:nvGrpSpPr>
@@ -3685,12 +3782,12 @@
           </a:ln>
         </p:spPr>
         <p:txBody>
-          <a:bodyPr anchorCtr="0" anchor="ctr" bIns="45700" lIns="91425" spcFirstLastPara="1" rIns="91425" wrap="square" tIns="45700">
+          <a:bodyPr spcFirstLastPara="1" wrap="square" lIns="91425" tIns="45700" rIns="91425" bIns="45700" anchor="ctr" anchorCtr="0">
             <a:noAutofit/>
           </a:bodyPr>
           <a:lstStyle/>
           <a:p>
-            <a:pPr indent="0" lvl="0" marL="0" marR="0" rtl="0" algn="ctr">
+            <a:pPr marL="0" marR="0" lvl="0" indent="0" algn="ctr" rtl="0">
               <a:spcBef>
                 <a:spcPts val="0"/>
               </a:spcBef>
@@ -3699,9 +3796,6 @@
               </a:spcAft>
               <a:buNone/>
             </a:pPr>
-            <a:r>
-              <a:t/>
-            </a:r>
             <a:endParaRPr sz="1800">
               <a:solidFill>
                 <a:schemeClr val="lt1"/>
@@ -3736,12 +3830,12 @@
           </a:ln>
         </p:spPr>
         <p:txBody>
-          <a:bodyPr anchorCtr="0" anchor="ctr" bIns="45700" lIns="91425" spcFirstLastPara="1" rIns="91425" wrap="square" tIns="45700">
+          <a:bodyPr spcFirstLastPara="1" wrap="square" lIns="91425" tIns="45700" rIns="91425" bIns="45700" anchor="ctr" anchorCtr="0">
             <a:noAutofit/>
           </a:bodyPr>
           <a:lstStyle/>
           <a:p>
-            <a:pPr indent="0" lvl="0" marL="0" marR="0" rtl="0" algn="ctr">
+            <a:pPr marL="0" marR="0" lvl="0" indent="0" algn="ctr" rtl="0">
               <a:spcBef>
                 <a:spcPts val="0"/>
               </a:spcBef>
@@ -3750,9 +3844,6 @@
               </a:spcAft>
               <a:buNone/>
             </a:pPr>
-            <a:r>
-              <a:t/>
-            </a:r>
             <a:endParaRPr sz="1800">
               <a:solidFill>
                 <a:schemeClr val="lt1"/>
@@ -3768,7 +3859,9 @@
       <p:sp>
         <p:nvSpPr>
           <p:cNvPr id="31" name="Google Shape;31;p4"/>
-          <p:cNvSpPr txBox="1"/>
+          <p:cNvSpPr txBox="1">
+            <a:spLocks noGrp="1"/>
+          </p:cNvSpPr>
           <p:nvPr>
             <p:ph type="title"/>
           </p:nvPr>
@@ -3787,7 +3880,7 @@
           </a:ln>
         </p:spPr>
         <p:txBody>
-          <a:bodyPr anchorCtr="0" anchor="b" bIns="45700" lIns="91425" spcFirstLastPara="1" rIns="91425" wrap="square" tIns="45700">
+          <a:bodyPr spcFirstLastPara="1" wrap="square" lIns="91425" tIns="45700" rIns="91425" bIns="45700" anchor="b" anchorCtr="0">
             <a:normAutofit/>
           </a:bodyPr>
           <a:lstStyle>
@@ -3899,15 +3992,19 @@
               <a:defRPr/>
             </a:lvl9pPr>
           </a:lstStyle>
-          <a:p/>
+          <a:p>
+            <a:endParaRPr/>
+          </a:p>
         </p:txBody>
       </p:sp>
       <p:sp>
         <p:nvSpPr>
           <p:cNvPr id="32" name="Google Shape;32;p4"/>
-          <p:cNvSpPr txBox="1"/>
+          <p:cNvSpPr txBox="1">
+            <a:spLocks noGrp="1"/>
+          </p:cNvSpPr>
           <p:nvPr>
-            <p:ph idx="1" type="body"/>
+            <p:ph type="body" idx="1"/>
           </p:nvPr>
         </p:nvSpPr>
         <p:spPr>
@@ -3924,11 +4021,11 @@
           </a:ln>
         </p:spPr>
         <p:txBody>
-          <a:bodyPr anchorCtr="0" anchor="t" bIns="45700" lIns="91425" spcFirstLastPara="1" rIns="91425" wrap="square" tIns="45700">
+          <a:bodyPr spcFirstLastPara="1" wrap="square" lIns="91425" tIns="45700" rIns="91425" bIns="45700" anchor="t" anchorCtr="0">
             <a:normAutofit/>
           </a:bodyPr>
           <a:lstStyle>
-            <a:lvl1pPr indent="-228600" lvl="0" marL="457200" algn="l">
+            <a:lvl1pPr marL="457200" lvl="0" indent="-228600" algn="l">
               <a:lnSpc>
                 <a:spcPct val="150000"/>
               </a:lnSpc>
@@ -3954,7 +4051,7 @@
                 <a:sym typeface="Quattrocento Sans"/>
               </a:defRPr>
             </a:lvl1pPr>
-            <a:lvl2pPr indent="-304800" lvl="1" marL="914400" algn="l">
+            <a:lvl2pPr marL="914400" lvl="1" indent="-304800" algn="l">
               <a:lnSpc>
                 <a:spcPct val="150000"/>
               </a:lnSpc>
@@ -3975,7 +4072,7 @@
                 </a:solidFill>
               </a:defRPr>
             </a:lvl2pPr>
-            <a:lvl3pPr indent="-304800" lvl="2" marL="1371600" algn="l">
+            <a:lvl3pPr marL="1371600" lvl="2" indent="-304800" algn="l">
               <a:lnSpc>
                 <a:spcPct val="150000"/>
               </a:lnSpc>
@@ -3996,7 +4093,7 @@
                 </a:solidFill>
               </a:defRPr>
             </a:lvl3pPr>
-            <a:lvl4pPr indent="-304800" lvl="3" marL="1828800" algn="l">
+            <a:lvl4pPr marL="1828800" lvl="3" indent="-304800" algn="l">
               <a:lnSpc>
                 <a:spcPct val="150000"/>
               </a:lnSpc>
@@ -4017,7 +4114,7 @@
                 </a:solidFill>
               </a:defRPr>
             </a:lvl4pPr>
-            <a:lvl5pPr indent="-304800" lvl="4" marL="2286000" algn="l">
+            <a:lvl5pPr marL="2286000" lvl="4" indent="-304800" algn="l">
               <a:lnSpc>
                 <a:spcPct val="150000"/>
               </a:lnSpc>
@@ -4038,7 +4135,7 @@
                 </a:solidFill>
               </a:defRPr>
             </a:lvl5pPr>
-            <a:lvl6pPr indent="-342900" lvl="5" marL="2743200" algn="l">
+            <a:lvl6pPr marL="2743200" lvl="5" indent="-342900" algn="l">
               <a:lnSpc>
                 <a:spcPct val="150000"/>
               </a:lnSpc>
@@ -4055,7 +4152,7 @@
               <a:buChar char="•"/>
               <a:defRPr/>
             </a:lvl6pPr>
-            <a:lvl7pPr indent="-342900" lvl="6" marL="3200400" algn="l">
+            <a:lvl7pPr marL="3200400" lvl="6" indent="-342900" algn="l">
               <a:lnSpc>
                 <a:spcPct val="150000"/>
               </a:lnSpc>
@@ -4072,7 +4169,7 @@
               <a:buChar char="•"/>
               <a:defRPr/>
             </a:lvl7pPr>
-            <a:lvl8pPr indent="-342900" lvl="7" marL="3657600" algn="l">
+            <a:lvl8pPr marL="3657600" lvl="7" indent="-342900" algn="l">
               <a:lnSpc>
                 <a:spcPct val="150000"/>
               </a:lnSpc>
@@ -4089,7 +4186,7 @@
               <a:buChar char="•"/>
               <a:defRPr/>
             </a:lvl8pPr>
-            <a:lvl9pPr indent="-228600" lvl="8" marL="4114800" algn="l">
+            <a:lvl9pPr marL="4114800" lvl="8" indent="-228600" algn="l">
               <a:lnSpc>
                 <a:spcPct val="90000"/>
               </a:lnSpc>
@@ -4107,7 +4204,9 @@
               <a:defRPr/>
             </a:lvl9pPr>
           </a:lstStyle>
-          <a:p/>
+          <a:p>
+            <a:endParaRPr/>
+          </a:p>
         </p:txBody>
       </p:sp>
     </p:spTree>
@@ -4119,18 +4218,19 @@
 </file>
 
 <file path=ppt/slideMasters/slideMaster1.xml><?xml version="1.0" encoding="utf-8"?>
-<p:sldMaster xmlns:a="http://schemas.openxmlformats.org/drawingml/2006/main" xmlns:r="http://schemas.openxmlformats.org/officeDocument/2006/relationships" xmlns:mc="http://schemas.openxmlformats.org/markup-compatibility/2006" xmlns:mv="urn:schemas-microsoft-com:mac:vml" xmlns:p="http://schemas.openxmlformats.org/presentationml/2006/main" xmlns:c="http://schemas.openxmlformats.org/drawingml/2006/chart" xmlns:dgm="http://schemas.openxmlformats.org/drawingml/2006/diagram" xmlns:o="urn:schemas-microsoft-com:office:office" xmlns:v="urn:schemas-microsoft-com:vml" xmlns:pvml="urn:schemas-microsoft-com:office:powerpoint" xmlns:com="http://schemas.openxmlformats.org/drawingml/2006/compatibility" xmlns:p14="http://schemas.microsoft.com/office/powerpoint/2010/main" xmlns:p15="http://schemas.microsoft.com/office/powerpoint/2012/main" xmlns:ahyp="http://schemas.microsoft.com/office/drawing/2018/hyperlinkcolor">
+<p:sldMaster xmlns:a="http://schemas.openxmlformats.org/drawingml/2006/main" xmlns:r="http://schemas.openxmlformats.org/officeDocument/2006/relationships" xmlns:p="http://schemas.openxmlformats.org/presentationml/2006/main">
   <p:cSld>
     <p:bg>
       <p:bgPr>
         <a:solidFill>
           <a:schemeClr val="lt1"/>
         </a:solidFill>
+        <a:effectLst/>
       </p:bgPr>
     </p:bg>
     <p:spTree>
       <p:nvGrpSpPr>
-        <p:cNvPr id="9" name="Shape 9"/>
+        <p:cNvPr id="1" name="Shape 9"/>
         <p:cNvGrpSpPr/>
         <p:nvPr/>
       </p:nvGrpSpPr>
@@ -4164,12 +4264,12 @@
           </a:ln>
         </p:spPr>
         <p:txBody>
-          <a:bodyPr anchorCtr="0" anchor="b" bIns="45700" lIns="91425" spcFirstLastPara="1" rIns="91425" wrap="square" tIns="45700">
+          <a:bodyPr spcFirstLastPara="1" wrap="square" lIns="91425" tIns="45700" rIns="91425" bIns="45700" anchor="b" anchorCtr="0">
             <a:noAutofit/>
           </a:bodyPr>
           <a:lstStyle/>
           <a:p>
-            <a:pPr indent="0" lvl="0" marL="0" marR="0" rtl="0" algn="ctr">
+            <a:pPr marL="0" marR="0" lvl="0" indent="0" algn="ctr" rtl="0">
               <a:spcBef>
                 <a:spcPts val="0"/>
               </a:spcBef>
@@ -4178,10 +4278,7 @@
               </a:spcAft>
               <a:buNone/>
             </a:pPr>
-            <a:r>
-              <a:t/>
-            </a:r>
-            <a:endParaRPr b="0" i="0" sz="1800" u="none" cap="none" strike="noStrike">
+            <a:endParaRPr sz="1800" b="0" i="0" u="none" strike="noStrike" cap="none">
               <a:solidFill>
                 <a:schemeClr val="lt1"/>
               </a:solidFill>
@@ -4196,7 +4293,9 @@
       <p:sp>
         <p:nvSpPr>
           <p:cNvPr id="11" name="Google Shape;11;p1"/>
-          <p:cNvSpPr txBox="1"/>
+          <p:cNvSpPr txBox="1">
+            <a:spLocks noGrp="1"/>
+          </p:cNvSpPr>
           <p:nvPr>
             <p:ph type="title"/>
           </p:nvPr>
@@ -4215,11 +4314,11 @@
           </a:ln>
         </p:spPr>
         <p:txBody>
-          <a:bodyPr anchorCtr="0" anchor="b" bIns="45700" lIns="91425" spcFirstLastPara="1" rIns="91425" wrap="square" tIns="45700">
+          <a:bodyPr spcFirstLastPara="1" wrap="square" lIns="91425" tIns="45700" rIns="91425" bIns="45700" anchor="b" anchorCtr="0">
             <a:normAutofit/>
           </a:bodyPr>
           <a:lstStyle>
-            <a:lvl1pPr lvl="0" marR="0" rtl="0" algn="l">
+            <a:lvl1pPr marR="0" lvl="0" algn="l" rtl="0">
               <a:spcBef>
                 <a:spcPts val="0"/>
               </a:spcBef>
@@ -4232,7 +4331,7 @@
               <a:buSzPts val="2800"/>
               <a:buFont typeface="Quattrocento Sans"/>
               <a:buNone/>
-              <a:defRPr b="0" i="0" sz="2800" u="none" cap="none" strike="noStrike">
+              <a:defRPr sz="2800" b="0" i="0" u="none" strike="noStrike" cap="none">
                 <a:solidFill>
                   <a:schemeClr val="dk1"/>
                 </a:solidFill>
@@ -4331,15 +4430,19 @@
               <a:defRPr sz="1800"/>
             </a:lvl9pPr>
           </a:lstStyle>
-          <a:p/>
+          <a:p>
+            <a:endParaRPr/>
+          </a:p>
         </p:txBody>
       </p:sp>
       <p:sp>
         <p:nvSpPr>
           <p:cNvPr id="12" name="Google Shape;12;p1"/>
-          <p:cNvSpPr txBox="1"/>
+          <p:cNvSpPr txBox="1">
+            <a:spLocks noGrp="1"/>
+          </p:cNvSpPr>
           <p:nvPr>
-            <p:ph idx="1" type="body"/>
+            <p:ph type="body" idx="1"/>
           </p:nvPr>
         </p:nvSpPr>
         <p:spPr>
@@ -4356,11 +4459,11 @@
           </a:ln>
         </p:spPr>
         <p:txBody>
-          <a:bodyPr anchorCtr="0" anchor="t" bIns="45700" lIns="91425" spcFirstLastPara="1" rIns="91425" wrap="square" tIns="45700">
+          <a:bodyPr spcFirstLastPara="1" wrap="square" lIns="91425" tIns="45700" rIns="91425" bIns="45700" anchor="t" anchorCtr="0">
             <a:normAutofit/>
           </a:bodyPr>
           <a:lstStyle>
-            <a:lvl1pPr indent="-228600" lvl="0" marL="457200" marR="0" rtl="0" algn="l">
+            <a:lvl1pPr marL="457200" marR="0" lvl="0" indent="-228600" algn="l" rtl="0">
               <a:lnSpc>
                 <a:spcPct val="150000"/>
               </a:lnSpc>
@@ -4376,7 +4479,7 @@
               <a:buSzPts val="1200"/>
               <a:buFont typeface="Quattrocento Sans"/>
               <a:buNone/>
-              <a:defRPr b="0" i="0" sz="1200" u="none" cap="none" strike="noStrike">
+              <a:defRPr sz="1200" b="0" i="0" u="none" strike="noStrike" cap="none">
                 <a:solidFill>
                   <a:schemeClr val="dk1"/>
                 </a:solidFill>
@@ -4386,7 +4489,7 @@
                 <a:sym typeface="Quattrocento Sans"/>
               </a:defRPr>
             </a:lvl1pPr>
-            <a:lvl2pPr indent="-304800" lvl="1" marL="914400" marR="0" rtl="0" algn="l">
+            <a:lvl2pPr marL="914400" marR="0" lvl="1" indent="-304800" algn="l" rtl="0">
               <a:lnSpc>
                 <a:spcPct val="150000"/>
               </a:lnSpc>
@@ -4402,7 +4505,7 @@
               <a:buSzPts val="1200"/>
               <a:buFont typeface="Arial"/>
               <a:buChar char="•"/>
-              <a:defRPr b="0" i="0" sz="1200" u="none" cap="none" strike="noStrike">
+              <a:defRPr sz="1200" b="0" i="0" u="none" strike="noStrike" cap="none">
                 <a:solidFill>
                   <a:schemeClr val="dk1"/>
                 </a:solidFill>
@@ -4412,7 +4515,7 @@
                 <a:sym typeface="Quattrocento Sans"/>
               </a:defRPr>
             </a:lvl2pPr>
-            <a:lvl3pPr indent="-304800" lvl="2" marL="1371600" marR="0" rtl="0" algn="l">
+            <a:lvl3pPr marL="1371600" marR="0" lvl="2" indent="-304800" algn="l" rtl="0">
               <a:lnSpc>
                 <a:spcPct val="150000"/>
               </a:lnSpc>
@@ -4428,7 +4531,7 @@
               <a:buSzPts val="1200"/>
               <a:buFont typeface="Arial"/>
               <a:buChar char="•"/>
-              <a:defRPr b="0" i="0" sz="1200" u="none" cap="none" strike="noStrike">
+              <a:defRPr sz="1200" b="0" i="0" u="none" strike="noStrike" cap="none">
                 <a:solidFill>
                   <a:schemeClr val="dk1"/>
                 </a:solidFill>
@@ -4438,7 +4541,7 @@
                 <a:sym typeface="Quattrocento Sans"/>
               </a:defRPr>
             </a:lvl3pPr>
-            <a:lvl4pPr indent="-304800" lvl="3" marL="1828800" marR="0" rtl="0" algn="l">
+            <a:lvl4pPr marL="1828800" marR="0" lvl="3" indent="-304800" algn="l" rtl="0">
               <a:lnSpc>
                 <a:spcPct val="150000"/>
               </a:lnSpc>
@@ -4454,7 +4557,7 @@
               <a:buSzPts val="1200"/>
               <a:buFont typeface="Arial"/>
               <a:buChar char="•"/>
-              <a:defRPr b="0" i="0" sz="1200" u="none" cap="none" strike="noStrike">
+              <a:defRPr sz="1200" b="0" i="0" u="none" strike="noStrike" cap="none">
                 <a:solidFill>
                   <a:schemeClr val="dk1"/>
                 </a:solidFill>
@@ -4464,7 +4567,7 @@
                 <a:sym typeface="Quattrocento Sans"/>
               </a:defRPr>
             </a:lvl4pPr>
-            <a:lvl5pPr indent="-304800" lvl="4" marL="2286000" marR="0" rtl="0" algn="l">
+            <a:lvl5pPr marL="2286000" marR="0" lvl="4" indent="-304800" algn="l" rtl="0">
               <a:lnSpc>
                 <a:spcPct val="150000"/>
               </a:lnSpc>
@@ -4480,7 +4583,7 @@
               <a:buSzPts val="1200"/>
               <a:buFont typeface="Arial"/>
               <a:buChar char="•"/>
-              <a:defRPr b="0" i="0" sz="1200" u="none" cap="none" strike="noStrike">
+              <a:defRPr sz="1200" b="0" i="0" u="none" strike="noStrike" cap="none">
                 <a:solidFill>
                   <a:schemeClr val="dk1"/>
                 </a:solidFill>
@@ -4490,7 +4593,7 @@
                 <a:sym typeface="Quattrocento Sans"/>
               </a:defRPr>
             </a:lvl5pPr>
-            <a:lvl6pPr indent="-304800" lvl="5" marL="2743200" marR="0" rtl="0" algn="l">
+            <a:lvl6pPr marL="2743200" marR="0" lvl="5" indent="-304800" algn="l" rtl="0">
               <a:lnSpc>
                 <a:spcPct val="150000"/>
               </a:lnSpc>
@@ -4506,7 +4609,7 @@
               <a:buSzPts val="1200"/>
               <a:buFont typeface="Arial"/>
               <a:buChar char="•"/>
-              <a:defRPr b="0" i="0" sz="1200" u="none" cap="none" strike="noStrike">
+              <a:defRPr sz="1200" b="0" i="0" u="none" strike="noStrike" cap="none">
                 <a:solidFill>
                   <a:schemeClr val="dk1"/>
                 </a:solidFill>
@@ -4516,7 +4619,7 @@
                 <a:sym typeface="Quattrocento Sans"/>
               </a:defRPr>
             </a:lvl6pPr>
-            <a:lvl7pPr indent="-304800" lvl="6" marL="3200400" marR="0" rtl="0" algn="l">
+            <a:lvl7pPr marL="3200400" marR="0" lvl="6" indent="-304800" algn="l" rtl="0">
               <a:lnSpc>
                 <a:spcPct val="150000"/>
               </a:lnSpc>
@@ -4532,7 +4635,7 @@
               <a:buSzPts val="1200"/>
               <a:buFont typeface="Arial"/>
               <a:buChar char="•"/>
-              <a:defRPr b="0" i="0" sz="1200" u="none" cap="none" strike="noStrike">
+              <a:defRPr sz="1200" b="0" i="0" u="none" strike="noStrike" cap="none">
                 <a:solidFill>
                   <a:schemeClr val="dk1"/>
                 </a:solidFill>
@@ -4542,7 +4645,7 @@
                 <a:sym typeface="Quattrocento Sans"/>
               </a:defRPr>
             </a:lvl7pPr>
-            <a:lvl8pPr indent="-304800" lvl="7" marL="3657600" marR="0" rtl="0" algn="l">
+            <a:lvl8pPr marL="3657600" marR="0" lvl="7" indent="-304800" algn="l" rtl="0">
               <a:lnSpc>
                 <a:spcPct val="150000"/>
               </a:lnSpc>
@@ -4558,7 +4661,7 @@
               <a:buSzPts val="1200"/>
               <a:buFont typeface="Arial"/>
               <a:buChar char="•"/>
-              <a:defRPr b="0" i="0" sz="1200" u="none" cap="none" strike="noStrike">
+              <a:defRPr sz="1200" b="0" i="0" u="none" strike="noStrike" cap="none">
                 <a:solidFill>
                   <a:schemeClr val="dk1"/>
                 </a:solidFill>
@@ -4568,7 +4671,7 @@
                 <a:sym typeface="Quattrocento Sans"/>
               </a:defRPr>
             </a:lvl8pPr>
-            <a:lvl9pPr indent="-228600" lvl="8" marL="4114800" marR="0" rtl="0" algn="l">
+            <a:lvl9pPr marL="4114800" marR="0" lvl="8" indent="-228600" algn="l" rtl="0">
               <a:lnSpc>
                 <a:spcPct val="90000"/>
               </a:lnSpc>
@@ -4584,7 +4687,7 @@
               <a:buSzPts val="1200"/>
               <a:buFont typeface="Arial"/>
               <a:buNone/>
-              <a:defRPr b="0" i="0" sz="1200" u="none" cap="none" strike="noStrike">
+              <a:defRPr sz="1200" b="0" i="0" u="none" strike="noStrike" cap="none">
                 <a:solidFill>
                   <a:schemeClr val="dk1"/>
                 </a:solidFill>
@@ -4595,15 +4698,19 @@
               </a:defRPr>
             </a:lvl9pPr>
           </a:lstStyle>
-          <a:p/>
+          <a:p>
+            <a:endParaRPr/>
+          </a:p>
         </p:txBody>
       </p:sp>
       <p:sp>
         <p:nvSpPr>
           <p:cNvPr id="13" name="Google Shape;13;p1"/>
-          <p:cNvSpPr txBox="1"/>
+          <p:cNvSpPr txBox="1">
+            <a:spLocks noGrp="1"/>
+          </p:cNvSpPr>
           <p:nvPr>
-            <p:ph idx="10" type="dt"/>
+            <p:ph type="dt" idx="10"/>
           </p:nvPr>
         </p:nvSpPr>
         <p:spPr>
@@ -4620,11 +4727,11 @@
           </a:ln>
         </p:spPr>
         <p:txBody>
-          <a:bodyPr anchorCtr="0" anchor="ctr" bIns="45700" lIns="91425" spcFirstLastPara="1" rIns="91425" wrap="square" tIns="45700">
+          <a:bodyPr spcFirstLastPara="1" wrap="square" lIns="91425" tIns="45700" rIns="91425" bIns="45700" anchor="ctr" anchorCtr="0">
             <a:noAutofit/>
           </a:bodyPr>
           <a:lstStyle>
-            <a:lvl1pPr lvl="0" marR="0" rtl="0" algn="l">
+            <a:lvl1pPr marR="0" lvl="0" algn="l" rtl="0">
               <a:spcBef>
                 <a:spcPts val="0"/>
               </a:spcBef>
@@ -4633,7 +4740,7 @@
               </a:spcAft>
               <a:buSzPts val="1400"/>
               <a:buNone/>
-              <a:defRPr b="0" i="0" sz="1200" u="none" cap="none" strike="noStrike">
+              <a:defRPr sz="1200" b="0" i="0" u="none" strike="noStrike" cap="none">
                 <a:solidFill>
                   <a:srgbClr val="595959"/>
                 </a:solidFill>
@@ -4643,7 +4750,7 @@
                 <a:sym typeface="Quattrocento Sans"/>
               </a:defRPr>
             </a:lvl1pPr>
-            <a:lvl2pPr lvl="1" marR="0" rtl="0" algn="l">
+            <a:lvl2pPr marR="0" lvl="1" algn="l" rtl="0">
               <a:spcBef>
                 <a:spcPts val="0"/>
               </a:spcBef>
@@ -4652,7 +4759,7 @@
               </a:spcAft>
               <a:buSzPts val="1400"/>
               <a:buNone/>
-              <a:defRPr b="0" i="0" sz="1800" u="none" cap="none" strike="noStrike">
+              <a:defRPr sz="1800" b="0" i="0" u="none" strike="noStrike" cap="none">
                 <a:solidFill>
                   <a:schemeClr val="dk1"/>
                 </a:solidFill>
@@ -4662,7 +4769,7 @@
                 <a:sym typeface="Quattrocento Sans"/>
               </a:defRPr>
             </a:lvl2pPr>
-            <a:lvl3pPr lvl="2" marR="0" rtl="0" algn="l">
+            <a:lvl3pPr marR="0" lvl="2" algn="l" rtl="0">
               <a:spcBef>
                 <a:spcPts val="0"/>
               </a:spcBef>
@@ -4671,7 +4778,7 @@
               </a:spcAft>
               <a:buSzPts val="1400"/>
               <a:buNone/>
-              <a:defRPr b="0" i="0" sz="1800" u="none" cap="none" strike="noStrike">
+              <a:defRPr sz="1800" b="0" i="0" u="none" strike="noStrike" cap="none">
                 <a:solidFill>
                   <a:schemeClr val="dk1"/>
                 </a:solidFill>
@@ -4681,7 +4788,7 @@
                 <a:sym typeface="Quattrocento Sans"/>
               </a:defRPr>
             </a:lvl3pPr>
-            <a:lvl4pPr lvl="3" marR="0" rtl="0" algn="l">
+            <a:lvl4pPr marR="0" lvl="3" algn="l" rtl="0">
               <a:spcBef>
                 <a:spcPts val="0"/>
               </a:spcBef>
@@ -4690,7 +4797,7 @@
               </a:spcAft>
               <a:buSzPts val="1400"/>
               <a:buNone/>
-              <a:defRPr b="0" i="0" sz="1800" u="none" cap="none" strike="noStrike">
+              <a:defRPr sz="1800" b="0" i="0" u="none" strike="noStrike" cap="none">
                 <a:solidFill>
                   <a:schemeClr val="dk1"/>
                 </a:solidFill>
@@ -4700,7 +4807,7 @@
                 <a:sym typeface="Quattrocento Sans"/>
               </a:defRPr>
             </a:lvl4pPr>
-            <a:lvl5pPr lvl="4" marR="0" rtl="0" algn="l">
+            <a:lvl5pPr marR="0" lvl="4" algn="l" rtl="0">
               <a:spcBef>
                 <a:spcPts val="0"/>
               </a:spcBef>
@@ -4709,7 +4816,7 @@
               </a:spcAft>
               <a:buSzPts val="1400"/>
               <a:buNone/>
-              <a:defRPr b="0" i="0" sz="1800" u="none" cap="none" strike="noStrike">
+              <a:defRPr sz="1800" b="0" i="0" u="none" strike="noStrike" cap="none">
                 <a:solidFill>
                   <a:schemeClr val="dk1"/>
                 </a:solidFill>
@@ -4719,7 +4826,7 @@
                 <a:sym typeface="Quattrocento Sans"/>
               </a:defRPr>
             </a:lvl5pPr>
-            <a:lvl6pPr lvl="5" marR="0" rtl="0" algn="l">
+            <a:lvl6pPr marR="0" lvl="5" algn="l" rtl="0">
               <a:spcBef>
                 <a:spcPts val="0"/>
               </a:spcBef>
@@ -4728,7 +4835,7 @@
               </a:spcAft>
               <a:buSzPts val="1400"/>
               <a:buNone/>
-              <a:defRPr b="0" i="0" sz="1800" u="none" cap="none" strike="noStrike">
+              <a:defRPr sz="1800" b="0" i="0" u="none" strike="noStrike" cap="none">
                 <a:solidFill>
                   <a:schemeClr val="dk1"/>
                 </a:solidFill>
@@ -4738,7 +4845,7 @@
                 <a:sym typeface="Quattrocento Sans"/>
               </a:defRPr>
             </a:lvl6pPr>
-            <a:lvl7pPr lvl="6" marR="0" rtl="0" algn="l">
+            <a:lvl7pPr marR="0" lvl="6" algn="l" rtl="0">
               <a:spcBef>
                 <a:spcPts val="0"/>
               </a:spcBef>
@@ -4747,7 +4854,7 @@
               </a:spcAft>
               <a:buSzPts val="1400"/>
               <a:buNone/>
-              <a:defRPr b="0" i="0" sz="1800" u="none" cap="none" strike="noStrike">
+              <a:defRPr sz="1800" b="0" i="0" u="none" strike="noStrike" cap="none">
                 <a:solidFill>
                   <a:schemeClr val="dk1"/>
                 </a:solidFill>
@@ -4757,7 +4864,7 @@
                 <a:sym typeface="Quattrocento Sans"/>
               </a:defRPr>
             </a:lvl7pPr>
-            <a:lvl8pPr lvl="7" marR="0" rtl="0" algn="l">
+            <a:lvl8pPr marR="0" lvl="7" algn="l" rtl="0">
               <a:spcBef>
                 <a:spcPts val="0"/>
               </a:spcBef>
@@ -4766,7 +4873,7 @@
               </a:spcAft>
               <a:buSzPts val="1400"/>
               <a:buNone/>
-              <a:defRPr b="0" i="0" sz="1800" u="none" cap="none" strike="noStrike">
+              <a:defRPr sz="1800" b="0" i="0" u="none" strike="noStrike" cap="none">
                 <a:solidFill>
                   <a:schemeClr val="dk1"/>
                 </a:solidFill>
@@ -4776,7 +4883,7 @@
                 <a:sym typeface="Quattrocento Sans"/>
               </a:defRPr>
             </a:lvl8pPr>
-            <a:lvl9pPr lvl="8" marR="0" rtl="0" algn="l">
+            <a:lvl9pPr marR="0" lvl="8" algn="l" rtl="0">
               <a:spcBef>
                 <a:spcPts val="0"/>
               </a:spcBef>
@@ -4785,7 +4892,7 @@
               </a:spcAft>
               <a:buSzPts val="1400"/>
               <a:buNone/>
-              <a:defRPr b="0" i="0" sz="1800" u="none" cap="none" strike="noStrike">
+              <a:defRPr sz="1800" b="0" i="0" u="none" strike="noStrike" cap="none">
                 <a:solidFill>
                   <a:schemeClr val="dk1"/>
                 </a:solidFill>
@@ -4796,15 +4903,19 @@
               </a:defRPr>
             </a:lvl9pPr>
           </a:lstStyle>
-          <a:p/>
+          <a:p>
+            <a:endParaRPr/>
+          </a:p>
         </p:txBody>
       </p:sp>
       <p:sp>
         <p:nvSpPr>
           <p:cNvPr id="14" name="Google Shape;14;p1"/>
-          <p:cNvSpPr txBox="1"/>
+          <p:cNvSpPr txBox="1">
+            <a:spLocks noGrp="1"/>
+          </p:cNvSpPr>
           <p:nvPr>
-            <p:ph idx="11" type="ftr"/>
+            <p:ph type="ftr" idx="11"/>
           </p:nvPr>
         </p:nvSpPr>
         <p:spPr>
@@ -4821,11 +4932,11 @@
           </a:ln>
         </p:spPr>
         <p:txBody>
-          <a:bodyPr anchorCtr="0" anchor="ctr" bIns="45700" lIns="91425" spcFirstLastPara="1" rIns="91425" wrap="square" tIns="45700">
+          <a:bodyPr spcFirstLastPara="1" wrap="square" lIns="91425" tIns="45700" rIns="91425" bIns="45700" anchor="ctr" anchorCtr="0">
             <a:noAutofit/>
           </a:bodyPr>
           <a:lstStyle>
-            <a:lvl1pPr lvl="0" marR="0" rtl="0" algn="ctr">
+            <a:lvl1pPr marR="0" lvl="0" algn="ctr" rtl="0">
               <a:spcBef>
                 <a:spcPts val="0"/>
               </a:spcBef>
@@ -4834,7 +4945,7 @@
               </a:spcAft>
               <a:buSzPts val="1400"/>
               <a:buNone/>
-              <a:defRPr b="0" i="0" sz="1200" u="none" cap="none" strike="noStrike">
+              <a:defRPr sz="1200" b="0" i="0" u="none" strike="noStrike" cap="none">
                 <a:solidFill>
                   <a:srgbClr val="595959"/>
                 </a:solidFill>
@@ -4844,7 +4955,7 @@
                 <a:sym typeface="Quattrocento Sans"/>
               </a:defRPr>
             </a:lvl1pPr>
-            <a:lvl2pPr lvl="1" marR="0" rtl="0" algn="l">
+            <a:lvl2pPr marR="0" lvl="1" algn="l" rtl="0">
               <a:spcBef>
                 <a:spcPts val="0"/>
               </a:spcBef>
@@ -4853,7 +4964,7 @@
               </a:spcAft>
               <a:buSzPts val="1400"/>
               <a:buNone/>
-              <a:defRPr b="0" i="0" sz="1800" u="none" cap="none" strike="noStrike">
+              <a:defRPr sz="1800" b="0" i="0" u="none" strike="noStrike" cap="none">
                 <a:solidFill>
                   <a:schemeClr val="dk1"/>
                 </a:solidFill>
@@ -4863,7 +4974,7 @@
                 <a:sym typeface="Quattrocento Sans"/>
               </a:defRPr>
             </a:lvl2pPr>
-            <a:lvl3pPr lvl="2" marR="0" rtl="0" algn="l">
+            <a:lvl3pPr marR="0" lvl="2" algn="l" rtl="0">
               <a:spcBef>
                 <a:spcPts val="0"/>
               </a:spcBef>
@@ -4872,7 +4983,7 @@
               </a:spcAft>
               <a:buSzPts val="1400"/>
               <a:buNone/>
-              <a:defRPr b="0" i="0" sz="1800" u="none" cap="none" strike="noStrike">
+              <a:defRPr sz="1800" b="0" i="0" u="none" strike="noStrike" cap="none">
                 <a:solidFill>
                   <a:schemeClr val="dk1"/>
                 </a:solidFill>
@@ -4882,7 +4993,7 @@
                 <a:sym typeface="Quattrocento Sans"/>
               </a:defRPr>
             </a:lvl3pPr>
-            <a:lvl4pPr lvl="3" marR="0" rtl="0" algn="l">
+            <a:lvl4pPr marR="0" lvl="3" algn="l" rtl="0">
               <a:spcBef>
                 <a:spcPts val="0"/>
               </a:spcBef>
@@ -4891,7 +5002,7 @@
               </a:spcAft>
               <a:buSzPts val="1400"/>
               <a:buNone/>
-              <a:defRPr b="0" i="0" sz="1800" u="none" cap="none" strike="noStrike">
+              <a:defRPr sz="1800" b="0" i="0" u="none" strike="noStrike" cap="none">
                 <a:solidFill>
                   <a:schemeClr val="dk1"/>
                 </a:solidFill>
@@ -4901,7 +5012,7 @@
                 <a:sym typeface="Quattrocento Sans"/>
               </a:defRPr>
             </a:lvl4pPr>
-            <a:lvl5pPr lvl="4" marR="0" rtl="0" algn="l">
+            <a:lvl5pPr marR="0" lvl="4" algn="l" rtl="0">
               <a:spcBef>
                 <a:spcPts val="0"/>
               </a:spcBef>
@@ -4910,7 +5021,7 @@
               </a:spcAft>
               <a:buSzPts val="1400"/>
               <a:buNone/>
-              <a:defRPr b="0" i="0" sz="1800" u="none" cap="none" strike="noStrike">
+              <a:defRPr sz="1800" b="0" i="0" u="none" strike="noStrike" cap="none">
                 <a:solidFill>
                   <a:schemeClr val="dk1"/>
                 </a:solidFill>
@@ -4920,7 +5031,7 @@
                 <a:sym typeface="Quattrocento Sans"/>
               </a:defRPr>
             </a:lvl5pPr>
-            <a:lvl6pPr lvl="5" marR="0" rtl="0" algn="l">
+            <a:lvl6pPr marR="0" lvl="5" algn="l" rtl="0">
               <a:spcBef>
                 <a:spcPts val="0"/>
               </a:spcBef>
@@ -4929,7 +5040,7 @@
               </a:spcAft>
               <a:buSzPts val="1400"/>
               <a:buNone/>
-              <a:defRPr b="0" i="0" sz="1800" u="none" cap="none" strike="noStrike">
+              <a:defRPr sz="1800" b="0" i="0" u="none" strike="noStrike" cap="none">
                 <a:solidFill>
                   <a:schemeClr val="dk1"/>
                 </a:solidFill>
@@ -4939,7 +5050,7 @@
                 <a:sym typeface="Quattrocento Sans"/>
               </a:defRPr>
             </a:lvl6pPr>
-            <a:lvl7pPr lvl="6" marR="0" rtl="0" algn="l">
+            <a:lvl7pPr marR="0" lvl="6" algn="l" rtl="0">
               <a:spcBef>
                 <a:spcPts val="0"/>
               </a:spcBef>
@@ -4948,7 +5059,7 @@
               </a:spcAft>
               <a:buSzPts val="1400"/>
               <a:buNone/>
-              <a:defRPr b="0" i="0" sz="1800" u="none" cap="none" strike="noStrike">
+              <a:defRPr sz="1800" b="0" i="0" u="none" strike="noStrike" cap="none">
                 <a:solidFill>
                   <a:schemeClr val="dk1"/>
                 </a:solidFill>
@@ -4958,7 +5069,7 @@
                 <a:sym typeface="Quattrocento Sans"/>
               </a:defRPr>
             </a:lvl7pPr>
-            <a:lvl8pPr lvl="7" marR="0" rtl="0" algn="l">
+            <a:lvl8pPr marR="0" lvl="7" algn="l" rtl="0">
               <a:spcBef>
                 <a:spcPts val="0"/>
               </a:spcBef>
@@ -4967,7 +5078,7 @@
               </a:spcAft>
               <a:buSzPts val="1400"/>
               <a:buNone/>
-              <a:defRPr b="0" i="0" sz="1800" u="none" cap="none" strike="noStrike">
+              <a:defRPr sz="1800" b="0" i="0" u="none" strike="noStrike" cap="none">
                 <a:solidFill>
                   <a:schemeClr val="dk1"/>
                 </a:solidFill>
@@ -4977,7 +5088,7 @@
                 <a:sym typeface="Quattrocento Sans"/>
               </a:defRPr>
             </a:lvl8pPr>
-            <a:lvl9pPr lvl="8" marR="0" rtl="0" algn="l">
+            <a:lvl9pPr marR="0" lvl="8" algn="l" rtl="0">
               <a:spcBef>
                 <a:spcPts val="0"/>
               </a:spcBef>
@@ -4986,7 +5097,7 @@
               </a:spcAft>
               <a:buSzPts val="1400"/>
               <a:buNone/>
-              <a:defRPr b="0" i="0" sz="1800" u="none" cap="none" strike="noStrike">
+              <a:defRPr sz="1800" b="0" i="0" u="none" strike="noStrike" cap="none">
                 <a:solidFill>
                   <a:schemeClr val="dk1"/>
                 </a:solidFill>
@@ -4997,15 +5108,19 @@
               </a:defRPr>
             </a:lvl9pPr>
           </a:lstStyle>
-          <a:p/>
+          <a:p>
+            <a:endParaRPr/>
+          </a:p>
         </p:txBody>
       </p:sp>
       <p:sp>
         <p:nvSpPr>
           <p:cNvPr id="15" name="Google Shape;15;p1"/>
-          <p:cNvSpPr txBox="1"/>
+          <p:cNvSpPr txBox="1">
+            <a:spLocks noGrp="1"/>
+          </p:cNvSpPr>
           <p:nvPr>
-            <p:ph idx="12" type="sldNum"/>
+            <p:ph type="sldNum" idx="12"/>
           </p:nvPr>
         </p:nvSpPr>
         <p:spPr>
@@ -5022,16 +5137,16 @@
           </a:ln>
         </p:spPr>
         <p:txBody>
-          <a:bodyPr anchorCtr="0" anchor="ctr" bIns="45700" lIns="91425" spcFirstLastPara="1" rIns="91425" wrap="square" tIns="45700">
+          <a:bodyPr spcFirstLastPara="1" wrap="square" lIns="91425" tIns="45700" rIns="91425" bIns="45700" anchor="ctr" anchorCtr="0">
             <a:noAutofit/>
           </a:bodyPr>
           <a:lstStyle>
-            <a:lvl1pPr indent="0" lvl="0" marL="0" marR="0" rtl="0" algn="r">
-              <a:spcBef>
-                <a:spcPts val="0"/>
-              </a:spcBef>
-              <a:buNone/>
-              <a:defRPr b="0" i="0" sz="1200" u="none" cap="none" strike="noStrike">
+            <a:lvl1pPr marL="0" marR="0" lvl="0" indent="0" algn="r" rtl="0">
+              <a:spcBef>
+                <a:spcPts val="0"/>
+              </a:spcBef>
+              <a:buNone/>
+              <a:defRPr sz="1200" b="0" i="0" u="none" strike="noStrike" cap="none">
                 <a:solidFill>
                   <a:srgbClr val="595959"/>
                 </a:solidFill>
@@ -5041,12 +5156,12 @@
                 <a:sym typeface="Quattrocento Sans"/>
               </a:defRPr>
             </a:lvl1pPr>
-            <a:lvl2pPr indent="0" lvl="1" marL="0" marR="0" rtl="0" algn="r">
-              <a:spcBef>
-                <a:spcPts val="0"/>
-              </a:spcBef>
-              <a:buNone/>
-              <a:defRPr b="0" i="0" sz="1200" u="none" cap="none" strike="noStrike">
+            <a:lvl2pPr marL="0" marR="0" lvl="1" indent="0" algn="r" rtl="0">
+              <a:spcBef>
+                <a:spcPts val="0"/>
+              </a:spcBef>
+              <a:buNone/>
+              <a:defRPr sz="1200" b="0" i="0" u="none" strike="noStrike" cap="none">
                 <a:solidFill>
                   <a:srgbClr val="595959"/>
                 </a:solidFill>
@@ -5056,12 +5171,12 @@
                 <a:sym typeface="Quattrocento Sans"/>
               </a:defRPr>
             </a:lvl2pPr>
-            <a:lvl3pPr indent="0" lvl="2" marL="0" marR="0" rtl="0" algn="r">
-              <a:spcBef>
-                <a:spcPts val="0"/>
-              </a:spcBef>
-              <a:buNone/>
-              <a:defRPr b="0" i="0" sz="1200" u="none" cap="none" strike="noStrike">
+            <a:lvl3pPr marL="0" marR="0" lvl="2" indent="0" algn="r" rtl="0">
+              <a:spcBef>
+                <a:spcPts val="0"/>
+              </a:spcBef>
+              <a:buNone/>
+              <a:defRPr sz="1200" b="0" i="0" u="none" strike="noStrike" cap="none">
                 <a:solidFill>
                   <a:srgbClr val="595959"/>
                 </a:solidFill>
@@ -5071,12 +5186,12 @@
                 <a:sym typeface="Quattrocento Sans"/>
               </a:defRPr>
             </a:lvl3pPr>
-            <a:lvl4pPr indent="0" lvl="3" marL="0" marR="0" rtl="0" algn="r">
-              <a:spcBef>
-                <a:spcPts val="0"/>
-              </a:spcBef>
-              <a:buNone/>
-              <a:defRPr b="0" i="0" sz="1200" u="none" cap="none" strike="noStrike">
+            <a:lvl4pPr marL="0" marR="0" lvl="3" indent="0" algn="r" rtl="0">
+              <a:spcBef>
+                <a:spcPts val="0"/>
+              </a:spcBef>
+              <a:buNone/>
+              <a:defRPr sz="1200" b="0" i="0" u="none" strike="noStrike" cap="none">
                 <a:solidFill>
                   <a:srgbClr val="595959"/>
                 </a:solidFill>
@@ -5086,12 +5201,12 @@
                 <a:sym typeface="Quattrocento Sans"/>
               </a:defRPr>
             </a:lvl4pPr>
-            <a:lvl5pPr indent="0" lvl="4" marL="0" marR="0" rtl="0" algn="r">
-              <a:spcBef>
-                <a:spcPts val="0"/>
-              </a:spcBef>
-              <a:buNone/>
-              <a:defRPr b="0" i="0" sz="1200" u="none" cap="none" strike="noStrike">
+            <a:lvl5pPr marL="0" marR="0" lvl="4" indent="0" algn="r" rtl="0">
+              <a:spcBef>
+                <a:spcPts val="0"/>
+              </a:spcBef>
+              <a:buNone/>
+              <a:defRPr sz="1200" b="0" i="0" u="none" strike="noStrike" cap="none">
                 <a:solidFill>
                   <a:srgbClr val="595959"/>
                 </a:solidFill>
@@ -5101,12 +5216,12 @@
                 <a:sym typeface="Quattrocento Sans"/>
               </a:defRPr>
             </a:lvl5pPr>
-            <a:lvl6pPr indent="0" lvl="5" marL="0" marR="0" rtl="0" algn="r">
-              <a:spcBef>
-                <a:spcPts val="0"/>
-              </a:spcBef>
-              <a:buNone/>
-              <a:defRPr b="0" i="0" sz="1200" u="none" cap="none" strike="noStrike">
+            <a:lvl6pPr marL="0" marR="0" lvl="5" indent="0" algn="r" rtl="0">
+              <a:spcBef>
+                <a:spcPts val="0"/>
+              </a:spcBef>
+              <a:buNone/>
+              <a:defRPr sz="1200" b="0" i="0" u="none" strike="noStrike" cap="none">
                 <a:solidFill>
                   <a:srgbClr val="595959"/>
                 </a:solidFill>
@@ -5116,12 +5231,12 @@
                 <a:sym typeface="Quattrocento Sans"/>
               </a:defRPr>
             </a:lvl6pPr>
-            <a:lvl7pPr indent="0" lvl="6" marL="0" marR="0" rtl="0" algn="r">
-              <a:spcBef>
-                <a:spcPts val="0"/>
-              </a:spcBef>
-              <a:buNone/>
-              <a:defRPr b="0" i="0" sz="1200" u="none" cap="none" strike="noStrike">
+            <a:lvl7pPr marL="0" marR="0" lvl="6" indent="0" algn="r" rtl="0">
+              <a:spcBef>
+                <a:spcPts val="0"/>
+              </a:spcBef>
+              <a:buNone/>
+              <a:defRPr sz="1200" b="0" i="0" u="none" strike="noStrike" cap="none">
                 <a:solidFill>
                   <a:srgbClr val="595959"/>
                 </a:solidFill>
@@ -5131,12 +5246,12 @@
                 <a:sym typeface="Quattrocento Sans"/>
               </a:defRPr>
             </a:lvl7pPr>
-            <a:lvl8pPr indent="0" lvl="7" marL="0" marR="0" rtl="0" algn="r">
-              <a:spcBef>
-                <a:spcPts val="0"/>
-              </a:spcBef>
-              <a:buNone/>
-              <a:defRPr b="0" i="0" sz="1200" u="none" cap="none" strike="noStrike">
+            <a:lvl8pPr marL="0" marR="0" lvl="7" indent="0" algn="r" rtl="0">
+              <a:spcBef>
+                <a:spcPts val="0"/>
+              </a:spcBef>
+              <a:buNone/>
+              <a:defRPr sz="1200" b="0" i="0" u="none" strike="noStrike" cap="none">
                 <a:solidFill>
                   <a:srgbClr val="595959"/>
                 </a:solidFill>
@@ -5146,12 +5261,12 @@
                 <a:sym typeface="Quattrocento Sans"/>
               </a:defRPr>
             </a:lvl8pPr>
-            <a:lvl9pPr indent="0" lvl="8" marL="0" marR="0" rtl="0" algn="r">
-              <a:spcBef>
-                <a:spcPts val="0"/>
-              </a:spcBef>
-              <a:buNone/>
-              <a:defRPr b="0" i="0" sz="1200" u="none" cap="none" strike="noStrike">
+            <a:lvl9pPr marL="0" marR="0" lvl="8" indent="0" algn="r" rtl="0">
+              <a:spcBef>
+                <a:spcPts val="0"/>
+              </a:spcBef>
+              <a:buNone/>
+              <a:defRPr sz="1200" b="0" i="0" u="none" strike="noStrike" cap="none">
                 <a:solidFill>
                   <a:srgbClr val="595959"/>
                 </a:solidFill>
@@ -5163,7 +5278,7 @@
             </a:lvl9pPr>
           </a:lstStyle>
           <a:p>
-            <a:pPr indent="0" lvl="0" marL="0" rtl="0" algn="r">
+            <a:pPr marL="0" lvl="0" indent="0" algn="r" rtl="0">
               <a:spcBef>
                 <a:spcPts val="0"/>
               </a:spcBef>
@@ -5174,7 +5289,7 @@
             </a:pPr>
             <a:fld id="{00000000-1234-1234-1234-123412341234}" type="slidenum">
               <a:rPr lang="es-ES"/>
-              <a:t>‹#›</a:t>
+              <a:t>‹Nº›</a:t>
             </a:fld>
             <a:endParaRPr/>
           </a:p>
@@ -5195,29 +5310,29 @@
             <a:avLst/>
           </a:prstGeom>
           <a:noFill/>
-          <a:ln cap="flat" cmpd="sng" w="25400">
+          <a:ln w="25400" cap="flat" cmpd="sng">
             <a:solidFill>
               <a:srgbClr val="D24726"/>
             </a:solidFill>
             <a:prstDash val="solid"/>
             <a:miter lim="800000"/>
-            <a:headEnd len="sm" w="sm" type="none"/>
-            <a:tailEnd len="sm" w="sm" type="none"/>
+            <a:headEnd type="none" w="sm" len="sm"/>
+            <a:tailEnd type="none" w="sm" len="sm"/>
           </a:ln>
         </p:spPr>
       </p:cxnSp>
     </p:spTree>
   </p:cSld>
-  <p:clrMap accent1="accent1" accent2="accent2" accent3="accent3" accent4="accent4" accent5="accent5" accent6="accent6" bg1="lt1" bg2="dk2" tx1="dk1" tx2="lt2" folHlink="folHlink" hlink="hlink"/>
+  <p:clrMap bg1="lt1" tx1="dk1" bg2="dk2" tx2="lt2" accent1="accent1" accent2="accent2" accent3="accent3" accent4="accent4" accent5="accent5" accent6="accent6" hlink="hlink" folHlink="folHlink"/>
   <p:sldLayoutIdLst>
     <p:sldLayoutId id="2147483648" r:id="rId1"/>
     <p:sldLayoutId id="2147483649" r:id="rId2"/>
     <p:sldLayoutId id="2147483650" r:id="rId3"/>
   </p:sldLayoutIdLst>
-  <p:hf dt="0" ftr="0" hdr="0" sldNum="0"/>
+  <p:hf sldNum="0" hdr="0" ftr="0" dt="0"/>
   <p:txStyles>
     <p:titleStyle>
-      <a:defPPr lvl="0" marR="0" rtl="0" algn="l">
+      <a:defPPr marR="0" lvl="0" algn="l" rtl="0">
         <a:lnSpc>
           <a:spcPct val="100000"/>
         </a:lnSpc>
@@ -5228,7 +5343,7 @@
           <a:spcPts val="0"/>
         </a:spcAft>
       </a:defPPr>
-      <a:lvl1pPr lvl="0" marR="0" rtl="0" algn="l">
+      <a:lvl1pPr marR="0" lvl="0" algn="l" rtl="0">
         <a:lnSpc>
           <a:spcPct val="100000"/>
         </a:lnSpc>
@@ -5242,7 +5357,7 @@
           <a:srgbClr val="000000"/>
         </a:buClr>
         <a:buFont typeface="Arial"/>
-        <a:defRPr b="0" i="0" sz="1400" u="none" cap="none" strike="noStrike">
+        <a:defRPr sz="1400" b="0" i="0" u="none" strike="noStrike" cap="none">
           <a:solidFill>
             <a:srgbClr val="000000"/>
           </a:solidFill>
@@ -5252,7 +5367,7 @@
           <a:sym typeface="Arial"/>
         </a:defRPr>
       </a:lvl1pPr>
-      <a:lvl2pPr lvl="1" marR="0" rtl="0" algn="l">
+      <a:lvl2pPr marR="0" lvl="1" algn="l" rtl="0">
         <a:lnSpc>
           <a:spcPct val="100000"/>
         </a:lnSpc>
@@ -5266,7 +5381,7 @@
           <a:srgbClr val="000000"/>
         </a:buClr>
         <a:buFont typeface="Arial"/>
-        <a:defRPr b="0" i="0" sz="1400" u="none" cap="none" strike="noStrike">
+        <a:defRPr sz="1400" b="0" i="0" u="none" strike="noStrike" cap="none">
           <a:solidFill>
             <a:srgbClr val="000000"/>
           </a:solidFill>
@@ -5276,7 +5391,7 @@
           <a:sym typeface="Arial"/>
         </a:defRPr>
       </a:lvl2pPr>
-      <a:lvl3pPr lvl="2" marR="0" rtl="0" algn="l">
+      <a:lvl3pPr marR="0" lvl="2" algn="l" rtl="0">
         <a:lnSpc>
           <a:spcPct val="100000"/>
         </a:lnSpc>
@@ -5290,7 +5405,7 @@
           <a:srgbClr val="000000"/>
         </a:buClr>
         <a:buFont typeface="Arial"/>
-        <a:defRPr b="0" i="0" sz="1400" u="none" cap="none" strike="noStrike">
+        <a:defRPr sz="1400" b="0" i="0" u="none" strike="noStrike" cap="none">
           <a:solidFill>
             <a:srgbClr val="000000"/>
           </a:solidFill>
@@ -5300,7 +5415,7 @@
           <a:sym typeface="Arial"/>
         </a:defRPr>
       </a:lvl3pPr>
-      <a:lvl4pPr lvl="3" marR="0" rtl="0" algn="l">
+      <a:lvl4pPr marR="0" lvl="3" algn="l" rtl="0">
         <a:lnSpc>
           <a:spcPct val="100000"/>
         </a:lnSpc>
@@ -5314,7 +5429,7 @@
           <a:srgbClr val="000000"/>
         </a:buClr>
         <a:buFont typeface="Arial"/>
-        <a:defRPr b="0" i="0" sz="1400" u="none" cap="none" strike="noStrike">
+        <a:defRPr sz="1400" b="0" i="0" u="none" strike="noStrike" cap="none">
           <a:solidFill>
             <a:srgbClr val="000000"/>
           </a:solidFill>
@@ -5324,7 +5439,7 @@
           <a:sym typeface="Arial"/>
         </a:defRPr>
       </a:lvl4pPr>
-      <a:lvl5pPr lvl="4" marR="0" rtl="0" algn="l">
+      <a:lvl5pPr marR="0" lvl="4" algn="l" rtl="0">
         <a:lnSpc>
           <a:spcPct val="100000"/>
         </a:lnSpc>
@@ -5338,7 +5453,7 @@
           <a:srgbClr val="000000"/>
         </a:buClr>
         <a:buFont typeface="Arial"/>
-        <a:defRPr b="0" i="0" sz="1400" u="none" cap="none" strike="noStrike">
+        <a:defRPr sz="1400" b="0" i="0" u="none" strike="noStrike" cap="none">
           <a:solidFill>
             <a:srgbClr val="000000"/>
           </a:solidFill>
@@ -5348,7 +5463,7 @@
           <a:sym typeface="Arial"/>
         </a:defRPr>
       </a:lvl5pPr>
-      <a:lvl6pPr lvl="5" marR="0" rtl="0" algn="l">
+      <a:lvl6pPr marR="0" lvl="5" algn="l" rtl="0">
         <a:lnSpc>
           <a:spcPct val="100000"/>
         </a:lnSpc>
@@ -5362,7 +5477,7 @@
           <a:srgbClr val="000000"/>
         </a:buClr>
         <a:buFont typeface="Arial"/>
-        <a:defRPr b="0" i="0" sz="1400" u="none" cap="none" strike="noStrike">
+        <a:defRPr sz="1400" b="0" i="0" u="none" strike="noStrike" cap="none">
           <a:solidFill>
             <a:srgbClr val="000000"/>
           </a:solidFill>
@@ -5372,7 +5487,7 @@
           <a:sym typeface="Arial"/>
         </a:defRPr>
       </a:lvl6pPr>
-      <a:lvl7pPr lvl="6" marR="0" rtl="0" algn="l">
+      <a:lvl7pPr marR="0" lvl="6" algn="l" rtl="0">
         <a:lnSpc>
           <a:spcPct val="100000"/>
         </a:lnSpc>
@@ -5386,7 +5501,7 @@
           <a:srgbClr val="000000"/>
         </a:buClr>
         <a:buFont typeface="Arial"/>
-        <a:defRPr b="0" i="0" sz="1400" u="none" cap="none" strike="noStrike">
+        <a:defRPr sz="1400" b="0" i="0" u="none" strike="noStrike" cap="none">
           <a:solidFill>
             <a:srgbClr val="000000"/>
           </a:solidFill>
@@ -5396,7 +5511,7 @@
           <a:sym typeface="Arial"/>
         </a:defRPr>
       </a:lvl7pPr>
-      <a:lvl8pPr lvl="7" marR="0" rtl="0" algn="l">
+      <a:lvl8pPr marR="0" lvl="7" algn="l" rtl="0">
         <a:lnSpc>
           <a:spcPct val="100000"/>
         </a:lnSpc>
@@ -5410,7 +5525,7 @@
           <a:srgbClr val="000000"/>
         </a:buClr>
         <a:buFont typeface="Arial"/>
-        <a:defRPr b="0" i="0" sz="1400" u="none" cap="none" strike="noStrike">
+        <a:defRPr sz="1400" b="0" i="0" u="none" strike="noStrike" cap="none">
           <a:solidFill>
             <a:srgbClr val="000000"/>
           </a:solidFill>
@@ -5420,7 +5535,7 @@
           <a:sym typeface="Arial"/>
         </a:defRPr>
       </a:lvl8pPr>
-      <a:lvl9pPr lvl="8" marR="0" rtl="0" algn="l">
+      <a:lvl9pPr marR="0" lvl="8" algn="l" rtl="0">
         <a:lnSpc>
           <a:spcPct val="100000"/>
         </a:lnSpc>
@@ -5434,7 +5549,7 @@
           <a:srgbClr val="000000"/>
         </a:buClr>
         <a:buFont typeface="Arial"/>
-        <a:defRPr b="0" i="0" sz="1400" u="none" cap="none" strike="noStrike">
+        <a:defRPr sz="1400" b="0" i="0" u="none" strike="noStrike" cap="none">
           <a:solidFill>
             <a:srgbClr val="000000"/>
           </a:solidFill>
@@ -5446,7 +5561,7 @@
       </a:lvl9pPr>
     </p:titleStyle>
     <p:bodyStyle>
-      <a:defPPr lvl="0" marR="0" rtl="0" algn="l">
+      <a:defPPr marR="0" lvl="0" algn="l" rtl="0">
         <a:lnSpc>
           <a:spcPct val="100000"/>
         </a:lnSpc>
@@ -5457,7 +5572,7 @@
           <a:spcPts val="0"/>
         </a:spcAft>
       </a:defPPr>
-      <a:lvl1pPr lvl="0" marR="0" rtl="0" algn="l">
+      <a:lvl1pPr marR="0" lvl="0" algn="l" rtl="0">
         <a:lnSpc>
           <a:spcPct val="100000"/>
         </a:lnSpc>
@@ -5471,7 +5586,7 @@
           <a:srgbClr val="000000"/>
         </a:buClr>
         <a:buFont typeface="Arial"/>
-        <a:defRPr b="0" i="0" sz="1400" u="none" cap="none" strike="noStrike">
+        <a:defRPr sz="1400" b="0" i="0" u="none" strike="noStrike" cap="none">
           <a:solidFill>
             <a:srgbClr val="000000"/>
           </a:solidFill>
@@ -5481,7 +5596,7 @@
           <a:sym typeface="Arial"/>
         </a:defRPr>
       </a:lvl1pPr>
-      <a:lvl2pPr lvl="1" marR="0" rtl="0" algn="l">
+      <a:lvl2pPr marR="0" lvl="1" algn="l" rtl="0">
         <a:lnSpc>
           <a:spcPct val="100000"/>
         </a:lnSpc>
@@ -5495,7 +5610,7 @@
           <a:srgbClr val="000000"/>
         </a:buClr>
         <a:buFont typeface="Arial"/>
-        <a:defRPr b="0" i="0" sz="1400" u="none" cap="none" strike="noStrike">
+        <a:defRPr sz="1400" b="0" i="0" u="none" strike="noStrike" cap="none">
           <a:solidFill>
             <a:srgbClr val="000000"/>
           </a:solidFill>
@@ -5505,7 +5620,7 @@
           <a:sym typeface="Arial"/>
         </a:defRPr>
       </a:lvl2pPr>
-      <a:lvl3pPr lvl="2" marR="0" rtl="0" algn="l">
+      <a:lvl3pPr marR="0" lvl="2" algn="l" rtl="0">
         <a:lnSpc>
           <a:spcPct val="100000"/>
         </a:lnSpc>
@@ -5519,7 +5634,7 @@
           <a:srgbClr val="000000"/>
         </a:buClr>
         <a:buFont typeface="Arial"/>
-        <a:defRPr b="0" i="0" sz="1400" u="none" cap="none" strike="noStrike">
+        <a:defRPr sz="1400" b="0" i="0" u="none" strike="noStrike" cap="none">
           <a:solidFill>
             <a:srgbClr val="000000"/>
           </a:solidFill>
@@ -5529,7 +5644,7 @@
           <a:sym typeface="Arial"/>
         </a:defRPr>
       </a:lvl3pPr>
-      <a:lvl4pPr lvl="3" marR="0" rtl="0" algn="l">
+      <a:lvl4pPr marR="0" lvl="3" algn="l" rtl="0">
         <a:lnSpc>
           <a:spcPct val="100000"/>
         </a:lnSpc>
@@ -5543,7 +5658,7 @@
           <a:srgbClr val="000000"/>
         </a:buClr>
         <a:buFont typeface="Arial"/>
-        <a:defRPr b="0" i="0" sz="1400" u="none" cap="none" strike="noStrike">
+        <a:defRPr sz="1400" b="0" i="0" u="none" strike="noStrike" cap="none">
           <a:solidFill>
             <a:srgbClr val="000000"/>
           </a:solidFill>
@@ -5553,7 +5668,7 @@
           <a:sym typeface="Arial"/>
         </a:defRPr>
       </a:lvl4pPr>
-      <a:lvl5pPr lvl="4" marR="0" rtl="0" algn="l">
+      <a:lvl5pPr marR="0" lvl="4" algn="l" rtl="0">
         <a:lnSpc>
           <a:spcPct val="100000"/>
         </a:lnSpc>
@@ -5567,7 +5682,7 @@
           <a:srgbClr val="000000"/>
         </a:buClr>
         <a:buFont typeface="Arial"/>
-        <a:defRPr b="0" i="0" sz="1400" u="none" cap="none" strike="noStrike">
+        <a:defRPr sz="1400" b="0" i="0" u="none" strike="noStrike" cap="none">
           <a:solidFill>
             <a:srgbClr val="000000"/>
           </a:solidFill>
@@ -5577,7 +5692,7 @@
           <a:sym typeface="Arial"/>
         </a:defRPr>
       </a:lvl5pPr>
-      <a:lvl6pPr lvl="5" marR="0" rtl="0" algn="l">
+      <a:lvl6pPr marR="0" lvl="5" algn="l" rtl="0">
         <a:lnSpc>
           <a:spcPct val="100000"/>
         </a:lnSpc>
@@ -5591,7 +5706,7 @@
           <a:srgbClr val="000000"/>
         </a:buClr>
         <a:buFont typeface="Arial"/>
-        <a:defRPr b="0" i="0" sz="1400" u="none" cap="none" strike="noStrike">
+        <a:defRPr sz="1400" b="0" i="0" u="none" strike="noStrike" cap="none">
           <a:solidFill>
             <a:srgbClr val="000000"/>
           </a:solidFill>
@@ -5601,7 +5716,7 @@
           <a:sym typeface="Arial"/>
         </a:defRPr>
       </a:lvl6pPr>
-      <a:lvl7pPr lvl="6" marR="0" rtl="0" algn="l">
+      <a:lvl7pPr marR="0" lvl="6" algn="l" rtl="0">
         <a:lnSpc>
           <a:spcPct val="100000"/>
         </a:lnSpc>
@@ -5615,7 +5730,7 @@
           <a:srgbClr val="000000"/>
         </a:buClr>
         <a:buFont typeface="Arial"/>
-        <a:defRPr b="0" i="0" sz="1400" u="none" cap="none" strike="noStrike">
+        <a:defRPr sz="1400" b="0" i="0" u="none" strike="noStrike" cap="none">
           <a:solidFill>
             <a:srgbClr val="000000"/>
           </a:solidFill>
@@ -5625,7 +5740,7 @@
           <a:sym typeface="Arial"/>
         </a:defRPr>
       </a:lvl7pPr>
-      <a:lvl8pPr lvl="7" marR="0" rtl="0" algn="l">
+      <a:lvl8pPr marR="0" lvl="7" algn="l" rtl="0">
         <a:lnSpc>
           <a:spcPct val="100000"/>
         </a:lnSpc>
@@ -5639,7 +5754,7 @@
           <a:srgbClr val="000000"/>
         </a:buClr>
         <a:buFont typeface="Arial"/>
-        <a:defRPr b="0" i="0" sz="1400" u="none" cap="none" strike="noStrike">
+        <a:defRPr sz="1400" b="0" i="0" u="none" strike="noStrike" cap="none">
           <a:solidFill>
             <a:srgbClr val="000000"/>
           </a:solidFill>
@@ -5649,7 +5764,7 @@
           <a:sym typeface="Arial"/>
         </a:defRPr>
       </a:lvl8pPr>
-      <a:lvl9pPr lvl="8" marR="0" rtl="0" algn="l">
+      <a:lvl9pPr marR="0" lvl="8" algn="l" rtl="0">
         <a:lnSpc>
           <a:spcPct val="100000"/>
         </a:lnSpc>
@@ -5663,7 +5778,7 @@
           <a:srgbClr val="000000"/>
         </a:buClr>
         <a:buFont typeface="Arial"/>
-        <a:defRPr b="0" i="0" sz="1400" u="none" cap="none" strike="noStrike">
+        <a:defRPr sz="1400" b="0" i="0" u="none" strike="noStrike" cap="none">
           <a:solidFill>
             <a:srgbClr val="000000"/>
           </a:solidFill>
@@ -5675,7 +5790,7 @@
       </a:lvl9pPr>
     </p:bodyStyle>
     <p:otherStyle>
-      <a:defPPr lvl="0" marR="0" rtl="0" algn="l">
+      <a:defPPr marR="0" lvl="0" algn="l" rtl="0">
         <a:lnSpc>
           <a:spcPct val="100000"/>
         </a:lnSpc>
@@ -5686,7 +5801,7 @@
           <a:spcPts val="0"/>
         </a:spcAft>
       </a:defPPr>
-      <a:lvl1pPr lvl="0" marR="0" rtl="0" algn="l">
+      <a:lvl1pPr marR="0" lvl="0" algn="l" rtl="0">
         <a:lnSpc>
           <a:spcPct val="100000"/>
         </a:lnSpc>
@@ -5700,7 +5815,7 @@
           <a:srgbClr val="000000"/>
         </a:buClr>
         <a:buFont typeface="Arial"/>
-        <a:defRPr b="0" i="0" sz="1400" u="none" cap="none" strike="noStrike">
+        <a:defRPr sz="1400" b="0" i="0" u="none" strike="noStrike" cap="none">
           <a:solidFill>
             <a:srgbClr val="000000"/>
           </a:solidFill>
@@ -5710,7 +5825,7 @@
           <a:sym typeface="Arial"/>
         </a:defRPr>
       </a:lvl1pPr>
-      <a:lvl2pPr lvl="1" marR="0" rtl="0" algn="l">
+      <a:lvl2pPr marR="0" lvl="1" algn="l" rtl="0">
         <a:lnSpc>
           <a:spcPct val="100000"/>
         </a:lnSpc>
@@ -5724,7 +5839,7 @@
           <a:srgbClr val="000000"/>
         </a:buClr>
         <a:buFont typeface="Arial"/>
-        <a:defRPr b="0" i="0" sz="1400" u="none" cap="none" strike="noStrike">
+        <a:defRPr sz="1400" b="0" i="0" u="none" strike="noStrike" cap="none">
           <a:solidFill>
             <a:srgbClr val="000000"/>
           </a:solidFill>
@@ -5734,7 +5849,7 @@
           <a:sym typeface="Arial"/>
         </a:defRPr>
       </a:lvl2pPr>
-      <a:lvl3pPr lvl="2" marR="0" rtl="0" algn="l">
+      <a:lvl3pPr marR="0" lvl="2" algn="l" rtl="0">
         <a:lnSpc>
           <a:spcPct val="100000"/>
         </a:lnSpc>
@@ -5748,7 +5863,7 @@
           <a:srgbClr val="000000"/>
         </a:buClr>
         <a:buFont typeface="Arial"/>
-        <a:defRPr b="0" i="0" sz="1400" u="none" cap="none" strike="noStrike">
+        <a:defRPr sz="1400" b="0" i="0" u="none" strike="noStrike" cap="none">
           <a:solidFill>
             <a:srgbClr val="000000"/>
           </a:solidFill>
@@ -5758,7 +5873,7 @@
           <a:sym typeface="Arial"/>
         </a:defRPr>
       </a:lvl3pPr>
-      <a:lvl4pPr lvl="3" marR="0" rtl="0" algn="l">
+      <a:lvl4pPr marR="0" lvl="3" algn="l" rtl="0">
         <a:lnSpc>
           <a:spcPct val="100000"/>
         </a:lnSpc>
@@ -5772,7 +5887,7 @@
           <a:srgbClr val="000000"/>
         </a:buClr>
         <a:buFont typeface="Arial"/>
-        <a:defRPr b="0" i="0" sz="1400" u="none" cap="none" strike="noStrike">
+        <a:defRPr sz="1400" b="0" i="0" u="none" strike="noStrike" cap="none">
           <a:solidFill>
             <a:srgbClr val="000000"/>
           </a:solidFill>
@@ -5782,7 +5897,7 @@
           <a:sym typeface="Arial"/>
         </a:defRPr>
       </a:lvl4pPr>
-      <a:lvl5pPr lvl="4" marR="0" rtl="0" algn="l">
+      <a:lvl5pPr marR="0" lvl="4" algn="l" rtl="0">
         <a:lnSpc>
           <a:spcPct val="100000"/>
         </a:lnSpc>
@@ -5796,7 +5911,7 @@
           <a:srgbClr val="000000"/>
         </a:buClr>
         <a:buFont typeface="Arial"/>
-        <a:defRPr b="0" i="0" sz="1400" u="none" cap="none" strike="noStrike">
+        <a:defRPr sz="1400" b="0" i="0" u="none" strike="noStrike" cap="none">
           <a:solidFill>
             <a:srgbClr val="000000"/>
           </a:solidFill>
@@ -5806,7 +5921,7 @@
           <a:sym typeface="Arial"/>
         </a:defRPr>
       </a:lvl5pPr>
-      <a:lvl6pPr lvl="5" marR="0" rtl="0" algn="l">
+      <a:lvl6pPr marR="0" lvl="5" algn="l" rtl="0">
         <a:lnSpc>
           <a:spcPct val="100000"/>
         </a:lnSpc>
@@ -5820,7 +5935,7 @@
           <a:srgbClr val="000000"/>
         </a:buClr>
         <a:buFont typeface="Arial"/>
-        <a:defRPr b="0" i="0" sz="1400" u="none" cap="none" strike="noStrike">
+        <a:defRPr sz="1400" b="0" i="0" u="none" strike="noStrike" cap="none">
           <a:solidFill>
             <a:srgbClr val="000000"/>
           </a:solidFill>
@@ -5830,7 +5945,7 @@
           <a:sym typeface="Arial"/>
         </a:defRPr>
       </a:lvl6pPr>
-      <a:lvl7pPr lvl="6" marR="0" rtl="0" algn="l">
+      <a:lvl7pPr marR="0" lvl="6" algn="l" rtl="0">
         <a:lnSpc>
           <a:spcPct val="100000"/>
         </a:lnSpc>
@@ -5844,7 +5959,7 @@
           <a:srgbClr val="000000"/>
         </a:buClr>
         <a:buFont typeface="Arial"/>
-        <a:defRPr b="0" i="0" sz="1400" u="none" cap="none" strike="noStrike">
+        <a:defRPr sz="1400" b="0" i="0" u="none" strike="noStrike" cap="none">
           <a:solidFill>
             <a:srgbClr val="000000"/>
           </a:solidFill>
@@ -5854,7 +5969,7 @@
           <a:sym typeface="Arial"/>
         </a:defRPr>
       </a:lvl7pPr>
-      <a:lvl8pPr lvl="7" marR="0" rtl="0" algn="l">
+      <a:lvl8pPr marR="0" lvl="7" algn="l" rtl="0">
         <a:lnSpc>
           <a:spcPct val="100000"/>
         </a:lnSpc>
@@ -5868,7 +5983,7 @@
           <a:srgbClr val="000000"/>
         </a:buClr>
         <a:buFont typeface="Arial"/>
-        <a:defRPr b="0" i="0" sz="1400" u="none" cap="none" strike="noStrike">
+        <a:defRPr sz="1400" b="0" i="0" u="none" strike="noStrike" cap="none">
           <a:solidFill>
             <a:srgbClr val="000000"/>
           </a:solidFill>
@@ -5878,7 +5993,7 @@
           <a:sym typeface="Arial"/>
         </a:defRPr>
       </a:lvl8pPr>
-      <a:lvl9pPr lvl="8" marR="0" rtl="0" algn="l">
+      <a:lvl9pPr marR="0" lvl="8" algn="l" rtl="0">
         <a:lnSpc>
           <a:spcPct val="100000"/>
         </a:lnSpc>
@@ -5892,7 +6007,7 @@
           <a:srgbClr val="000000"/>
         </a:buClr>
         <a:buFont typeface="Arial"/>
-        <a:defRPr b="0" i="0" sz="1400" u="none" cap="none" strike="noStrike">
+        <a:defRPr sz="1400" b="0" i="0" u="none" strike="noStrike" cap="none">
           <a:solidFill>
             <a:srgbClr val="000000"/>
           </a:solidFill>
@@ -5908,11 +6023,11 @@
 </file>
 
 <file path=ppt/slides/slide1.xml><?xml version="1.0" encoding="utf-8"?>
-<p:sld xmlns:a="http://schemas.openxmlformats.org/drawingml/2006/main" xmlns:r="http://schemas.openxmlformats.org/officeDocument/2006/relationships" xmlns:mc="http://schemas.openxmlformats.org/markup-compatibility/2006" xmlns:mv="urn:schemas-microsoft-com:mac:vml" xmlns:p="http://schemas.openxmlformats.org/presentationml/2006/main" xmlns:c="http://schemas.openxmlformats.org/drawingml/2006/chart" xmlns:dgm="http://schemas.openxmlformats.org/drawingml/2006/diagram" xmlns:o="urn:schemas-microsoft-com:office:office" xmlns:v="urn:schemas-microsoft-com:vml" xmlns:pvml="urn:schemas-microsoft-com:office:powerpoint" xmlns:com="http://schemas.openxmlformats.org/drawingml/2006/compatibility" xmlns:p14="http://schemas.microsoft.com/office/powerpoint/2010/main" xmlns:p15="http://schemas.microsoft.com/office/powerpoint/2012/main" xmlns:ahyp="http://schemas.microsoft.com/office/drawing/2018/hyperlinkcolor">
+<p:sld xmlns:a="http://schemas.openxmlformats.org/drawingml/2006/main" xmlns:r="http://schemas.openxmlformats.org/officeDocument/2006/relationships" xmlns:p="http://schemas.openxmlformats.org/presentationml/2006/main">
   <p:cSld>
     <p:spTree>
       <p:nvGrpSpPr>
-        <p:cNvPr id="37" name="Shape 37"/>
+        <p:cNvPr id="1" name="Shape 37"/>
         <p:cNvGrpSpPr/>
         <p:nvPr/>
       </p:nvGrpSpPr>
@@ -5927,9 +6042,11 @@
       <p:sp>
         <p:nvSpPr>
           <p:cNvPr id="38" name="Google Shape;38;p5"/>
-          <p:cNvSpPr txBox="1"/>
+          <p:cNvSpPr txBox="1">
+            <a:spLocks noGrp="1"/>
+          </p:cNvSpPr>
           <p:nvPr>
-            <p:ph idx="4294967295" type="ctrTitle"/>
+            <p:ph type="ctrTitle" idx="4294967295"/>
           </p:nvPr>
         </p:nvSpPr>
         <p:spPr>
@@ -5946,12 +6063,12 @@
           </a:ln>
         </p:spPr>
         <p:txBody>
-          <a:bodyPr anchorCtr="0" anchor="ctr" bIns="45700" lIns="91425" spcFirstLastPara="1" rIns="91425" wrap="square" tIns="45700">
+          <a:bodyPr spcFirstLastPara="1" wrap="square" lIns="91425" tIns="45700" rIns="91425" bIns="45700" anchor="ctr" anchorCtr="0">
             <a:normAutofit/>
           </a:bodyPr>
           <a:lstStyle/>
           <a:p>
-            <a:pPr indent="0" lvl="0" marL="0" marR="0" rtl="0" algn="l">
+            <a:pPr marL="0" marR="0" lvl="0" indent="0" algn="l" rtl="0">
               <a:spcBef>
                 <a:spcPts val="0"/>
               </a:spcBef>
@@ -5980,9 +6097,11 @@
       <p:sp>
         <p:nvSpPr>
           <p:cNvPr id="39" name="Google Shape;39;p5"/>
-          <p:cNvSpPr txBox="1"/>
+          <p:cNvSpPr txBox="1">
+            <a:spLocks noGrp="1"/>
+          </p:cNvSpPr>
           <p:nvPr>
-            <p:ph idx="4294967295" type="subTitle"/>
+            <p:ph type="subTitle" idx="4294967295"/>
           </p:nvPr>
         </p:nvSpPr>
         <p:spPr>
@@ -5999,12 +6118,12 @@
           </a:ln>
         </p:spPr>
         <p:txBody>
-          <a:bodyPr anchorCtr="0" anchor="t" bIns="45700" lIns="91425" spcFirstLastPara="1" rIns="91425" wrap="square" tIns="45700">
+          <a:bodyPr spcFirstLastPara="1" wrap="square" lIns="91425" tIns="45700" rIns="91425" bIns="45700" anchor="t" anchorCtr="0">
             <a:normAutofit/>
           </a:bodyPr>
           <a:lstStyle/>
           <a:p>
-            <a:pPr indent="0" lvl="0" marL="0" marR="0" rtl="0" algn="l">
+            <a:pPr marL="0" marR="0" lvl="0" indent="0" algn="l" rtl="0">
               <a:lnSpc>
                 <a:spcPct val="150000"/>
               </a:lnSpc>
@@ -6027,15 +6146,7 @@
                   <a:schemeClr val="lt1"/>
                 </a:solidFill>
               </a:rPr>
-              <a:t>Programación</a:t>
-            </a:r>
-            <a:r>
-              <a:rPr lang="es-ES" sz="1800">
-                <a:solidFill>
-                  <a:schemeClr val="lt1"/>
-                </a:solidFill>
-              </a:rPr>
-              <a:t> web 011V</a:t>
+              <a:t>Programación web 011V</a:t>
             </a:r>
             <a:endParaRPr sz="1800">
               <a:solidFill>
@@ -6044,7 +6155,7 @@
             </a:endParaRPr>
           </a:p>
           <a:p>
-            <a:pPr indent="0" lvl="0" marL="0" marR="0" rtl="0" algn="r">
+            <a:pPr marL="0" marR="0" lvl="0" indent="0" algn="r" rtl="0">
               <a:lnSpc>
                 <a:spcPct val="150000"/>
               </a:lnSpc>
@@ -6076,7 +6187,7 @@
             </a:endParaRPr>
           </a:p>
           <a:p>
-            <a:pPr indent="0" lvl="0" marL="0" marR="0" rtl="0" algn="r">
+            <a:pPr marL="0" marR="0" lvl="0" indent="0" algn="r" rtl="0">
               <a:lnSpc>
                 <a:spcPct val="150000"/>
               </a:lnSpc>
@@ -6118,11 +6229,11 @@
 </file>
 
 <file path=ppt/slides/slide2.xml><?xml version="1.0" encoding="utf-8"?>
-<p:sld xmlns:a="http://schemas.openxmlformats.org/drawingml/2006/main" xmlns:r="http://schemas.openxmlformats.org/officeDocument/2006/relationships" xmlns:mc="http://schemas.openxmlformats.org/markup-compatibility/2006" xmlns:mv="urn:schemas-microsoft-com:mac:vml" xmlns:p="http://schemas.openxmlformats.org/presentationml/2006/main" xmlns:c="http://schemas.openxmlformats.org/drawingml/2006/chart" xmlns:dgm="http://schemas.openxmlformats.org/drawingml/2006/diagram" xmlns:o="urn:schemas-microsoft-com:office:office" xmlns:v="urn:schemas-microsoft-com:vml" xmlns:pvml="urn:schemas-microsoft-com:office:powerpoint" xmlns:com="http://schemas.openxmlformats.org/drawingml/2006/compatibility" xmlns:p14="http://schemas.microsoft.com/office/powerpoint/2010/main" xmlns:p15="http://schemas.microsoft.com/office/powerpoint/2012/main" xmlns:ahyp="http://schemas.microsoft.com/office/drawing/2018/hyperlinkcolor">
+<p:sld xmlns:a="http://schemas.openxmlformats.org/drawingml/2006/main" xmlns:r="http://schemas.openxmlformats.org/officeDocument/2006/relationships" xmlns:p="http://schemas.openxmlformats.org/presentationml/2006/main">
   <p:cSld>
     <p:spTree>
       <p:nvGrpSpPr>
-        <p:cNvPr id="44" name="Shape 44"/>
+        <p:cNvPr id="1" name="Shape 44"/>
         <p:cNvGrpSpPr/>
         <p:nvPr/>
       </p:nvGrpSpPr>
@@ -6137,7 +6248,9 @@
       <p:sp>
         <p:nvSpPr>
           <p:cNvPr id="45" name="Google Shape;45;p6"/>
-          <p:cNvSpPr txBox="1"/>
+          <p:cNvSpPr txBox="1">
+            <a:spLocks noGrp="1"/>
+          </p:cNvSpPr>
           <p:nvPr>
             <p:ph type="title"/>
           </p:nvPr>
@@ -6156,12 +6269,12 @@
           </a:ln>
         </p:spPr>
         <p:txBody>
-          <a:bodyPr anchorCtr="0" anchor="b" bIns="45700" lIns="91425" spcFirstLastPara="1" rIns="91425" wrap="square" tIns="45700">
+          <a:bodyPr spcFirstLastPara="1" wrap="square" lIns="91425" tIns="45700" rIns="91425" bIns="45700" anchor="b" anchorCtr="0">
             <a:noAutofit/>
           </a:bodyPr>
           <a:lstStyle/>
           <a:p>
-            <a:pPr indent="0" lvl="0" marL="0" rtl="0" algn="l">
+            <a:pPr marL="0" lvl="0" indent="0" algn="l" rtl="0">
               <a:spcBef>
                 <a:spcPts val="0"/>
               </a:spcBef>
@@ -6208,12 +6321,12 @@
           </a:ln>
         </p:spPr>
         <p:txBody>
-          <a:bodyPr anchorCtr="0" anchor="t" bIns="45700" lIns="91425" spcFirstLastPara="1" rIns="91425" wrap="square" tIns="45700">
+          <a:bodyPr spcFirstLastPara="1" wrap="square" lIns="91425" tIns="45700" rIns="91425" bIns="45700" anchor="t" anchorCtr="0">
             <a:normAutofit fontScale="77500" lnSpcReduction="10000"/>
           </a:bodyPr>
           <a:lstStyle/>
           <a:p>
-            <a:pPr indent="0" lvl="0" marL="0" marR="0" rtl="0" algn="l">
+            <a:pPr marL="0" marR="0" lvl="0" indent="0" algn="l" rtl="0">
               <a:lnSpc>
                 <a:spcPct val="150000"/>
               </a:lnSpc>
@@ -6231,7 +6344,7 @@
               <a:buNone/>
             </a:pPr>
             <a:r>
-              <a:rPr b="0" i="0" lang="es-ES" sz="1754" u="none" cap="none" strike="noStrike">
+              <a:rPr lang="es-ES" sz="1754" b="0" i="0" u="none" strike="noStrike" cap="none">
                 <a:solidFill>
                   <a:srgbClr val="3F3F3F"/>
                 </a:solidFill>
@@ -6255,7 +6368,7 @@
               <a:t>página</a:t>
             </a:r>
             <a:r>
-              <a:rPr b="0" i="0" lang="es-ES" sz="1754" u="none" cap="none" strike="noStrike">
+              <a:rPr lang="es-ES" sz="1754" b="0" i="0" u="none" strike="noStrike" cap="none">
                 <a:solidFill>
                   <a:srgbClr val="3F3F3F"/>
                 </a:solidFill>
@@ -6269,7 +6382,7 @@
             <a:endParaRPr sz="1954"/>
           </a:p>
           <a:p>
-            <a:pPr indent="0" lvl="0" marL="0" marR="0" rtl="0" algn="l">
+            <a:pPr marL="0" marR="0" lvl="0" indent="0" algn="l" rtl="0">
               <a:lnSpc>
                 <a:spcPct val="150000"/>
               </a:lnSpc>
@@ -6287,7 +6400,7 @@
               <a:buNone/>
             </a:pPr>
             <a:r>
-              <a:rPr b="0" i="0" lang="es-ES" sz="1754" u="none" cap="none" strike="noStrike">
+              <a:rPr lang="es-ES" sz="1754" b="0" i="0" u="none" strike="noStrike" cap="none">
                 <a:solidFill>
                   <a:srgbClr val="3F3F3F"/>
                 </a:solidFill>
@@ -6301,7 +6414,7 @@
             <a:endParaRPr sz="1954"/>
           </a:p>
           <a:p>
-            <a:pPr indent="-250187" lvl="0" marL="228600" marR="0" rtl="0" algn="l">
+            <a:pPr marL="228600" marR="0" lvl="0" indent="-250187" algn="l" rtl="0">
               <a:lnSpc>
                 <a:spcPct val="150000"/>
               </a:lnSpc>
@@ -6319,7 +6432,7 @@
               <a:buChar char="•"/>
             </a:pPr>
             <a:r>
-              <a:rPr b="0" i="0" lang="es-ES" sz="1754" u="none" cap="none" strike="noStrike">
+              <a:rPr lang="es-ES" sz="1754" b="0" i="0" u="none" strike="noStrike" cap="none">
                 <a:solidFill>
                   <a:srgbClr val="3F3F3F"/>
                 </a:solidFill>
@@ -6333,7 +6446,7 @@
             <a:endParaRPr sz="1954"/>
           </a:p>
           <a:p>
-            <a:pPr indent="-250187" lvl="0" marL="228600" marR="0" rtl="0" algn="l">
+            <a:pPr marL="228600" marR="0" lvl="0" indent="-250187" algn="l" rtl="0">
               <a:lnSpc>
                 <a:spcPct val="150000"/>
               </a:lnSpc>
@@ -6351,7 +6464,7 @@
               <a:buChar char="•"/>
             </a:pPr>
             <a:r>
-              <a:rPr b="0" i="0" lang="es-ES" sz="1754" u="none" cap="none" strike="noStrike">
+              <a:rPr lang="es-ES" sz="1754" b="0" i="0" u="none" strike="noStrike" cap="none">
                 <a:solidFill>
                   <a:srgbClr val="3F3F3F"/>
                 </a:solidFill>
@@ -6375,7 +6488,7 @@
               <a:t> y </a:t>
             </a:r>
             <a:r>
-              <a:rPr b="0" i="0" lang="es-ES" sz="1754" u="none" cap="none" strike="noStrike">
+              <a:rPr lang="es-ES" sz="1754" b="0" i="0" u="none" strike="noStrike" cap="none">
                 <a:solidFill>
                   <a:srgbClr val="3F3F3F"/>
                 </a:solidFill>
@@ -6389,7 +6502,7 @@
             <a:endParaRPr sz="1954"/>
           </a:p>
           <a:p>
-            <a:pPr indent="-250187" lvl="0" marL="228600" marR="0" rtl="0" algn="l">
+            <a:pPr marL="228600" marR="0" lvl="0" indent="-250187" algn="l" rtl="0">
               <a:lnSpc>
                 <a:spcPct val="150000"/>
               </a:lnSpc>
@@ -6407,7 +6520,7 @@
               <a:buChar char="•"/>
             </a:pPr>
             <a:r>
-              <a:rPr b="0" i="0" lang="es-ES" sz="1754" u="none" cap="none" strike="noStrike">
+              <a:rPr lang="es-ES" sz="1754" b="0" i="0" u="none" strike="noStrike" cap="none">
                 <a:solidFill>
                   <a:srgbClr val="3F3F3F"/>
                 </a:solidFill>
@@ -6421,7 +6534,7 @@
             <a:endParaRPr sz="1954"/>
           </a:p>
           <a:p>
-            <a:pPr indent="-163830" lvl="0" marL="228600" marR="0" rtl="0" algn="l">
+            <a:pPr marL="228600" marR="0" lvl="0" indent="-163830" algn="l" rtl="0">
               <a:lnSpc>
                 <a:spcPct val="150000"/>
               </a:lnSpc>
@@ -6438,10 +6551,7 @@
               <a:buFont typeface="Arial"/>
               <a:buNone/>
             </a:pPr>
-            <a:r>
-              <a:t/>
-            </a:r>
-            <a:endParaRPr b="0" i="0" sz="1200" u="none" cap="none" strike="noStrike">
+            <a:endParaRPr sz="1200" b="0" i="0" u="none" strike="noStrike" cap="none">
               <a:solidFill>
                 <a:srgbClr val="3F3F3F"/>
               </a:solidFill>
@@ -6452,7 +6562,7 @@
             </a:endParaRPr>
           </a:p>
           <a:p>
-            <a:pPr indent="0" lvl="0" marL="0" marR="0" rtl="0" algn="l">
+            <a:pPr marL="0" marR="0" lvl="0" indent="0" algn="l" rtl="0">
               <a:lnSpc>
                 <a:spcPct val="150000"/>
               </a:lnSpc>
@@ -6469,10 +6579,7 @@
               <a:buFont typeface="Arial"/>
               <a:buNone/>
             </a:pPr>
-            <a:r>
-              <a:t/>
-            </a:r>
-            <a:endParaRPr b="0" i="0" sz="1200" u="none" cap="none" strike="noStrike">
+            <a:endParaRPr sz="1200" b="0" i="0" u="none" strike="noStrike" cap="none">
               <a:solidFill>
                 <a:srgbClr val="3F3F3F"/>
               </a:solidFill>
@@ -6493,11 +6600,11 @@
 </file>
 
 <file path=ppt/slides/slide3.xml><?xml version="1.0" encoding="utf-8"?>
-<p:sld xmlns:a="http://schemas.openxmlformats.org/drawingml/2006/main" xmlns:r="http://schemas.openxmlformats.org/officeDocument/2006/relationships" xmlns:mc="http://schemas.openxmlformats.org/markup-compatibility/2006" xmlns:mv="urn:schemas-microsoft-com:mac:vml" xmlns:p="http://schemas.openxmlformats.org/presentationml/2006/main" xmlns:c="http://schemas.openxmlformats.org/drawingml/2006/chart" xmlns:dgm="http://schemas.openxmlformats.org/drawingml/2006/diagram" xmlns:o="urn:schemas-microsoft-com:office:office" xmlns:v="urn:schemas-microsoft-com:vml" xmlns:pvml="urn:schemas-microsoft-com:office:powerpoint" xmlns:com="http://schemas.openxmlformats.org/drawingml/2006/compatibility" xmlns:p14="http://schemas.microsoft.com/office/powerpoint/2010/main" xmlns:p15="http://schemas.microsoft.com/office/powerpoint/2012/main" xmlns:ahyp="http://schemas.microsoft.com/office/drawing/2018/hyperlinkcolor">
+<p:sld xmlns:a="http://schemas.openxmlformats.org/drawingml/2006/main" xmlns:r="http://schemas.openxmlformats.org/officeDocument/2006/relationships" xmlns:p="http://schemas.openxmlformats.org/presentationml/2006/main">
   <p:cSld>
     <p:spTree>
       <p:nvGrpSpPr>
-        <p:cNvPr id="51" name="Shape 51"/>
+        <p:cNvPr id="1" name="Shape 51"/>
         <p:cNvGrpSpPr/>
         <p:nvPr/>
       </p:nvGrpSpPr>
@@ -6512,7 +6619,9 @@
       <p:sp>
         <p:nvSpPr>
           <p:cNvPr id="52" name="Google Shape;52;p7"/>
-          <p:cNvSpPr txBox="1"/>
+          <p:cNvSpPr txBox="1">
+            <a:spLocks noGrp="1"/>
+          </p:cNvSpPr>
           <p:nvPr>
             <p:ph type="title"/>
           </p:nvPr>
@@ -6531,12 +6640,12 @@
           </a:ln>
         </p:spPr>
         <p:txBody>
-          <a:bodyPr anchorCtr="0" anchor="b" bIns="45700" lIns="91425" spcFirstLastPara="1" rIns="91425" wrap="square" tIns="45700">
+          <a:bodyPr spcFirstLastPara="1" wrap="square" lIns="91425" tIns="45700" rIns="91425" bIns="45700" anchor="b" anchorCtr="0">
             <a:normAutofit/>
           </a:bodyPr>
           <a:lstStyle/>
           <a:p>
-            <a:pPr indent="0" lvl="0" marL="0" rtl="0" algn="l">
+            <a:pPr marL="0" lvl="0" indent="0" algn="l" rtl="0">
               <a:spcBef>
                 <a:spcPts val="0"/>
               </a:spcBef>
@@ -6583,12 +6692,12 @@
           </a:ln>
         </p:spPr>
         <p:txBody>
-          <a:bodyPr anchorCtr="0" anchor="t" bIns="45700" lIns="91425" spcFirstLastPara="1" rIns="91425" wrap="square" tIns="45700">
+          <a:bodyPr spcFirstLastPara="1" wrap="square" lIns="91425" tIns="45700" rIns="91425" bIns="45700" anchor="t" anchorCtr="0">
             <a:normAutofit/>
           </a:bodyPr>
           <a:lstStyle/>
           <a:p>
-            <a:pPr indent="0" lvl="0" marL="0" marR="0" rtl="0" algn="l">
+            <a:pPr marL="0" marR="0" lvl="0" indent="0" algn="l" rtl="0">
               <a:lnSpc>
                 <a:spcPct val="150000"/>
               </a:lnSpc>
@@ -6605,10 +6714,7 @@
               <a:buFont typeface="Arial"/>
               <a:buNone/>
             </a:pPr>
-            <a:r>
-              <a:t/>
-            </a:r>
-            <a:endParaRPr b="0" i="0" sz="1200" u="none" cap="none" strike="noStrike">
+            <a:endParaRPr sz="1200" b="0" i="0" u="none" strike="noStrike" cap="none">
               <a:solidFill>
                 <a:srgbClr val="3F3F3F"/>
               </a:solidFill>
@@ -6622,7 +6728,7 @@
       </p:sp>
       <p:grpSp>
         <p:nvGrpSpPr>
-          <p:cNvPr descr="Círculo pequeño con el número 1 en su interior para indicar que se encuentra en el paso 1" id="54" name="Google Shape;54;p7"/>
+          <p:cNvPr id="54" name="Google Shape;54;p7" descr="Círculo pequeño con el número 1 en su interior para indicar que se encuentra en el paso 1"/>
           <p:cNvGrpSpPr/>
           <p:nvPr/>
         </p:nvGrpSpPr>
@@ -6636,7 +6742,7 @@
         </p:grpSpPr>
         <p:sp>
           <p:nvSpPr>
-            <p:cNvPr descr="Círculo pequeño" id="55" name="Google Shape;55;p7"/>
+            <p:cNvPr id="55" name="Google Shape;55;p7" descr="Círculo pequeño"/>
             <p:cNvSpPr/>
             <p:nvPr/>
           </p:nvSpPr>
@@ -6656,12 +6762,12 @@
             </a:ln>
           </p:spPr>
           <p:txBody>
-            <a:bodyPr anchorCtr="0" anchor="ctr" bIns="45700" lIns="91425" spcFirstLastPara="1" rIns="91425" wrap="square" tIns="45700">
+            <a:bodyPr spcFirstLastPara="1" wrap="square" lIns="91425" tIns="45700" rIns="91425" bIns="45700" anchor="ctr" anchorCtr="0">
               <a:noAutofit/>
             </a:bodyPr>
             <a:lstStyle/>
             <a:p>
-              <a:pPr indent="0" lvl="0" marL="0" marR="0" rtl="0" algn="ctr">
+              <a:pPr marL="0" marR="0" lvl="0" indent="0" algn="ctr" rtl="0">
                 <a:spcBef>
                   <a:spcPts val="0"/>
                 </a:spcBef>
@@ -6670,10 +6776,7 @@
                 </a:spcAft>
                 <a:buNone/>
               </a:pPr>
-              <a:r>
-                <a:t/>
-              </a:r>
-              <a:endParaRPr b="0" i="0" sz="1800" u="none" cap="none" strike="noStrike">
+              <a:endParaRPr sz="1800" b="0" i="0" u="none" strike="noStrike" cap="none">
                 <a:solidFill>
                   <a:schemeClr val="lt1"/>
                 </a:solidFill>
@@ -6687,7 +6790,7 @@
         </p:sp>
         <p:sp>
           <p:nvSpPr>
-            <p:cNvPr descr="Número 1" id="56" name="Google Shape;56;p7"/>
+            <p:cNvPr id="56" name="Google Shape;56;p7" descr="Número 1"/>
             <p:cNvSpPr txBox="1"/>
             <p:nvPr/>
           </p:nvSpPr>
@@ -6705,12 +6808,12 @@
             </a:ln>
           </p:spPr>
           <p:txBody>
-            <a:bodyPr anchorCtr="0" anchor="t" bIns="45700" lIns="91425" spcFirstLastPara="1" rIns="91425" wrap="square" tIns="45700">
+            <a:bodyPr spcFirstLastPara="1" wrap="square" lIns="91425" tIns="45700" rIns="91425" bIns="45700" anchor="t" anchorCtr="0">
               <a:spAutoFit/>
             </a:bodyPr>
             <a:lstStyle/>
             <a:p>
-              <a:pPr indent="0" lvl="0" marL="0" marR="0" rtl="0" algn="ctr">
+              <a:pPr marL="0" marR="0" lvl="0" indent="0" algn="ctr" rtl="0">
                 <a:spcBef>
                   <a:spcPts val="0"/>
                 </a:spcBef>
@@ -6720,7 +6823,7 @@
                 <a:buNone/>
               </a:pPr>
               <a:r>
-                <a:rPr b="0" i="0" lang="es-ES" sz="1800" u="none" cap="none" strike="noStrike">
+                <a:rPr lang="es-ES" sz="1800" b="0" i="0" u="none" strike="noStrike" cap="none">
                   <a:solidFill>
                     <a:schemeClr val="lt1"/>
                   </a:solidFill>
@@ -6756,12 +6859,12 @@
           </a:ln>
         </p:spPr>
         <p:txBody>
-          <a:bodyPr anchorCtr="0" anchor="t" bIns="45700" lIns="91425" spcFirstLastPara="1" rIns="91425" wrap="square" tIns="45700">
+          <a:bodyPr spcFirstLastPara="1" wrap="square" lIns="91425" tIns="45700" rIns="91425" bIns="45700" anchor="t" anchorCtr="0">
             <a:normAutofit/>
           </a:bodyPr>
           <a:lstStyle/>
           <a:p>
-            <a:pPr indent="0" lvl="0" marL="0" marR="0" rtl="0" algn="l">
+            <a:pPr marL="0" marR="0" lvl="0" indent="0" algn="l" rtl="0">
               <a:lnSpc>
                 <a:spcPct val="150000"/>
               </a:lnSpc>
@@ -6779,7 +6882,7 @@
               <a:buNone/>
             </a:pPr>
             <a:r>
-              <a:rPr b="0" i="0" lang="es-ES" sz="1200" u="none" cap="none" strike="noStrike">
+              <a:rPr lang="es-ES" sz="1200" b="0" i="0" u="none" strike="noStrike" cap="none">
                 <a:solidFill>
                   <a:srgbClr val="3F3F3F"/>
                 </a:solidFill>
@@ -6790,7 +6893,7 @@
               </a:rPr>
               <a:t>Un desafío que enfrentamos durante el desarrollo de nuestro proyecto en Django fue organizar adecuadamente la estructura de archivos en la capa de presentación, específicamente en las carpetas relacionadas con las plantillas (templates) y otros recursos visuales.</a:t>
             </a:r>
-            <a:endParaRPr b="0" i="0" sz="1200" u="none" cap="none" strike="noStrike">
+            <a:endParaRPr sz="1200" b="0" i="0" u="none" strike="noStrike" cap="none">
               <a:solidFill>
                 <a:srgbClr val="3F3F3F"/>
               </a:solidFill>
@@ -6804,7 +6907,7 @@
       </p:sp>
       <p:grpSp>
         <p:nvGrpSpPr>
-          <p:cNvPr descr="Círculo pequeño con el número 2 en su interior para indicar que se encuentra en el paso 2" id="58" name="Google Shape;58;p7"/>
+          <p:cNvPr id="58" name="Google Shape;58;p7" descr="Círculo pequeño con el número 2 en su interior para indicar que se encuentra en el paso 2"/>
           <p:cNvGrpSpPr/>
           <p:nvPr/>
         </p:nvGrpSpPr>
@@ -6818,7 +6921,7 @@
         </p:grpSpPr>
         <p:sp>
           <p:nvSpPr>
-            <p:cNvPr descr="Círculo pequeño" id="59" name="Google Shape;59;p7"/>
+            <p:cNvPr id="59" name="Google Shape;59;p7" descr="Círculo pequeño"/>
             <p:cNvSpPr/>
             <p:nvPr/>
           </p:nvSpPr>
@@ -6838,12 +6941,12 @@
             </a:ln>
           </p:spPr>
           <p:txBody>
-            <a:bodyPr anchorCtr="0" anchor="ctr" bIns="45700" lIns="91425" spcFirstLastPara="1" rIns="91425" wrap="square" tIns="45700">
+            <a:bodyPr spcFirstLastPara="1" wrap="square" lIns="91425" tIns="45700" rIns="91425" bIns="45700" anchor="ctr" anchorCtr="0">
               <a:noAutofit/>
             </a:bodyPr>
             <a:lstStyle/>
             <a:p>
-              <a:pPr indent="0" lvl="0" marL="0" marR="0" rtl="0" algn="ctr">
+              <a:pPr marL="0" marR="0" lvl="0" indent="0" algn="ctr" rtl="0">
                 <a:spcBef>
                   <a:spcPts val="0"/>
                 </a:spcBef>
@@ -6852,10 +6955,7 @@
                 </a:spcAft>
                 <a:buNone/>
               </a:pPr>
-              <a:r>
-                <a:t/>
-              </a:r>
-              <a:endParaRPr b="0" i="0" sz="1800" u="none" cap="none" strike="noStrike">
+              <a:endParaRPr sz="1800" b="0" i="0" u="none" strike="noStrike" cap="none">
                 <a:solidFill>
                   <a:schemeClr val="lt1"/>
                 </a:solidFill>
@@ -6869,7 +6969,7 @@
         </p:sp>
         <p:sp>
           <p:nvSpPr>
-            <p:cNvPr descr="Número 2" id="60" name="Google Shape;60;p7"/>
+            <p:cNvPr id="60" name="Google Shape;60;p7" descr="Número 2"/>
             <p:cNvSpPr txBox="1"/>
             <p:nvPr/>
           </p:nvSpPr>
@@ -6887,12 +6987,12 @@
             </a:ln>
           </p:spPr>
           <p:txBody>
-            <a:bodyPr anchorCtr="0" anchor="t" bIns="45700" lIns="91425" spcFirstLastPara="1" rIns="91425" wrap="square" tIns="45700">
+            <a:bodyPr spcFirstLastPara="1" wrap="square" lIns="91425" tIns="45700" rIns="91425" bIns="45700" anchor="t" anchorCtr="0">
               <a:spAutoFit/>
             </a:bodyPr>
             <a:lstStyle/>
             <a:p>
-              <a:pPr indent="0" lvl="0" marL="0" marR="0" rtl="0" algn="ctr">
+              <a:pPr marL="0" marR="0" lvl="0" indent="0" algn="ctr" rtl="0">
                 <a:spcBef>
                   <a:spcPts val="0"/>
                 </a:spcBef>
@@ -6902,7 +7002,7 @@
                 <a:buNone/>
               </a:pPr>
               <a:r>
-                <a:rPr b="0" i="0" lang="es-ES" sz="1800" u="none" cap="none" strike="noStrike">
+                <a:rPr lang="es-ES" sz="1800" b="0" i="0" u="none" strike="noStrike" cap="none">
                   <a:solidFill>
                     <a:schemeClr val="lt1"/>
                   </a:solidFill>
@@ -6938,12 +7038,12 @@
           </a:ln>
         </p:spPr>
         <p:txBody>
-          <a:bodyPr anchorCtr="0" anchor="t" bIns="45700" lIns="91425" spcFirstLastPara="1" rIns="91425" wrap="square" tIns="45700">
+          <a:bodyPr spcFirstLastPara="1" wrap="square" lIns="91425" tIns="45700" rIns="91425" bIns="45700" anchor="t" anchorCtr="0">
             <a:normAutofit/>
           </a:bodyPr>
           <a:lstStyle/>
           <a:p>
-            <a:pPr indent="0" lvl="0" marL="0" marR="0" rtl="0" algn="l">
+            <a:pPr marL="0" marR="0" lvl="0" indent="0" algn="l" rtl="0">
               <a:lnSpc>
                 <a:spcPct val="150000"/>
               </a:lnSpc>
@@ -6960,10 +7060,7 @@
               <a:buFont typeface="Arial"/>
               <a:buNone/>
             </a:pPr>
-            <a:r>
-              <a:t/>
-            </a:r>
-            <a:endParaRPr b="0" i="0" sz="1200" u="none" cap="none" strike="noStrike">
+            <a:endParaRPr sz="1200" b="0" i="0" u="none" strike="noStrike" cap="none">
               <a:solidFill>
                 <a:srgbClr val="3F3F3F"/>
               </a:solidFill>
@@ -6977,7 +7074,7 @@
       </p:sp>
       <p:grpSp>
         <p:nvGrpSpPr>
-          <p:cNvPr descr="Círculo pequeño con el número 3 en su interior para indicar que se encuentra en el paso 3" id="62" name="Google Shape;62;p7"/>
+          <p:cNvPr id="62" name="Google Shape;62;p7" descr="Círculo pequeño con el número 3 en su interior para indicar que se encuentra en el paso 3"/>
           <p:cNvGrpSpPr/>
           <p:nvPr/>
         </p:nvGrpSpPr>
@@ -6991,7 +7088,7 @@
         </p:grpSpPr>
         <p:sp>
           <p:nvSpPr>
-            <p:cNvPr descr="Círculo pequeño" id="63" name="Google Shape;63;p7"/>
+            <p:cNvPr id="63" name="Google Shape;63;p7" descr="Círculo pequeño"/>
             <p:cNvSpPr/>
             <p:nvPr/>
           </p:nvSpPr>
@@ -7011,12 +7108,12 @@
             </a:ln>
           </p:spPr>
           <p:txBody>
-            <a:bodyPr anchorCtr="0" anchor="ctr" bIns="45700" lIns="91425" spcFirstLastPara="1" rIns="91425" wrap="square" tIns="45700">
+            <a:bodyPr spcFirstLastPara="1" wrap="square" lIns="91425" tIns="45700" rIns="91425" bIns="45700" anchor="ctr" anchorCtr="0">
               <a:noAutofit/>
             </a:bodyPr>
             <a:lstStyle/>
             <a:p>
-              <a:pPr indent="0" lvl="0" marL="0" marR="0" rtl="0" algn="ctr">
+              <a:pPr marL="0" marR="0" lvl="0" indent="0" algn="ctr" rtl="0">
                 <a:spcBef>
                   <a:spcPts val="0"/>
                 </a:spcBef>
@@ -7025,10 +7122,7 @@
                 </a:spcAft>
                 <a:buNone/>
               </a:pPr>
-              <a:r>
-                <a:t/>
-              </a:r>
-              <a:endParaRPr b="0" i="0" sz="1800" u="none" cap="none" strike="noStrike">
+              <a:endParaRPr sz="1800" b="0" i="0" u="none" strike="noStrike" cap="none">
                 <a:solidFill>
                   <a:schemeClr val="lt1"/>
                 </a:solidFill>
@@ -7042,7 +7136,7 @@
         </p:sp>
         <p:sp>
           <p:nvSpPr>
-            <p:cNvPr descr="Número 3" id="64" name="Google Shape;64;p7"/>
+            <p:cNvPr id="64" name="Google Shape;64;p7" descr="Número 3"/>
             <p:cNvSpPr txBox="1"/>
             <p:nvPr/>
           </p:nvSpPr>
@@ -7060,12 +7154,12 @@
             </a:ln>
           </p:spPr>
           <p:txBody>
-            <a:bodyPr anchorCtr="0" anchor="t" bIns="45700" lIns="91425" spcFirstLastPara="1" rIns="91425" wrap="square" tIns="45700">
+            <a:bodyPr spcFirstLastPara="1" wrap="square" lIns="91425" tIns="45700" rIns="91425" bIns="45700" anchor="t" anchorCtr="0">
               <a:spAutoFit/>
             </a:bodyPr>
             <a:lstStyle/>
             <a:p>
-              <a:pPr indent="0" lvl="0" marL="0" marR="0" rtl="0" algn="ctr">
+              <a:pPr marL="0" marR="0" lvl="0" indent="0" algn="ctr" rtl="0">
                 <a:spcBef>
                   <a:spcPts val="0"/>
                 </a:spcBef>
@@ -7075,7 +7169,7 @@
                 <a:buNone/>
               </a:pPr>
               <a:r>
-                <a:rPr b="0" i="0" lang="es-ES" sz="1800" u="none" cap="none" strike="noStrike">
+                <a:rPr lang="es-ES" sz="1800" b="0" i="0" u="none" strike="noStrike" cap="none">
                   <a:solidFill>
                     <a:schemeClr val="lt1"/>
                   </a:solidFill>
@@ -7111,12 +7205,12 @@
           </a:ln>
         </p:spPr>
         <p:txBody>
-          <a:bodyPr anchorCtr="0" anchor="t" bIns="45700" lIns="91425" spcFirstLastPara="1" rIns="91425" wrap="square" tIns="45700">
+          <a:bodyPr spcFirstLastPara="1" wrap="square" lIns="91425" tIns="45700" rIns="91425" bIns="45700" anchor="t" anchorCtr="0">
             <a:noAutofit/>
           </a:bodyPr>
           <a:lstStyle/>
           <a:p>
-            <a:pPr indent="0" lvl="0" marL="0" marR="0" rtl="0" algn="l">
+            <a:pPr marL="0" marR="0" lvl="0" indent="0" algn="l" rtl="0">
               <a:lnSpc>
                 <a:spcPct val="150000"/>
               </a:lnSpc>
@@ -7134,7 +7228,7 @@
               <a:buNone/>
             </a:pPr>
             <a:r>
-              <a:rPr b="0" i="0" lang="es-ES" sz="1200" u="none" cap="none" strike="noStrike">
+              <a:rPr lang="es-ES" sz="1200" b="0" i="0" u="none" strike="noStrike" cap="none">
                 <a:solidFill>
                   <a:srgbClr val="3F3F3F"/>
                 </a:solidFill>
@@ -7146,7 +7240,7 @@
               <a:t>Un desafío adicional que enfrentamos en nuestro proyecto Django fue recordar cómo integrar correctamente el CSS en nuestro código. Inicialmente, nos enfrentamos a dificultades para aplicar estilos visuales a nuestras plantillas y asegurarnos de que el CSS se cargara correctamente en el navegador. El problema radicaba en que no estábamos utilizando el enfoque adecuado para cargar y servir archivos CSS estáticos en Django. No recordábamos cómo</a:t>
             </a:r>
             <a:r>
-              <a:rPr b="0" i="0" lang="es-ES" u="none" cap="none" strike="noStrike">
+              <a:rPr lang="es-ES" b="0" i="0" u="none" strike="noStrike" cap="none">
                 <a:solidFill>
                   <a:srgbClr val="3F3F3F"/>
                 </a:solidFill>
@@ -7158,7 +7252,7 @@
               <a:t> </a:t>
             </a:r>
             <a:r>
-              <a:rPr b="0" i="0" lang="es-ES" sz="1300" u="none" cap="none" strike="noStrike">
+              <a:rPr lang="es-ES" sz="1300" b="0" i="0" u="none" strike="noStrike" cap="none">
                 <a:solidFill>
                   <a:srgbClr val="3F3F3F"/>
                 </a:solidFill>
@@ -7172,7 +7266,7 @@
             <a:endParaRPr sz="850"/>
           </a:p>
           <a:p>
-            <a:pPr indent="0" lvl="0" marL="0" marR="0" rtl="0" algn="l">
+            <a:pPr marL="0" marR="0" lvl="0" indent="0" algn="l" rtl="0">
               <a:lnSpc>
                 <a:spcPct val="130000"/>
               </a:lnSpc>
@@ -7189,10 +7283,7 @@
               <a:buFont typeface="Arial"/>
               <a:buNone/>
             </a:pPr>
-            <a:r>
-              <a:t/>
-            </a:r>
-            <a:endParaRPr b="0" i="0" sz="600" u="none" cap="none" strike="noStrike">
+            <a:endParaRPr sz="600" b="0" i="0" u="none" strike="noStrike" cap="none">
               <a:solidFill>
                 <a:srgbClr val="3F3F3F"/>
               </a:solidFill>
@@ -7206,7 +7297,7 @@
       </p:sp>
       <p:grpSp>
         <p:nvGrpSpPr>
-          <p:cNvPr descr="Círculo pequeño con el número 4 en su interior para indicar que se encuentra en el paso 4" id="66" name="Google Shape;66;p7"/>
+          <p:cNvPr id="66" name="Google Shape;66;p7" descr="Círculo pequeño con el número 4 en su interior para indicar que se encuentra en el paso 4"/>
           <p:cNvGrpSpPr/>
           <p:nvPr/>
         </p:nvGrpSpPr>
@@ -7220,7 +7311,7 @@
         </p:grpSpPr>
         <p:sp>
           <p:nvSpPr>
-            <p:cNvPr descr="Círculo pequeño" id="67" name="Google Shape;67;p7"/>
+            <p:cNvPr id="67" name="Google Shape;67;p7" descr="Círculo pequeño"/>
             <p:cNvSpPr/>
             <p:nvPr/>
           </p:nvSpPr>
@@ -7240,12 +7331,12 @@
             </a:ln>
           </p:spPr>
           <p:txBody>
-            <a:bodyPr anchorCtr="0" anchor="ctr" bIns="45700" lIns="91425" spcFirstLastPara="1" rIns="91425" wrap="square" tIns="45700">
+            <a:bodyPr spcFirstLastPara="1" wrap="square" lIns="91425" tIns="45700" rIns="91425" bIns="45700" anchor="ctr" anchorCtr="0">
               <a:noAutofit/>
             </a:bodyPr>
             <a:lstStyle/>
             <a:p>
-              <a:pPr indent="0" lvl="0" marL="0" marR="0" rtl="0" algn="ctr">
+              <a:pPr marL="0" marR="0" lvl="0" indent="0" algn="ctr" rtl="0">
                 <a:spcBef>
                   <a:spcPts val="0"/>
                 </a:spcBef>
@@ -7254,10 +7345,7 @@
                 </a:spcAft>
                 <a:buNone/>
               </a:pPr>
-              <a:r>
-                <a:t/>
-              </a:r>
-              <a:endParaRPr b="0" i="0" sz="1800" u="none" cap="none" strike="noStrike">
+              <a:endParaRPr sz="1800" b="0" i="0" u="none" strike="noStrike" cap="none">
                 <a:solidFill>
                   <a:schemeClr val="lt1"/>
                 </a:solidFill>
@@ -7271,7 +7359,7 @@
         </p:sp>
         <p:sp>
           <p:nvSpPr>
-            <p:cNvPr descr="Número 4" id="68" name="Google Shape;68;p7"/>
+            <p:cNvPr id="68" name="Google Shape;68;p7" descr="Número 4"/>
             <p:cNvSpPr txBox="1"/>
             <p:nvPr/>
           </p:nvSpPr>
@@ -7289,12 +7377,12 @@
             </a:ln>
           </p:spPr>
           <p:txBody>
-            <a:bodyPr anchorCtr="0" anchor="t" bIns="45700" lIns="91425" spcFirstLastPara="1" rIns="91425" wrap="square" tIns="45700">
+            <a:bodyPr spcFirstLastPara="1" wrap="square" lIns="91425" tIns="45700" rIns="91425" bIns="45700" anchor="t" anchorCtr="0">
               <a:spAutoFit/>
             </a:bodyPr>
             <a:lstStyle/>
             <a:p>
-              <a:pPr indent="0" lvl="0" marL="0" marR="0" rtl="0" algn="ctr">
+              <a:pPr marL="0" marR="0" lvl="0" indent="0" algn="ctr" rtl="0">
                 <a:spcBef>
                   <a:spcPts val="0"/>
                 </a:spcBef>
@@ -7304,7 +7392,7 @@
                 <a:buNone/>
               </a:pPr>
               <a:r>
-                <a:rPr b="0" i="0" lang="es-ES" sz="1800" u="none" cap="none" strike="noStrike">
+                <a:rPr lang="es-ES" sz="1800" b="0" i="0" u="none" strike="noStrike" cap="none">
                   <a:solidFill>
                     <a:schemeClr val="lt1"/>
                   </a:solidFill>
@@ -7340,12 +7428,12 @@
           </a:ln>
         </p:spPr>
         <p:txBody>
-          <a:bodyPr anchorCtr="0" anchor="t" bIns="45700" lIns="91425" spcFirstLastPara="1" rIns="91425" wrap="square" tIns="45700">
+          <a:bodyPr spcFirstLastPara="1" wrap="square" lIns="91425" tIns="45700" rIns="91425" bIns="45700" anchor="t" anchorCtr="0">
             <a:normAutofit/>
           </a:bodyPr>
           <a:lstStyle/>
           <a:p>
-            <a:pPr indent="0" lvl="0" marL="0" marR="0" rtl="0" algn="l">
+            <a:pPr marL="0" marR="0" lvl="0" indent="0" algn="l" rtl="0">
               <a:lnSpc>
                 <a:spcPct val="200000"/>
               </a:lnSpc>
@@ -7363,7 +7451,7 @@
               <a:buNone/>
             </a:pPr>
             <a:r>
-              <a:rPr b="0" i="0" lang="es-ES" sz="1200" u="none" cap="none" strike="noStrike">
+              <a:rPr lang="es-ES" sz="1200" b="0" i="0" u="none" strike="noStrike" cap="none">
                 <a:solidFill>
                   <a:srgbClr val="3F3F3F"/>
                 </a:solidFill>
@@ -7387,7 +7475,7 @@
               <a:t>de</a:t>
             </a:r>
             <a:r>
-              <a:rPr b="0" i="0" lang="es-ES" sz="1200" u="none" cap="none" strike="noStrike">
+              <a:rPr lang="es-ES" sz="1200" b="0" i="0" u="none" strike="noStrike" cap="none">
                 <a:solidFill>
                   <a:srgbClr val="3F3F3F"/>
                 </a:solidFill>
@@ -7398,7 +7486,7 @@
               </a:rPr>
               <a:t> trabajos acumulados. Por lo que estuvimos dispersos al momento de avanzar en el proyecto.</a:t>
             </a:r>
-            <a:endParaRPr b="0" i="0" sz="1200" u="none" cap="none" strike="noStrike">
+            <a:endParaRPr sz="1200" b="0" i="0" u="none" strike="noStrike" cap="none">
               <a:solidFill>
                 <a:srgbClr val="3F3F3F"/>
               </a:solidFill>
@@ -7409,7 +7497,7 @@
             </a:endParaRPr>
           </a:p>
           <a:p>
-            <a:pPr indent="0" lvl="0" marL="0" marR="0" rtl="0" algn="l">
+            <a:pPr marL="0" marR="0" lvl="0" indent="0" algn="l" rtl="0">
               <a:lnSpc>
                 <a:spcPct val="200000"/>
               </a:lnSpc>
@@ -7426,9 +7514,6 @@
               <a:buFont typeface="Arial"/>
               <a:buNone/>
             </a:pPr>
-            <a:r>
-              <a:t/>
-            </a:r>
             <a:endParaRPr sz="1200">
               <a:solidFill>
                 <a:srgbClr val="3F3F3F"/>
@@ -7440,7 +7525,7 @@
             </a:endParaRPr>
           </a:p>
           <a:p>
-            <a:pPr indent="0" lvl="0" marL="0" marR="0" rtl="0" algn="l">
+            <a:pPr marL="0" marR="0" lvl="0" indent="0" algn="l" rtl="0">
               <a:lnSpc>
                 <a:spcPct val="200000"/>
               </a:lnSpc>
@@ -7501,12 +7586,12 @@
           </a:ln>
         </p:spPr>
         <p:txBody>
-          <a:bodyPr anchorCtr="0" anchor="t" bIns="45700" lIns="91425" spcFirstLastPara="1" rIns="91425" wrap="square" tIns="45700">
+          <a:bodyPr spcFirstLastPara="1" wrap="square" lIns="91425" tIns="45700" rIns="91425" bIns="45700" anchor="t" anchorCtr="0">
             <a:spAutoFit/>
           </a:bodyPr>
           <a:lstStyle/>
           <a:p>
-            <a:pPr indent="0" lvl="0" marL="0" marR="0" rtl="0" algn="l">
+            <a:pPr marL="0" marR="0" lvl="0" indent="0" algn="l" rtl="0">
               <a:lnSpc>
                 <a:spcPct val="150000"/>
               </a:lnSpc>
@@ -7519,7 +7604,7 @@
               <a:buNone/>
             </a:pPr>
             <a:r>
-              <a:rPr b="0" i="0" lang="es-ES" sz="1200" u="none" cap="none" strike="noStrike">
+              <a:rPr lang="es-ES" sz="1200" b="0" i="0" u="none" strike="noStrike" cap="none">
                 <a:solidFill>
                   <a:schemeClr val="dk1"/>
                 </a:solidFill>
@@ -7530,7 +7615,7 @@
               </a:rPr>
               <a:t>Un desafío que enfrentamos al inicio de nuestro proyecto en Django fue utilizar de manera inadecuada la forma de mostrar información en las vistas. En lugar de seguir el enfoque adecuado de utilizar métodos de solicitud HTTP y generar contenido en las plantillas, estábamos utilizando el objeto HttpResponse directamente en nuestras vistas.</a:t>
             </a:r>
-            <a:endParaRPr b="0" i="0" sz="1200" u="none" cap="none" strike="noStrike">
+            <a:endParaRPr sz="1200" b="0" i="0" u="none" strike="noStrike" cap="none">
               <a:solidFill>
                 <a:schemeClr val="dk1"/>
               </a:solidFill>
@@ -7544,7 +7629,7 @@
       </p:sp>
       <p:grpSp>
         <p:nvGrpSpPr>
-          <p:cNvPr descr="Círculo pequeño con el número 4 en su interior para indicar que se encuentra en el paso 4" id="71" name="Google Shape;71;p7"/>
+          <p:cNvPr id="71" name="Google Shape;71;p7" descr="Círculo pequeño con el número 4 en su interior para indicar que se encuentra en el paso 4"/>
           <p:cNvGrpSpPr/>
           <p:nvPr/>
         </p:nvGrpSpPr>
@@ -7558,7 +7643,7 @@
         </p:grpSpPr>
         <p:sp>
           <p:nvSpPr>
-            <p:cNvPr descr="Círculo pequeño" id="72" name="Google Shape;72;p7"/>
+            <p:cNvPr id="72" name="Google Shape;72;p7" descr="Círculo pequeño"/>
             <p:cNvSpPr/>
             <p:nvPr/>
           </p:nvSpPr>
@@ -7578,12 +7663,12 @@
             </a:ln>
           </p:spPr>
           <p:txBody>
-            <a:bodyPr anchorCtr="0" anchor="ctr" bIns="45700" lIns="91425" spcFirstLastPara="1" rIns="91425" wrap="square" tIns="45700">
+            <a:bodyPr spcFirstLastPara="1" wrap="square" lIns="91425" tIns="45700" rIns="91425" bIns="45700" anchor="ctr" anchorCtr="0">
               <a:noAutofit/>
             </a:bodyPr>
             <a:lstStyle/>
             <a:p>
-              <a:pPr indent="0" lvl="0" marL="0" marR="0" rtl="0" algn="ctr">
+              <a:pPr marL="0" marR="0" lvl="0" indent="0" algn="ctr" rtl="0">
                 <a:spcBef>
                   <a:spcPts val="0"/>
                 </a:spcBef>
@@ -7592,10 +7677,7 @@
                 </a:spcAft>
                 <a:buNone/>
               </a:pPr>
-              <a:r>
-                <a:t/>
-              </a:r>
-              <a:endParaRPr b="0" i="0" sz="1800" u="none" cap="none" strike="noStrike">
+              <a:endParaRPr sz="1800" b="0" i="0" u="none" strike="noStrike" cap="none">
                 <a:solidFill>
                   <a:schemeClr val="lt1"/>
                 </a:solidFill>
@@ -7609,7 +7691,7 @@
         </p:sp>
         <p:sp>
           <p:nvSpPr>
-            <p:cNvPr descr="Número 4" id="73" name="Google Shape;73;p7"/>
+            <p:cNvPr id="73" name="Google Shape;73;p7" descr="Número 4"/>
             <p:cNvSpPr txBox="1"/>
             <p:nvPr/>
           </p:nvSpPr>
@@ -7627,12 +7709,12 @@
             </a:ln>
           </p:spPr>
           <p:txBody>
-            <a:bodyPr anchorCtr="0" anchor="t" bIns="45700" lIns="91425" spcFirstLastPara="1" rIns="91425" wrap="square" tIns="45700">
+            <a:bodyPr spcFirstLastPara="1" wrap="square" lIns="91425" tIns="45700" rIns="91425" bIns="45700" anchor="t" anchorCtr="0">
               <a:spAutoFit/>
             </a:bodyPr>
             <a:lstStyle/>
             <a:p>
-              <a:pPr indent="0" lvl="0" marL="0" marR="0" rtl="0" algn="ctr">
+              <a:pPr marL="0" marR="0" lvl="0" indent="0" algn="ctr" rtl="0">
                 <a:spcBef>
                   <a:spcPts val="0"/>
                 </a:spcBef>
@@ -7664,7 +7746,7 @@
               </a:endParaRPr>
             </a:p>
             <a:p>
-              <a:pPr indent="0" lvl="0" marL="0" marR="0" rtl="0" algn="ctr">
+              <a:pPr marL="0" marR="0" lvl="0" indent="0" algn="ctr" rtl="0">
                 <a:spcBef>
                   <a:spcPts val="0"/>
                 </a:spcBef>
@@ -7673,9 +7755,6 @@
                 </a:spcAft>
                 <a:buNone/>
               </a:pPr>
-              <a:r>
-                <a:t/>
-              </a:r>
               <a:endParaRPr sz="1800">
                 <a:solidFill>
                   <a:schemeClr val="lt1"/>
@@ -7698,11 +7777,11 @@
 </file>
 
 <file path=ppt/slides/slide4.xml><?xml version="1.0" encoding="utf-8"?>
-<p:sld xmlns:a="http://schemas.openxmlformats.org/drawingml/2006/main" xmlns:r="http://schemas.openxmlformats.org/officeDocument/2006/relationships" xmlns:mc="http://schemas.openxmlformats.org/markup-compatibility/2006" xmlns:mv="urn:schemas-microsoft-com:mac:vml" xmlns:p="http://schemas.openxmlformats.org/presentationml/2006/main" xmlns:c="http://schemas.openxmlformats.org/drawingml/2006/chart" xmlns:dgm="http://schemas.openxmlformats.org/drawingml/2006/diagram" xmlns:o="urn:schemas-microsoft-com:office:office" xmlns:v="urn:schemas-microsoft-com:vml" xmlns:pvml="urn:schemas-microsoft-com:office:powerpoint" xmlns:com="http://schemas.openxmlformats.org/drawingml/2006/compatibility" xmlns:p14="http://schemas.microsoft.com/office/powerpoint/2010/main" xmlns:p15="http://schemas.microsoft.com/office/powerpoint/2012/main" xmlns:ahyp="http://schemas.microsoft.com/office/drawing/2018/hyperlinkcolor">
+<p:sld xmlns:a="http://schemas.openxmlformats.org/drawingml/2006/main" xmlns:r="http://schemas.openxmlformats.org/officeDocument/2006/relationships" xmlns:p="http://schemas.openxmlformats.org/presentationml/2006/main">
   <p:cSld>
     <p:spTree>
       <p:nvGrpSpPr>
-        <p:cNvPr id="78" name="Shape 78"/>
+        <p:cNvPr id="1" name="Shape 78"/>
         <p:cNvGrpSpPr/>
         <p:nvPr/>
       </p:nvGrpSpPr>
@@ -7717,7 +7796,9 @@
       <p:sp>
         <p:nvSpPr>
           <p:cNvPr id="79" name="Google Shape;79;p8"/>
-          <p:cNvSpPr txBox="1"/>
+          <p:cNvSpPr txBox="1">
+            <a:spLocks noGrp="1"/>
+          </p:cNvSpPr>
           <p:nvPr>
             <p:ph type="title"/>
           </p:nvPr>
@@ -7736,12 +7817,12 @@
           </a:ln>
         </p:spPr>
         <p:txBody>
-          <a:bodyPr anchorCtr="0" anchor="b" bIns="45700" lIns="91425" spcFirstLastPara="1" rIns="91425" wrap="square" tIns="45700">
+          <a:bodyPr spcFirstLastPara="1" wrap="square" lIns="91425" tIns="45700" rIns="91425" bIns="45700" anchor="b" anchorCtr="0">
             <a:normAutofit/>
           </a:bodyPr>
           <a:lstStyle/>
           <a:p>
-            <a:pPr indent="0" lvl="0" marL="0" rtl="0" algn="l">
+            <a:pPr marL="0" lvl="0" indent="0" algn="l" rtl="0">
               <a:spcBef>
                 <a:spcPts val="0"/>
               </a:spcBef>
@@ -7771,9 +7852,11 @@
       <p:sp>
         <p:nvSpPr>
           <p:cNvPr id="80" name="Google Shape;80;p8"/>
-          <p:cNvSpPr txBox="1"/>
+          <p:cNvSpPr txBox="1">
+            <a:spLocks noGrp="1"/>
+          </p:cNvSpPr>
           <p:nvPr>
-            <p:ph idx="4294967295" type="body"/>
+            <p:ph type="body" idx="4294967295"/>
           </p:nvPr>
         </p:nvSpPr>
         <p:spPr>
@@ -7790,12 +7873,12 @@
           </a:ln>
         </p:spPr>
         <p:txBody>
-          <a:bodyPr anchorCtr="0" anchor="t" bIns="45700" lIns="91425" spcFirstLastPara="1" rIns="91425" wrap="square" tIns="45700">
+          <a:bodyPr spcFirstLastPara="1" wrap="square" lIns="91425" tIns="45700" rIns="91425" bIns="45700" anchor="t" anchorCtr="0">
             <a:normAutofit/>
           </a:bodyPr>
           <a:lstStyle/>
           <a:p>
-            <a:pPr indent="0" lvl="0" marL="0" rtl="0" algn="l">
+            <a:pPr marL="0" lvl="0" indent="0" algn="l" rtl="0">
               <a:lnSpc>
                 <a:spcPct val="150000"/>
               </a:lnSpc>
@@ -7863,7 +7946,7 @@
             <a:endParaRPr/>
           </a:p>
           <a:p>
-            <a:pPr indent="-171450" lvl="0" marL="171450" rtl="0" algn="l">
+            <a:pPr marL="171450" lvl="0" indent="-171450" algn="l" rtl="0">
               <a:lnSpc>
                 <a:spcPct val="150000"/>
               </a:lnSpc>
@@ -7895,7 +7978,7 @@
             <a:endParaRPr/>
           </a:p>
           <a:p>
-            <a:pPr indent="-171450" lvl="0" marL="171450" rtl="0" algn="l">
+            <a:pPr marL="171450" lvl="0" indent="-171450" algn="l" rtl="0">
               <a:lnSpc>
                 <a:spcPct val="150000"/>
               </a:lnSpc>
@@ -7927,7 +8010,7 @@
             <a:endParaRPr/>
           </a:p>
           <a:p>
-            <a:pPr indent="-171450" lvl="0" marL="171450" rtl="0" algn="l">
+            <a:pPr marL="171450" lvl="0" indent="-171450" algn="l" rtl="0">
               <a:lnSpc>
                 <a:spcPct val="150000"/>
               </a:lnSpc>
@@ -7959,7 +8042,7 @@
             <a:endParaRPr/>
           </a:p>
           <a:p>
-            <a:pPr indent="-171450" lvl="0" marL="171450" rtl="0" algn="l">
+            <a:pPr marL="171450" lvl="0" indent="-171450" algn="l" rtl="0">
               <a:lnSpc>
                 <a:spcPct val="150000"/>
               </a:lnSpc>
@@ -7991,7 +8074,7 @@
             <a:endParaRPr/>
           </a:p>
           <a:p>
-            <a:pPr indent="-171450" lvl="0" marL="171450" rtl="0" algn="l">
+            <a:pPr marL="171450" lvl="0" indent="-171450" algn="l" rtl="0">
               <a:lnSpc>
                 <a:spcPct val="150000"/>
               </a:lnSpc>
@@ -8035,7 +8118,7 @@
             <a:endParaRPr/>
           </a:p>
           <a:p>
-            <a:pPr indent="0" lvl="0" marL="0" rtl="0" algn="l">
+            <a:pPr marL="0" lvl="0" indent="0" algn="l" rtl="0">
               <a:lnSpc>
                 <a:spcPct val="150000"/>
               </a:lnSpc>
@@ -8091,7 +8174,7 @@
             <a:endParaRPr/>
           </a:p>
           <a:p>
-            <a:pPr indent="0" lvl="0" marL="0" rtl="0" algn="l">
+            <a:pPr marL="0" lvl="0" indent="0" algn="l" rtl="0">
               <a:lnSpc>
                 <a:spcPct val="150000"/>
               </a:lnSpc>
@@ -8108,9 +8191,6 @@
               <a:buFont typeface="Quattrocento Sans"/>
               <a:buNone/>
             </a:pPr>
-            <a:r>
-              <a:t/>
-            </a:r>
             <a:endParaRPr sz="1200">
               <a:solidFill>
                 <a:srgbClr val="3F3F3F"/>
@@ -8126,16 +8206,18 @@
       <p:pic>
         <p:nvPicPr>
           <p:cNvPr id="81" name="Google Shape;81;p8"/>
-          <p:cNvPicPr preferRelativeResize="0"/>
+          <p:cNvPicPr preferRelativeResize="0">
+            <a:picLocks noGrp="1"/>
+          </p:cNvPicPr>
           <p:nvPr>
-            <p:ph idx="1" type="body"/>
+            <p:ph type="body" idx="1"/>
           </p:nvPr>
         </p:nvPicPr>
         <p:blipFill rotWithShape="1">
           <a:blip r:embed="rId3">
             <a:alphaModFix/>
           </a:blip>
-          <a:srcRect b="0" l="0" r="0" t="0"/>
+          <a:srcRect/>
           <a:stretch/>
         </p:blipFill>
         <p:spPr>
@@ -8172,12 +8254,12 @@
           </a:ln>
         </p:spPr>
         <p:txBody>
-          <a:bodyPr anchorCtr="0" anchor="t" bIns="45700" lIns="91425" spcFirstLastPara="1" rIns="91425" wrap="square" tIns="45700">
+          <a:bodyPr spcFirstLastPara="1" wrap="square" lIns="91425" tIns="45700" rIns="91425" bIns="45700" anchor="t" anchorCtr="0">
             <a:spAutoFit/>
           </a:bodyPr>
           <a:lstStyle/>
           <a:p>
-            <a:pPr indent="0" lvl="0" marL="0" marR="0" rtl="0" algn="l">
+            <a:pPr marL="0" marR="0" lvl="0" indent="0" algn="l" rtl="0">
               <a:spcBef>
                 <a:spcPts val="0"/>
               </a:spcBef>
@@ -8187,7 +8269,7 @@
               <a:buNone/>
             </a:pPr>
             <a:r>
-              <a:rPr b="0" i="0" lang="es-ES" sz="900" u="sng" cap="none" strike="noStrike">
+              <a:rPr lang="es-ES" sz="900" b="0" i="0" u="sng" strike="noStrike" cap="none">
                 <a:solidFill>
                   <a:schemeClr val="dk1"/>
                 </a:solidFill>
@@ -8198,7 +8280,7 @@
                 <a:hlinkClick r:id="rId4">
                   <a:extLst>
                     <a:ext uri="{A12FA001-AC4F-418D-AE19-62706E023703}">
-                      <ahyp:hlinkClr val="tx"/>
+                      <ahyp:hlinkClr xmlns:ahyp="http://schemas.microsoft.com/office/drawing/2018/hyperlinkcolor" val="tx"/>
                     </a:ext>
                   </a:extLst>
                 </a:hlinkClick>
@@ -8206,7 +8288,7 @@
               <a:t>Esta foto</a:t>
             </a:r>
             <a:r>
-              <a:rPr b="0" i="0" lang="es-ES" sz="900" u="none" cap="none" strike="noStrike">
+              <a:rPr lang="es-ES" sz="900" b="0" i="0" u="none" strike="noStrike" cap="none">
                 <a:solidFill>
                   <a:schemeClr val="dk1"/>
                 </a:solidFill>
@@ -8218,7 +8300,7 @@
               <a:t> de Autor desconocido está bajo licencia </a:t>
             </a:r>
             <a:r>
-              <a:rPr b="0" i="0" lang="es-ES" sz="900" u="sng" cap="none" strike="noStrike">
+              <a:rPr lang="es-ES" sz="900" b="0" i="0" u="sng" strike="noStrike" cap="none">
                 <a:solidFill>
                   <a:schemeClr val="dk1"/>
                 </a:solidFill>
@@ -8229,7 +8311,7 @@
                 <a:hlinkClick r:id="rId5">
                   <a:extLst>
                     <a:ext uri="{A12FA001-AC4F-418D-AE19-62706E023703}">
-                      <ahyp:hlinkClr val="tx"/>
+                      <ahyp:hlinkClr xmlns:ahyp="http://schemas.microsoft.com/office/drawing/2018/hyperlinkcolor" val="tx"/>
                     </a:ext>
                   </a:extLst>
                 </a:hlinkClick>
@@ -8257,11 +8339,11 @@
 </file>
 
 <file path=ppt/slides/slide5.xml><?xml version="1.0" encoding="utf-8"?>
-<p:sld xmlns:a="http://schemas.openxmlformats.org/drawingml/2006/main" xmlns:r="http://schemas.openxmlformats.org/officeDocument/2006/relationships" xmlns:mc="http://schemas.openxmlformats.org/markup-compatibility/2006" xmlns:mv="urn:schemas-microsoft-com:mac:vml" xmlns:p="http://schemas.openxmlformats.org/presentationml/2006/main" xmlns:c="http://schemas.openxmlformats.org/drawingml/2006/chart" xmlns:dgm="http://schemas.openxmlformats.org/drawingml/2006/diagram" xmlns:o="urn:schemas-microsoft-com:office:office" xmlns:v="urn:schemas-microsoft-com:vml" xmlns:pvml="urn:schemas-microsoft-com:office:powerpoint" xmlns:com="http://schemas.openxmlformats.org/drawingml/2006/compatibility" xmlns:p14="http://schemas.microsoft.com/office/powerpoint/2010/main" xmlns:p15="http://schemas.microsoft.com/office/powerpoint/2012/main" xmlns:ahyp="http://schemas.microsoft.com/office/drawing/2018/hyperlinkcolor">
+<p:sld xmlns:a="http://schemas.openxmlformats.org/drawingml/2006/main" xmlns:r="http://schemas.openxmlformats.org/officeDocument/2006/relationships" xmlns:p="http://schemas.openxmlformats.org/presentationml/2006/main">
   <p:cSld>
     <p:spTree>
       <p:nvGrpSpPr>
-        <p:cNvPr id="87" name="Shape 87"/>
+        <p:cNvPr id="1" name="Shape 87"/>
         <p:cNvGrpSpPr/>
         <p:nvPr/>
       </p:nvGrpSpPr>
@@ -8276,7 +8358,9 @@
       <p:sp>
         <p:nvSpPr>
           <p:cNvPr id="88" name="Google Shape;88;p9"/>
-          <p:cNvSpPr txBox="1"/>
+          <p:cNvSpPr txBox="1">
+            <a:spLocks noGrp="1"/>
+          </p:cNvSpPr>
           <p:nvPr>
             <p:ph type="title"/>
           </p:nvPr>
@@ -8295,12 +8379,12 @@
           </a:ln>
         </p:spPr>
         <p:txBody>
-          <a:bodyPr anchorCtr="0" anchor="b" bIns="45700" lIns="91425" spcFirstLastPara="1" rIns="91425" wrap="square" tIns="45700">
+          <a:bodyPr spcFirstLastPara="1" wrap="square" lIns="91425" tIns="45700" rIns="91425" bIns="45700" anchor="b" anchorCtr="0">
             <a:normAutofit/>
           </a:bodyPr>
           <a:lstStyle/>
           <a:p>
-            <a:pPr indent="0" lvl="0" marL="0" rtl="0" algn="l">
+            <a:pPr marL="0" lvl="0" indent="0" algn="l" rtl="0">
               <a:spcBef>
                 <a:spcPts val="0"/>
               </a:spcBef>
@@ -8347,12 +8431,12 @@
           </a:ln>
         </p:spPr>
         <p:txBody>
-          <a:bodyPr anchorCtr="0" anchor="t" bIns="45700" lIns="91425" spcFirstLastPara="1" rIns="91425" wrap="square" tIns="45700">
+          <a:bodyPr spcFirstLastPara="1" wrap="square" lIns="91425" tIns="45700" rIns="91425" bIns="45700" anchor="t" anchorCtr="0">
             <a:normAutofit/>
           </a:bodyPr>
           <a:lstStyle/>
           <a:p>
-            <a:pPr indent="0" lvl="0" marL="0" marR="0" rtl="0" algn="l">
+            <a:pPr marL="0" marR="0" lvl="0" indent="0" algn="l" rtl="0">
               <a:lnSpc>
                 <a:spcPct val="150000"/>
               </a:lnSpc>
@@ -8379,19 +8463,7 @@
                 <a:cs typeface="Quattrocento Sans"/>
                 <a:sym typeface="Quattrocento Sans"/>
               </a:rPr>
-              <a:t>actividades realizadas</a:t>
-            </a:r>
-            <a:r>
-              <a:rPr lang="es-ES" sz="1200">
-                <a:solidFill>
-                  <a:srgbClr val="3F3F3F"/>
-                </a:solidFill>
-                <a:latin typeface="Quattrocento Sans"/>
-                <a:ea typeface="Quattrocento Sans"/>
-                <a:cs typeface="Quattrocento Sans"/>
-                <a:sym typeface="Quattrocento Sans"/>
-              </a:rPr>
-              <a:t>":</a:t>
+              <a:t>actividades realizadas":</a:t>
             </a:r>
             <a:endParaRPr/>
           </a:p>
@@ -8399,7 +8471,7 @@
       </p:sp>
       <p:grpSp>
         <p:nvGrpSpPr>
-          <p:cNvPr descr="Círculo pequeño con el número 1 en su interior para indicar que se encuentra en el paso 1" id="90" name="Google Shape;90;p9"/>
+          <p:cNvPr id="90" name="Google Shape;90;p9" descr="Círculo pequeño con el número 1 en su interior para indicar que se encuentra en el paso 1"/>
           <p:cNvGrpSpPr/>
           <p:nvPr/>
         </p:nvGrpSpPr>
@@ -8413,7 +8485,7 @@
         </p:grpSpPr>
         <p:sp>
           <p:nvSpPr>
-            <p:cNvPr descr="Círculo pequeño" id="91" name="Google Shape;91;p9"/>
+            <p:cNvPr id="91" name="Google Shape;91;p9" descr="Círculo pequeño"/>
             <p:cNvSpPr/>
             <p:nvPr/>
           </p:nvSpPr>
@@ -8433,12 +8505,12 @@
             </a:ln>
           </p:spPr>
           <p:txBody>
-            <a:bodyPr anchorCtr="0" anchor="ctr" bIns="45700" lIns="91425" spcFirstLastPara="1" rIns="91425" wrap="square" tIns="45700">
+            <a:bodyPr spcFirstLastPara="1" wrap="square" lIns="91425" tIns="45700" rIns="91425" bIns="45700" anchor="ctr" anchorCtr="0">
               <a:noAutofit/>
             </a:bodyPr>
             <a:lstStyle/>
             <a:p>
-              <a:pPr indent="0" lvl="0" marL="0" marR="0" rtl="0" algn="ctr">
+              <a:pPr marL="0" marR="0" lvl="0" indent="0" algn="ctr" rtl="0">
                 <a:spcBef>
                   <a:spcPts val="0"/>
                 </a:spcBef>
@@ -8447,9 +8519,6 @@
                 </a:spcAft>
                 <a:buNone/>
               </a:pPr>
-              <a:r>
-                <a:t/>
-              </a:r>
               <a:endParaRPr sz="1800">
                 <a:solidFill>
                   <a:schemeClr val="lt1"/>
@@ -8464,7 +8533,7 @@
         </p:sp>
         <p:sp>
           <p:nvSpPr>
-            <p:cNvPr descr="Número 1" id="92" name="Google Shape;92;p9"/>
+            <p:cNvPr id="92" name="Google Shape;92;p9" descr="Número 1"/>
             <p:cNvSpPr txBox="1"/>
             <p:nvPr/>
           </p:nvSpPr>
@@ -8482,12 +8551,12 @@
             </a:ln>
           </p:spPr>
           <p:txBody>
-            <a:bodyPr anchorCtr="0" anchor="t" bIns="45700" lIns="91425" spcFirstLastPara="1" rIns="91425" wrap="square" tIns="45700">
+            <a:bodyPr spcFirstLastPara="1" wrap="square" lIns="91425" tIns="45700" rIns="91425" bIns="45700" anchor="t" anchorCtr="0">
               <a:spAutoFit/>
             </a:bodyPr>
             <a:lstStyle/>
             <a:p>
-              <a:pPr indent="0" lvl="0" marL="0" marR="0" rtl="0" algn="ctr">
+              <a:pPr marL="0" marR="0" lvl="0" indent="0" algn="ctr" rtl="0">
                 <a:spcBef>
                   <a:spcPts val="0"/>
                 </a:spcBef>
@@ -8533,12 +8602,12 @@
           </a:ln>
         </p:spPr>
         <p:txBody>
-          <a:bodyPr anchorCtr="0" anchor="t" bIns="45700" lIns="91425" spcFirstLastPara="1" rIns="91425" wrap="square" tIns="45700">
+          <a:bodyPr spcFirstLastPara="1" wrap="square" lIns="91425" tIns="45700" rIns="91425" bIns="45700" anchor="t" anchorCtr="0">
             <a:normAutofit lnSpcReduction="20000"/>
           </a:bodyPr>
           <a:lstStyle/>
           <a:p>
-            <a:pPr indent="0" lvl="0" marL="0" marR="0" rtl="0" algn="l">
+            <a:pPr marL="0" marR="0" lvl="0" indent="0" algn="l" rtl="0">
               <a:lnSpc>
                 <a:spcPct val="150000"/>
               </a:lnSpc>
@@ -8565,103 +8634,7 @@
                 <a:cs typeface="Quattrocento Sans"/>
                 <a:sym typeface="Quattrocento Sans"/>
               </a:rPr>
-              <a:t>Templates separadas donde creamos una carpeta dentro de la aplicación llamada templates donde creamos ficheros y dentro de estas templates separadas tuvimos un </a:t>
-            </a:r>
-            <a:r>
-              <a:rPr lang="es-ES" sz="1200">
-                <a:solidFill>
-                  <a:srgbClr val="3F3F3F"/>
-                </a:solidFill>
-                <a:latin typeface="Quattrocento Sans"/>
-                <a:ea typeface="Quattrocento Sans"/>
-                <a:cs typeface="Quattrocento Sans"/>
-                <a:sym typeface="Quattrocento Sans"/>
-              </a:rPr>
-              <a:t>lenguaje</a:t>
-            </a:r>
-            <a:r>
-              <a:rPr lang="es-ES" sz="1200">
-                <a:solidFill>
-                  <a:srgbClr val="3F3F3F"/>
-                </a:solidFill>
-                <a:latin typeface="Quattrocento Sans"/>
-                <a:ea typeface="Quattrocento Sans"/>
-                <a:cs typeface="Quattrocento Sans"/>
-                <a:sym typeface="Quattrocento Sans"/>
-              </a:rPr>
-              <a:t> de templates  adaptado  para nosotros tener un lenguaje </a:t>
-            </a:r>
-            <a:r>
-              <a:rPr lang="es-ES" sz="1200">
-                <a:solidFill>
-                  <a:srgbClr val="3F3F3F"/>
-                </a:solidFill>
-                <a:latin typeface="Quattrocento Sans"/>
-                <a:ea typeface="Quattrocento Sans"/>
-                <a:cs typeface="Quattrocento Sans"/>
-                <a:sym typeface="Quattrocento Sans"/>
-              </a:rPr>
-              <a:t>distinto</a:t>
-            </a:r>
-            <a:r>
-              <a:rPr lang="es-ES" sz="1200">
-                <a:solidFill>
-                  <a:srgbClr val="3F3F3F"/>
-                </a:solidFill>
-                <a:latin typeface="Quattrocento Sans"/>
-                <a:ea typeface="Quattrocento Sans"/>
-                <a:cs typeface="Quattrocento Sans"/>
-                <a:sym typeface="Quattrocento Sans"/>
-              </a:rPr>
-              <a:t> del lenguaje Python que tenemos en las vistas y controladores , allí metimos html y un lenguaje de </a:t>
-            </a:r>
-            <a:r>
-              <a:rPr lang="es-ES" sz="1200">
-                <a:solidFill>
-                  <a:srgbClr val="3F3F3F"/>
-                </a:solidFill>
-                <a:latin typeface="Quattrocento Sans"/>
-                <a:ea typeface="Quattrocento Sans"/>
-                <a:cs typeface="Quattrocento Sans"/>
-                <a:sym typeface="Quattrocento Sans"/>
-              </a:rPr>
-              <a:t>plantillas</a:t>
-            </a:r>
-            <a:r>
-              <a:rPr lang="es-ES" sz="1200">
-                <a:solidFill>
-                  <a:srgbClr val="3F3F3F"/>
-                </a:solidFill>
-                <a:latin typeface="Quattrocento Sans"/>
-                <a:ea typeface="Quattrocento Sans"/>
-                <a:cs typeface="Quattrocento Sans"/>
-                <a:sym typeface="Quattrocento Sans"/>
-              </a:rPr>
-              <a:t> específicos esto para diferenciar la parte visual de la parte de la la </a:t>
-            </a:r>
-            <a:r>
-              <a:rPr lang="es-ES" sz="1200">
-                <a:solidFill>
-                  <a:srgbClr val="3F3F3F"/>
-                </a:solidFill>
-                <a:latin typeface="Quattrocento Sans"/>
-                <a:ea typeface="Quattrocento Sans"/>
-                <a:cs typeface="Quattrocento Sans"/>
-                <a:sym typeface="Quattrocento Sans"/>
-              </a:rPr>
-              <a:t>lógica</a:t>
-            </a:r>
-            <a:r>
-              <a:rPr lang="es-ES" sz="1200">
-                <a:solidFill>
-                  <a:srgbClr val="3F3F3F"/>
-                </a:solidFill>
-                <a:latin typeface="Quattrocento Sans"/>
-                <a:ea typeface="Quattrocento Sans"/>
-                <a:cs typeface="Quattrocento Sans"/>
-                <a:sym typeface="Quattrocento Sans"/>
-              </a:rPr>
-              <a:t> de la app</a:t>
+              <a:t>Templates separadas donde creamos una carpeta dentro de la aplicación llamada templates donde creamos ficheros y dentro de estas templates separadas tuvimos un lenguaje de templates  adaptado  para nosotros tener un lenguaje distinto del lenguaje Python que tenemos en las vistas y controladores , allí metimos html y un lenguaje de plantillas específicos esto para diferenciar la parte visual de la parte de la la lógica de la app</a:t>
             </a:r>
             <a:endParaRPr/>
           </a:p>
@@ -8669,7 +8642,7 @@
       </p:sp>
       <p:grpSp>
         <p:nvGrpSpPr>
-          <p:cNvPr descr="Círculo pequeño con el número 2 en su interior para indicar que se encuentra en el paso 2" id="94" name="Google Shape;94;p9"/>
+          <p:cNvPr id="94" name="Google Shape;94;p9" descr="Círculo pequeño con el número 2 en su interior para indicar que se encuentra en el paso 2"/>
           <p:cNvGrpSpPr/>
           <p:nvPr/>
         </p:nvGrpSpPr>
@@ -8683,7 +8656,7 @@
         </p:grpSpPr>
         <p:sp>
           <p:nvSpPr>
-            <p:cNvPr descr="Círculo pequeño" id="95" name="Google Shape;95;p9"/>
+            <p:cNvPr id="95" name="Google Shape;95;p9" descr="Círculo pequeño"/>
             <p:cNvSpPr/>
             <p:nvPr/>
           </p:nvSpPr>
@@ -8703,12 +8676,12 @@
             </a:ln>
           </p:spPr>
           <p:txBody>
-            <a:bodyPr anchorCtr="0" anchor="ctr" bIns="45700" lIns="91425" spcFirstLastPara="1" rIns="91425" wrap="square" tIns="45700">
+            <a:bodyPr spcFirstLastPara="1" wrap="square" lIns="91425" tIns="45700" rIns="91425" bIns="45700" anchor="ctr" anchorCtr="0">
               <a:noAutofit/>
             </a:bodyPr>
             <a:lstStyle/>
             <a:p>
-              <a:pPr indent="0" lvl="0" marL="0" marR="0" rtl="0" algn="ctr">
+              <a:pPr marL="0" marR="0" lvl="0" indent="0" algn="ctr" rtl="0">
                 <a:spcBef>
                   <a:spcPts val="0"/>
                 </a:spcBef>
@@ -8717,9 +8690,6 @@
                 </a:spcAft>
                 <a:buNone/>
               </a:pPr>
-              <a:r>
-                <a:t/>
-              </a:r>
               <a:endParaRPr sz="1800">
                 <a:solidFill>
                   <a:schemeClr val="lt1"/>
@@ -8734,7 +8704,7 @@
         </p:sp>
         <p:sp>
           <p:nvSpPr>
-            <p:cNvPr descr="Número 2" id="96" name="Google Shape;96;p9"/>
+            <p:cNvPr id="96" name="Google Shape;96;p9" descr="Número 2"/>
             <p:cNvSpPr txBox="1"/>
             <p:nvPr/>
           </p:nvSpPr>
@@ -8752,12 +8722,12 @@
             </a:ln>
           </p:spPr>
           <p:txBody>
-            <a:bodyPr anchorCtr="0" anchor="t" bIns="45700" lIns="91425" spcFirstLastPara="1" rIns="91425" wrap="square" tIns="45700">
+            <a:bodyPr spcFirstLastPara="1" wrap="square" lIns="91425" tIns="45700" rIns="91425" bIns="45700" anchor="t" anchorCtr="0">
               <a:spAutoFit/>
             </a:bodyPr>
             <a:lstStyle/>
             <a:p>
-              <a:pPr indent="0" lvl="0" marL="0" marR="0" rtl="0" algn="ctr">
+              <a:pPr marL="0" marR="0" lvl="0" indent="0" algn="ctr" rtl="0">
                 <a:spcBef>
                   <a:spcPts val="0"/>
                 </a:spcBef>
@@ -8803,12 +8773,12 @@
           </a:ln>
         </p:spPr>
         <p:txBody>
-          <a:bodyPr anchorCtr="0" anchor="t" bIns="45700" lIns="91425" spcFirstLastPara="1" rIns="91425" wrap="square" tIns="45700">
+          <a:bodyPr spcFirstLastPara="1" wrap="square" lIns="91425" tIns="45700" rIns="91425" bIns="45700" anchor="t" anchorCtr="0">
             <a:normAutofit/>
           </a:bodyPr>
           <a:lstStyle/>
           <a:p>
-            <a:pPr indent="0" lvl="0" marL="0" marR="0" rtl="0" algn="l">
+            <a:pPr marL="0" marR="0" lvl="0" indent="0" algn="l" rtl="0">
               <a:lnSpc>
                 <a:spcPct val="150000"/>
               </a:lnSpc>
@@ -8835,67 +8805,7 @@
                 <a:cs typeface="Quattrocento Sans"/>
                 <a:sym typeface="Quattrocento Sans"/>
               </a:rPr>
-              <a:t>U</a:t>
-            </a:r>
-            <a:r>
-              <a:rPr lang="es-ES" sz="1200">
-                <a:solidFill>
-                  <a:srgbClr val="3F3F3F"/>
-                </a:solidFill>
-                <a:latin typeface="Quattrocento Sans"/>
-                <a:ea typeface="Quattrocento Sans"/>
-                <a:cs typeface="Quattrocento Sans"/>
-                <a:sym typeface="Quattrocento Sans"/>
-              </a:rPr>
-              <a:t>sar el </a:t>
-            </a:r>
-            <a:r>
-              <a:rPr lang="es-ES" sz="1200">
-                <a:solidFill>
-                  <a:srgbClr val="3F3F3F"/>
-                </a:solidFill>
-                <a:latin typeface="Quattrocento Sans"/>
-                <a:ea typeface="Quattrocento Sans"/>
-                <a:cs typeface="Quattrocento Sans"/>
-                <a:sym typeface="Quattrocento Sans"/>
-              </a:rPr>
-              <a:t>método</a:t>
-            </a:r>
-            <a:r>
-              <a:rPr lang="es-ES" sz="1200">
-                <a:solidFill>
-                  <a:srgbClr val="3F3F3F"/>
-                </a:solidFill>
-                <a:latin typeface="Quattrocento Sans"/>
-                <a:ea typeface="Quattrocento Sans"/>
-                <a:cs typeface="Quattrocento Sans"/>
-                <a:sym typeface="Quattrocento Sans"/>
-              </a:rPr>
-              <a:t> pach </a:t>
-            </a:r>
-            <a:r>
-              <a:rPr lang="es-ES" sz="1200">
-                <a:solidFill>
-                  <a:srgbClr val="3F3F3F"/>
-                </a:solidFill>
-                <a:latin typeface="Quattrocento Sans"/>
-                <a:ea typeface="Quattrocento Sans"/>
-                <a:cs typeface="Quattrocento Sans"/>
-                <a:sym typeface="Quattrocento Sans"/>
-              </a:rPr>
-              <a:t>vacío</a:t>
-            </a:r>
-            <a:r>
-              <a:rPr lang="es-ES" sz="1200">
-                <a:solidFill>
-                  <a:srgbClr val="3F3F3F"/>
-                </a:solidFill>
-                <a:latin typeface="Quattrocento Sans"/>
-                <a:ea typeface="Quattrocento Sans"/>
-                <a:cs typeface="Quattrocento Sans"/>
-                <a:sym typeface="Quattrocento Sans"/>
-              </a:rPr>
-              <a:t> para evitar el error 404 creando rutas, </a:t>
+              <a:t>Usar el método pach vacío para evitar el error 404 creando rutas, </a:t>
             </a:r>
             <a:endParaRPr/>
           </a:p>
@@ -8903,7 +8813,7 @@
       </p:sp>
       <p:grpSp>
         <p:nvGrpSpPr>
-          <p:cNvPr descr="Círculo pequeño con el número 3 en su interior para indicar que se encuentra en el paso 3" id="98" name="Google Shape;98;p9"/>
+          <p:cNvPr id="98" name="Google Shape;98;p9" descr="Círculo pequeño con el número 3 en su interior para indicar que se encuentra en el paso 3"/>
           <p:cNvGrpSpPr/>
           <p:nvPr/>
         </p:nvGrpSpPr>
@@ -8917,7 +8827,7 @@
         </p:grpSpPr>
         <p:sp>
           <p:nvSpPr>
-            <p:cNvPr descr="Círculo pequeño" id="99" name="Google Shape;99;p9"/>
+            <p:cNvPr id="99" name="Google Shape;99;p9" descr="Círculo pequeño"/>
             <p:cNvSpPr/>
             <p:nvPr/>
           </p:nvSpPr>
@@ -8937,12 +8847,12 @@
             </a:ln>
           </p:spPr>
           <p:txBody>
-            <a:bodyPr anchorCtr="0" anchor="ctr" bIns="45700" lIns="91425" spcFirstLastPara="1" rIns="91425" wrap="square" tIns="45700">
+            <a:bodyPr spcFirstLastPara="1" wrap="square" lIns="91425" tIns="45700" rIns="91425" bIns="45700" anchor="ctr" anchorCtr="0">
               <a:noAutofit/>
             </a:bodyPr>
             <a:lstStyle/>
             <a:p>
-              <a:pPr indent="0" lvl="0" marL="0" marR="0" rtl="0" algn="ctr">
+              <a:pPr marL="0" marR="0" lvl="0" indent="0" algn="ctr" rtl="0">
                 <a:spcBef>
                   <a:spcPts val="0"/>
                 </a:spcBef>
@@ -8951,9 +8861,6 @@
                 </a:spcAft>
                 <a:buNone/>
               </a:pPr>
-              <a:r>
-                <a:t/>
-              </a:r>
               <a:endParaRPr sz="1800">
                 <a:solidFill>
                   <a:schemeClr val="lt1"/>
@@ -8968,7 +8875,7 @@
         </p:sp>
         <p:sp>
           <p:nvSpPr>
-            <p:cNvPr descr="Número 3" id="100" name="Google Shape;100;p9"/>
+            <p:cNvPr id="100" name="Google Shape;100;p9" descr="Número 3"/>
             <p:cNvSpPr txBox="1"/>
             <p:nvPr/>
           </p:nvSpPr>
@@ -8986,12 +8893,12 @@
             </a:ln>
           </p:spPr>
           <p:txBody>
-            <a:bodyPr anchorCtr="0" anchor="t" bIns="45700" lIns="91425" spcFirstLastPara="1" rIns="91425" wrap="square" tIns="45700">
+            <a:bodyPr spcFirstLastPara="1" wrap="square" lIns="91425" tIns="45700" rIns="91425" bIns="45700" anchor="t" anchorCtr="0">
               <a:spAutoFit/>
             </a:bodyPr>
             <a:lstStyle/>
             <a:p>
-              <a:pPr indent="0" lvl="0" marL="0" marR="0" rtl="0" algn="ctr">
+              <a:pPr marL="0" marR="0" lvl="0" indent="0" algn="ctr" rtl="0">
                 <a:spcBef>
                   <a:spcPts val="0"/>
                 </a:spcBef>
@@ -9025,7 +8932,7 @@
         </p:nvSpPr>
         <p:spPr>
           <a:xfrm>
-            <a:off x="558728" y="3618412"/>
+            <a:off x="928851" y="3849922"/>
             <a:ext cx="8227800" cy="1902000"/>
           </a:xfrm>
           <a:prstGeom prst="rect">
@@ -9037,12 +8944,12 @@
           </a:ln>
         </p:spPr>
         <p:txBody>
-          <a:bodyPr anchorCtr="0" anchor="t" bIns="45700" lIns="91425" spcFirstLastPara="1" rIns="91425" wrap="square" tIns="45700">
+          <a:bodyPr spcFirstLastPara="1" wrap="square" lIns="91425" tIns="45700" rIns="91425" bIns="45700" anchor="t" anchorCtr="0">
             <a:noAutofit/>
           </a:bodyPr>
           <a:lstStyle/>
           <a:p>
-            <a:pPr indent="0" lvl="0" marL="0" marR="0" rtl="0" algn="l">
+            <a:pPr marL="0" marR="0" lvl="0" indent="0" algn="l" rtl="0">
               <a:lnSpc>
                 <a:spcPct val="130000"/>
               </a:lnSpc>
@@ -9059,10 +8966,7 @@
               <a:buFont typeface="Arial"/>
               <a:buNone/>
             </a:pPr>
-            <a:r>
-              <a:t/>
-            </a:r>
-            <a:endParaRPr sz="1495">
+            <a:endParaRPr sz="1495" dirty="0">
               <a:latin typeface="Quattrocento Sans"/>
               <a:ea typeface="Quattrocento Sans"/>
               <a:cs typeface="Quattrocento Sans"/>
@@ -9070,7 +8974,7 @@
             </a:endParaRPr>
           </a:p>
           <a:p>
-            <a:pPr indent="-228600" lvl="0" marL="457200" rtl="0" algn="l">
+            <a:pPr marL="457200" lvl="0" indent="-228600" algn="l" rtl="0">
               <a:lnSpc>
                 <a:spcPct val="95000"/>
               </a:lnSpc>
@@ -9088,7 +8992,7 @@
               <a:buNone/>
             </a:pPr>
             <a:r>
-              <a:rPr lang="es-ES" sz="1310">
+              <a:rPr lang="es-ES" sz="1310" dirty="0">
                 <a:solidFill>
                   <a:schemeClr val="dk2"/>
                 </a:solidFill>
@@ -9097,10 +9001,10 @@
                 <a:cs typeface="Quattrocento Sans"/>
                 <a:sym typeface="Quattrocento Sans"/>
               </a:rPr>
-              <a:t>Para la </a:t>
+              <a:t>Para la sección tienda necesitaba mostrar alguna acción cuando se selecciona un artículo para ellos decidí utilizar una función JavaScript llamada </a:t>
             </a:r>
             <a:r>
-              <a:rPr lang="es-ES" sz="1310">
+              <a:rPr lang="es-ES" sz="1171" dirty="0" err="1">
                 <a:solidFill>
                   <a:schemeClr val="dk2"/>
                 </a:solidFill>
@@ -9109,10 +9013,10 @@
                 <a:cs typeface="Quattrocento Sans"/>
                 <a:sym typeface="Quattrocento Sans"/>
               </a:rPr>
-              <a:t>sección</a:t>
+              <a:t>showAlert</a:t>
             </a:r>
             <a:r>
-              <a:rPr lang="es-ES" sz="1310">
+              <a:rPr lang="es-ES" sz="1171" dirty="0">
                 <a:solidFill>
                   <a:schemeClr val="dk2"/>
                 </a:solidFill>
@@ -9121,142 +9025,10 @@
                 <a:cs typeface="Quattrocento Sans"/>
                 <a:sym typeface="Quattrocento Sans"/>
               </a:rPr>
-              <a:t> tienda necesitaba mostrar alguna </a:t>
+              <a:t>()</a:t>
             </a:r>
             <a:r>
-              <a:rPr lang="es-ES" sz="1310">
-                <a:solidFill>
-                  <a:schemeClr val="dk2"/>
-                </a:solidFill>
-                <a:latin typeface="Quattrocento Sans"/>
-                <a:ea typeface="Quattrocento Sans"/>
-                <a:cs typeface="Quattrocento Sans"/>
-                <a:sym typeface="Quattrocento Sans"/>
-              </a:rPr>
-              <a:t>acción</a:t>
-            </a:r>
-            <a:r>
-              <a:rPr lang="es-ES" sz="1310">
-                <a:solidFill>
-                  <a:schemeClr val="dk2"/>
-                </a:solidFill>
-                <a:latin typeface="Quattrocento Sans"/>
-                <a:ea typeface="Quattrocento Sans"/>
-                <a:cs typeface="Quattrocento Sans"/>
-                <a:sym typeface="Quattrocento Sans"/>
-              </a:rPr>
-              <a:t> cuando se </a:t>
-            </a:r>
-            <a:r>
-              <a:rPr lang="es-ES" sz="1310">
-                <a:solidFill>
-                  <a:schemeClr val="dk2"/>
-                </a:solidFill>
-                <a:latin typeface="Quattrocento Sans"/>
-                <a:ea typeface="Quattrocento Sans"/>
-                <a:cs typeface="Quattrocento Sans"/>
-                <a:sym typeface="Quattrocento Sans"/>
-              </a:rPr>
-              <a:t>selecciona</a:t>
-            </a:r>
-            <a:r>
-              <a:rPr lang="es-ES" sz="1310">
-                <a:solidFill>
-                  <a:schemeClr val="dk2"/>
-                </a:solidFill>
-                <a:latin typeface="Quattrocento Sans"/>
-                <a:ea typeface="Quattrocento Sans"/>
-                <a:cs typeface="Quattrocento Sans"/>
-                <a:sym typeface="Quattrocento Sans"/>
-              </a:rPr>
-              <a:t> un </a:t>
-            </a:r>
-            <a:r>
-              <a:rPr lang="es-ES" sz="1310">
-                <a:solidFill>
-                  <a:schemeClr val="dk2"/>
-                </a:solidFill>
-                <a:latin typeface="Quattrocento Sans"/>
-                <a:ea typeface="Quattrocento Sans"/>
-                <a:cs typeface="Quattrocento Sans"/>
-                <a:sym typeface="Quattrocento Sans"/>
-              </a:rPr>
-              <a:t>artículo</a:t>
-            </a:r>
-            <a:r>
-              <a:rPr lang="es-ES" sz="1310">
-                <a:solidFill>
-                  <a:schemeClr val="dk2"/>
-                </a:solidFill>
-                <a:latin typeface="Quattrocento Sans"/>
-                <a:ea typeface="Quattrocento Sans"/>
-                <a:cs typeface="Quattrocento Sans"/>
-                <a:sym typeface="Quattrocento Sans"/>
-              </a:rPr>
-              <a:t> para ellos </a:t>
-            </a:r>
-            <a:r>
-              <a:rPr lang="es-ES" sz="1310">
-                <a:solidFill>
-                  <a:schemeClr val="dk2"/>
-                </a:solidFill>
-                <a:latin typeface="Quattrocento Sans"/>
-                <a:ea typeface="Quattrocento Sans"/>
-                <a:cs typeface="Quattrocento Sans"/>
-                <a:sym typeface="Quattrocento Sans"/>
-              </a:rPr>
-              <a:t>decidí</a:t>
-            </a:r>
-            <a:r>
-              <a:rPr lang="es-ES" sz="1310">
-                <a:solidFill>
-                  <a:schemeClr val="dk2"/>
-                </a:solidFill>
-                <a:latin typeface="Quattrocento Sans"/>
-                <a:ea typeface="Quattrocento Sans"/>
-                <a:cs typeface="Quattrocento Sans"/>
-                <a:sym typeface="Quattrocento Sans"/>
-              </a:rPr>
-              <a:t> </a:t>
-            </a:r>
-            <a:r>
-              <a:rPr lang="es-ES" sz="1310">
-                <a:solidFill>
-                  <a:schemeClr val="dk2"/>
-                </a:solidFill>
-                <a:latin typeface="Quattrocento Sans"/>
-                <a:ea typeface="Quattrocento Sans"/>
-                <a:cs typeface="Quattrocento Sans"/>
-                <a:sym typeface="Quattrocento Sans"/>
-              </a:rPr>
-              <a:t>utilizar</a:t>
-            </a:r>
-            <a:r>
-              <a:rPr lang="es-ES" sz="1310">
-                <a:solidFill>
-                  <a:schemeClr val="dk2"/>
-                </a:solidFill>
-                <a:latin typeface="Quattrocento Sans"/>
-                <a:ea typeface="Quattrocento Sans"/>
-                <a:cs typeface="Quattrocento Sans"/>
-                <a:sym typeface="Quattrocento Sans"/>
-              </a:rPr>
-              <a:t> una función JavaScript llamada </a:t>
-            </a:r>
-            <a:r>
-              <a:rPr lang="es-ES" sz="1171">
-                <a:solidFill>
-                  <a:schemeClr val="dk2"/>
-                </a:solidFill>
-                <a:latin typeface="Quattrocento Sans"/>
-                <a:ea typeface="Quattrocento Sans"/>
-                <a:cs typeface="Quattrocento Sans"/>
-                <a:sym typeface="Quattrocento Sans"/>
-              </a:rPr>
-              <a:t>showAlert()</a:t>
-            </a:r>
-            <a:r>
-              <a:rPr lang="es-ES" sz="1310">
+              <a:rPr lang="es-ES" sz="1310" dirty="0">
                 <a:solidFill>
                   <a:schemeClr val="dk2"/>
                 </a:solidFill>
@@ -9267,7 +9039,7 @@
               </a:rPr>
               <a:t> que se activa cuando se hace clic en el botón "detalle". Esta función muestra una alerta con un mensaje específico.</a:t>
             </a:r>
-            <a:endParaRPr sz="1310">
+            <a:endParaRPr sz="1310" dirty="0">
               <a:solidFill>
                 <a:schemeClr val="dk2"/>
               </a:solidFill>
@@ -9278,7 +9050,7 @@
             </a:endParaRPr>
           </a:p>
           <a:p>
-            <a:pPr indent="-228600" lvl="0" marL="457200" rtl="0" algn="l">
+            <a:pPr marL="457200" lvl="0" indent="-228600" algn="l" rtl="0">
               <a:lnSpc>
                 <a:spcPct val="95000"/>
               </a:lnSpc>
@@ -9296,7 +9068,7 @@
               <a:buNone/>
             </a:pPr>
             <a:r>
-              <a:rPr lang="es-ES" sz="1310">
+              <a:rPr lang="es-ES" sz="1310" dirty="0">
                 <a:solidFill>
                   <a:schemeClr val="dk2"/>
                 </a:solidFill>
@@ -9307,7 +9079,7 @@
               </a:rPr>
               <a:t>A continuación, hay una sección identificada con el ID "nosotros", que contiene una lista de productos representados como tarjetas. Cada tarjeta muestra una imagen, botones de "detalle" y "Comprar", y un campo de entrada para la cantidad del producto seleccionado.</a:t>
             </a:r>
-            <a:endParaRPr sz="1310">
+            <a:endParaRPr sz="1310" dirty="0">
               <a:solidFill>
                 <a:schemeClr val="dk2"/>
               </a:solidFill>
@@ -9318,7 +9090,7 @@
             </a:endParaRPr>
           </a:p>
           <a:p>
-            <a:pPr indent="0" lvl="0" marL="0" marR="0" rtl="0" algn="l">
+            <a:pPr marL="0" marR="0" lvl="0" indent="0" algn="l" rtl="0">
               <a:lnSpc>
                 <a:spcPct val="130000"/>
               </a:lnSpc>
@@ -9335,10 +9107,7 @@
               <a:buFont typeface="Arial"/>
               <a:buNone/>
             </a:pPr>
-            <a:r>
-              <a:t/>
-            </a:r>
-            <a:endParaRPr sz="1310">
+            <a:endParaRPr sz="1310" dirty="0">
               <a:solidFill>
                 <a:srgbClr val="3F3F3F"/>
               </a:solidFill>
@@ -9350,91 +9119,9 @@
           </a:p>
         </p:txBody>
       </p:sp>
-      <p:sp>
-        <p:nvSpPr>
-          <p:cNvPr id="102" name="Google Shape;102;p9"/>
-          <p:cNvSpPr txBox="1"/>
-          <p:nvPr/>
-        </p:nvSpPr>
-        <p:spPr>
-          <a:xfrm>
-            <a:off x="628962" y="5781994"/>
-            <a:ext cx="3449878" cy="801305"/>
-          </a:xfrm>
-          <a:prstGeom prst="rect">
-            <a:avLst/>
-          </a:prstGeom>
-          <a:noFill/>
-          <a:ln>
-            <a:noFill/>
-          </a:ln>
-        </p:spPr>
-        <p:txBody>
-          <a:bodyPr anchorCtr="0" anchor="t" bIns="45700" lIns="91425" spcFirstLastPara="1" rIns="91425" wrap="square" tIns="45700">
-            <a:normAutofit/>
-          </a:bodyPr>
-          <a:lstStyle/>
-          <a:p>
-            <a:pPr indent="0" lvl="0" marL="0" marR="0" rtl="0" algn="l">
-              <a:lnSpc>
-                <a:spcPct val="150000"/>
-              </a:lnSpc>
-              <a:spcBef>
-                <a:spcPts val="0"/>
-              </a:spcBef>
-              <a:spcAft>
-                <a:spcPts val="0"/>
-              </a:spcAft>
-              <a:buClr>
-                <a:srgbClr val="D24726"/>
-              </a:buClr>
-              <a:buSzPts val="1200"/>
-              <a:buFont typeface="Arial"/>
-              <a:buNone/>
-            </a:pPr>
-            <a:r>
-              <a:rPr lang="es-ES" sz="1200">
-                <a:solidFill>
-                  <a:srgbClr val="D24726"/>
-                </a:solidFill>
-                <a:latin typeface="Quattrocento Sans"/>
-                <a:ea typeface="Quattrocento Sans"/>
-                <a:cs typeface="Quattrocento Sans"/>
-                <a:sym typeface="Quattrocento Sans"/>
-              </a:rPr>
-              <a:t>Sugerencia: </a:t>
-            </a:r>
-            <a:r>
-              <a:rPr lang="es-ES" sz="1200">
-                <a:solidFill>
-                  <a:srgbClr val="404040"/>
-                </a:solidFill>
-                <a:latin typeface="Quattrocento Sans"/>
-                <a:ea typeface="Quattrocento Sans"/>
-                <a:cs typeface="Quattrocento Sans"/>
-                <a:sym typeface="Quattrocento Sans"/>
-              </a:rPr>
-              <a:t>Con las opciones de efectos, </a:t>
-            </a:r>
-            <a:r>
-              <a:rPr lang="es-ES" sz="1200">
-                <a:solidFill>
-                  <a:srgbClr val="3F3F3F"/>
-                </a:solidFill>
-                <a:latin typeface="Quattrocento Sans"/>
-                <a:ea typeface="Quattrocento Sans"/>
-                <a:cs typeface="Quattrocento Sans"/>
-                <a:sym typeface="Quattrocento Sans"/>
-              </a:rPr>
-              <a:t>dispone incluso de más alternativas para la transición Transformación.</a:t>
-            </a:r>
-            <a:endParaRPr/>
-          </a:p>
-        </p:txBody>
-      </p:sp>
       <p:cxnSp>
         <p:nvCxnSpPr>
-          <p:cNvPr descr="Línea de color gris claro que separa las imágenes del texto de Transformación" id="103" name="Google Shape;103;p9"/>
+          <p:cNvPr id="103" name="Google Shape;103;p9" descr="Línea de color gris claro que separa las imágenes del texto de Transformación"/>
           <p:cNvCxnSpPr/>
           <p:nvPr/>
         </p:nvCxnSpPr>
@@ -9447,14 +9134,14 @@
             <a:avLst/>
           </a:prstGeom>
           <a:noFill/>
-          <a:ln cap="flat" cmpd="sng" w="9525">
+          <a:ln w="9525" cap="flat" cmpd="sng">
             <a:solidFill>
               <a:srgbClr val="D0CECE"/>
             </a:solidFill>
             <a:prstDash val="solid"/>
             <a:miter lim="800000"/>
-            <a:headEnd len="sm" w="sm" type="none"/>
-            <a:tailEnd len="sm" w="sm" type="none"/>
+            <a:headEnd type="none" w="sm" len="sm"/>
+            <a:tailEnd type="none" w="sm" len="sm"/>
           </a:ln>
         </p:spPr>
       </p:cxnSp>
@@ -9467,11 +9154,11 @@
 </file>
 
 <file path=ppt/slides/slide6.xml><?xml version="1.0" encoding="utf-8"?>
-<p:sld xmlns:a="http://schemas.openxmlformats.org/drawingml/2006/main" xmlns:r="http://schemas.openxmlformats.org/officeDocument/2006/relationships" xmlns:mc="http://schemas.openxmlformats.org/markup-compatibility/2006" xmlns:mv="urn:schemas-microsoft-com:mac:vml" xmlns:p="http://schemas.openxmlformats.org/presentationml/2006/main" xmlns:c="http://schemas.openxmlformats.org/drawingml/2006/chart" xmlns:dgm="http://schemas.openxmlformats.org/drawingml/2006/diagram" xmlns:o="urn:schemas-microsoft-com:office:office" xmlns:v="urn:schemas-microsoft-com:vml" xmlns:pvml="urn:schemas-microsoft-com:office:powerpoint" xmlns:com="http://schemas.openxmlformats.org/drawingml/2006/compatibility" xmlns:p14="http://schemas.microsoft.com/office/powerpoint/2010/main" xmlns:p15="http://schemas.microsoft.com/office/powerpoint/2012/main" xmlns:ahyp="http://schemas.microsoft.com/office/drawing/2018/hyperlinkcolor">
+<p:sld xmlns:a="http://schemas.openxmlformats.org/drawingml/2006/main" xmlns:r="http://schemas.openxmlformats.org/officeDocument/2006/relationships" xmlns:p="http://schemas.openxmlformats.org/presentationml/2006/main">
   <p:cSld>
     <p:spTree>
       <p:nvGrpSpPr>
-        <p:cNvPr id="108" name="Shape 108"/>
+        <p:cNvPr id="1" name="Shape 108"/>
         <p:cNvGrpSpPr/>
         <p:nvPr/>
       </p:nvGrpSpPr>
@@ -9486,7 +9173,9 @@
       <p:sp>
         <p:nvSpPr>
           <p:cNvPr id="109" name="Google Shape;109;p10"/>
-          <p:cNvSpPr txBox="1"/>
+          <p:cNvSpPr txBox="1">
+            <a:spLocks noGrp="1"/>
+          </p:cNvSpPr>
           <p:nvPr>
             <p:ph type="title"/>
           </p:nvPr>
@@ -9505,12 +9194,12 @@
           </a:ln>
         </p:spPr>
         <p:txBody>
-          <a:bodyPr anchorCtr="0" anchor="b" bIns="45700" lIns="91425" spcFirstLastPara="1" rIns="91425" wrap="square" tIns="45700">
+          <a:bodyPr spcFirstLastPara="1" wrap="square" lIns="91425" tIns="45700" rIns="91425" bIns="45700" anchor="b" anchorCtr="0">
             <a:normAutofit/>
           </a:bodyPr>
           <a:lstStyle/>
           <a:p>
-            <a:pPr indent="0" lvl="0" marL="0" rtl="0" algn="l">
+            <a:pPr marL="0" lvl="0" indent="0" algn="l" rtl="0">
               <a:spcBef>
                 <a:spcPts val="0"/>
               </a:spcBef>
@@ -9548,9 +9237,11 @@
       <p:sp>
         <p:nvSpPr>
           <p:cNvPr id="110" name="Google Shape;110;p10"/>
-          <p:cNvSpPr txBox="1"/>
+          <p:cNvSpPr txBox="1">
+            <a:spLocks noGrp="1"/>
+          </p:cNvSpPr>
           <p:nvPr>
-            <p:ph idx="4294967295" type="body"/>
+            <p:ph type="body" idx="4294967295"/>
           </p:nvPr>
         </p:nvSpPr>
         <p:spPr>
@@ -9567,12 +9258,12 @@
           </a:ln>
         </p:spPr>
         <p:txBody>
-          <a:bodyPr anchorCtr="0" anchor="t" bIns="45700" lIns="91425" spcFirstLastPara="1" rIns="91425" wrap="square" tIns="45700">
+          <a:bodyPr spcFirstLastPara="1" wrap="square" lIns="91425" tIns="45700" rIns="91425" bIns="45700" anchor="t" anchorCtr="0">
             <a:normAutofit/>
           </a:bodyPr>
           <a:lstStyle/>
           <a:p>
-            <a:pPr indent="0" lvl="0" marL="0" rtl="0" algn="l">
+            <a:pPr marL="0" lvl="0" indent="0" algn="l" rtl="0">
               <a:lnSpc>
                 <a:spcPct val="150000"/>
               </a:lnSpc>
@@ -9604,7 +9295,7 @@
             </a:endParaRPr>
           </a:p>
           <a:p>
-            <a:pPr indent="0" lvl="0" marL="0" rtl="0" algn="l">
+            <a:pPr marL="0" lvl="0" indent="0" algn="l" rtl="0">
               <a:lnSpc>
                 <a:spcPct val="150000"/>
               </a:lnSpc>
@@ -9627,23 +9318,7 @@
                   <a:srgbClr val="3F3F3F"/>
                 </a:solidFill>
               </a:rPr>
-              <a:t>el trabajo </a:t>
-            </a:r>
-            <a:r>
-              <a:rPr lang="es-ES">
-                <a:solidFill>
-                  <a:srgbClr val="3F3F3F"/>
-                </a:solidFill>
-              </a:rPr>
-              <a:t>debía</a:t>
-            </a:r>
-            <a:r>
-              <a:rPr lang="es-ES">
-                <a:solidFill>
-                  <a:srgbClr val="3F3F3F"/>
-                </a:solidFill>
-              </a:rPr>
-              <a:t> contener html+js+img</a:t>
+              <a:t>el trabajo debía contener html+js+img</a:t>
             </a:r>
             <a:endParaRPr>
               <a:solidFill>
@@ -9652,7 +9327,7 @@
             </a:endParaRPr>
           </a:p>
           <a:p>
-            <a:pPr indent="0" lvl="0" marL="0" rtl="0" algn="l">
+            <a:pPr marL="0" lvl="0" indent="0" algn="l" rtl="0">
               <a:lnSpc>
                 <a:spcPct val="150000"/>
               </a:lnSpc>
@@ -9675,15 +9350,7 @@
                   <a:srgbClr val="3F3F3F"/>
                 </a:solidFill>
               </a:rPr>
-              <a:t>sección</a:t>
-            </a:r>
-            <a:r>
-              <a:rPr lang="es-ES">
-                <a:solidFill>
-                  <a:srgbClr val="3F3F3F"/>
-                </a:solidFill>
-              </a:rPr>
-              <a:t> inicio, tienda, nosotros, contacto</a:t>
+              <a:t>sección inicio, tienda, nosotros, contacto</a:t>
             </a:r>
             <a:br>
               <a:rPr lang="es-ES" sz="1200">
@@ -9714,7 +9381,7 @@
       </p:sp>
       <p:grpSp>
         <p:nvGrpSpPr>
-          <p:cNvPr descr="Círculo pequeño con el número 1 en su interior para indicar que se encuentra en el paso 1" id="111" name="Google Shape;111;p10"/>
+          <p:cNvPr id="111" name="Google Shape;111;p10" descr="Círculo pequeño con el número 1 en su interior para indicar que se encuentra en el paso 1"/>
           <p:cNvGrpSpPr/>
           <p:nvPr/>
         </p:nvGrpSpPr>
@@ -9728,7 +9395,7 @@
         </p:grpSpPr>
         <p:sp>
           <p:nvSpPr>
-            <p:cNvPr descr="Círculo pequeño" id="112" name="Google Shape;112;p10"/>
+            <p:cNvPr id="112" name="Google Shape;112;p10" descr="Círculo pequeño"/>
             <p:cNvSpPr/>
             <p:nvPr/>
           </p:nvSpPr>
@@ -9748,12 +9415,12 @@
             </a:ln>
           </p:spPr>
           <p:txBody>
-            <a:bodyPr anchorCtr="0" anchor="ctr" bIns="45700" lIns="91425" spcFirstLastPara="1" rIns="91425" wrap="square" tIns="45700">
+            <a:bodyPr spcFirstLastPara="1" wrap="square" lIns="91425" tIns="45700" rIns="91425" bIns="45700" anchor="ctr" anchorCtr="0">
               <a:noAutofit/>
             </a:bodyPr>
             <a:lstStyle/>
             <a:p>
-              <a:pPr indent="0" lvl="0" marL="0" marR="0" rtl="0" algn="ctr">
+              <a:pPr marL="0" marR="0" lvl="0" indent="0" algn="ctr" rtl="0">
                 <a:spcBef>
                   <a:spcPts val="0"/>
                 </a:spcBef>
@@ -9762,9 +9429,6 @@
                 </a:spcAft>
                 <a:buNone/>
               </a:pPr>
-              <a:r>
-                <a:t/>
-              </a:r>
               <a:endParaRPr sz="1800">
                 <a:solidFill>
                   <a:schemeClr val="lt1"/>
@@ -9779,7 +9443,7 @@
         </p:sp>
         <p:sp>
           <p:nvSpPr>
-            <p:cNvPr descr="Número 1" id="113" name="Google Shape;113;p10"/>
+            <p:cNvPr id="113" name="Google Shape;113;p10" descr="Número 1"/>
             <p:cNvSpPr txBox="1"/>
             <p:nvPr/>
           </p:nvSpPr>
@@ -9797,12 +9461,12 @@
             </a:ln>
           </p:spPr>
           <p:txBody>
-            <a:bodyPr anchorCtr="0" anchor="t" bIns="45700" lIns="91425" spcFirstLastPara="1" rIns="91425" wrap="square" tIns="45700">
+            <a:bodyPr spcFirstLastPara="1" wrap="square" lIns="91425" tIns="45700" rIns="91425" bIns="45700" anchor="t" anchorCtr="0">
               <a:spAutoFit/>
             </a:bodyPr>
             <a:lstStyle/>
             <a:p>
-              <a:pPr indent="0" lvl="0" marL="0" marR="0" rtl="0" algn="ctr">
+              <a:pPr marL="0" marR="0" lvl="0" indent="0" algn="ctr" rtl="0">
                 <a:spcBef>
                   <a:spcPts val="0"/>
                 </a:spcBef>
@@ -9848,12 +9512,12 @@
           </a:ln>
         </p:spPr>
         <p:txBody>
-          <a:bodyPr anchorCtr="0" anchor="t" bIns="45700" lIns="91425" spcFirstLastPara="1" rIns="91425" wrap="square" tIns="45700">
+          <a:bodyPr spcFirstLastPara="1" wrap="square" lIns="91425" tIns="45700" rIns="91425" bIns="45700" anchor="t" anchorCtr="0">
             <a:noAutofit/>
           </a:bodyPr>
           <a:lstStyle/>
           <a:p>
-            <a:pPr indent="0" lvl="0" marL="0" marR="0" rtl="0" algn="l">
+            <a:pPr marL="0" marR="0" lvl="0" indent="0" algn="l" rtl="0">
               <a:lnSpc>
                 <a:spcPct val="150000"/>
               </a:lnSpc>
@@ -9880,67 +9544,7 @@
                 <a:cs typeface="Quattrocento Sans"/>
                 <a:sym typeface="Quattrocento Sans"/>
               </a:rPr>
-              <a:t>en esta </a:t>
-            </a:r>
-            <a:r>
-              <a:rPr lang="es-ES" sz="1200">
-                <a:solidFill>
-                  <a:srgbClr val="3F3F3F"/>
-                </a:solidFill>
-                <a:latin typeface="Quattrocento Sans"/>
-                <a:ea typeface="Quattrocento Sans"/>
-                <a:cs typeface="Quattrocento Sans"/>
-                <a:sym typeface="Quattrocento Sans"/>
-              </a:rPr>
-              <a:t>sección</a:t>
-            </a:r>
-            <a:r>
-              <a:rPr lang="es-ES" sz="1200">
-                <a:solidFill>
-                  <a:srgbClr val="3F3F3F"/>
-                </a:solidFill>
-                <a:latin typeface="Quattrocento Sans"/>
-                <a:ea typeface="Quattrocento Sans"/>
-                <a:cs typeface="Quattrocento Sans"/>
-                <a:sym typeface="Quattrocento Sans"/>
-              </a:rPr>
-              <a:t> usamos js e incluimos los botones para entregar mensajes al usuario </a:t>
-            </a:r>
-            <a:r>
-              <a:rPr lang="es-ES" sz="1200">
-                <a:solidFill>
-                  <a:srgbClr val="3F3F3F"/>
-                </a:solidFill>
-                <a:latin typeface="Quattrocento Sans"/>
-                <a:ea typeface="Quattrocento Sans"/>
-                <a:cs typeface="Quattrocento Sans"/>
-                <a:sym typeface="Quattrocento Sans"/>
-              </a:rPr>
-              <a:t>. para esto utilizamos la </a:t>
-            </a:r>
-            <a:r>
-              <a:rPr lang="es-ES" sz="1200">
-                <a:solidFill>
-                  <a:srgbClr val="3F3F3F"/>
-                </a:solidFill>
-                <a:latin typeface="Quattrocento Sans"/>
-                <a:ea typeface="Quattrocento Sans"/>
-                <a:cs typeface="Quattrocento Sans"/>
-                <a:sym typeface="Quattrocento Sans"/>
-              </a:rPr>
-              <a:t>función</a:t>
-            </a:r>
-            <a:r>
-              <a:rPr lang="es-ES" sz="1200">
-                <a:solidFill>
-                  <a:srgbClr val="3F3F3F"/>
-                </a:solidFill>
-                <a:latin typeface="Quattrocento Sans"/>
-                <a:ea typeface="Quattrocento Sans"/>
-                <a:cs typeface="Quattrocento Sans"/>
-                <a:sym typeface="Quattrocento Sans"/>
-              </a:rPr>
-              <a:t> s</a:t>
+              <a:t>en esta sección usamos js e incluimos los botones para entregar mensajes al usuario . para esto utilizamos la función s</a:t>
             </a:r>
             <a:r>
               <a:rPr lang="es-ES" sz="1171">
@@ -9960,7 +9564,7 @@
       </p:sp>
       <p:grpSp>
         <p:nvGrpSpPr>
-          <p:cNvPr descr="Círculo pequeño con el número 2 en su interior para indicar que se encuentra en el paso 2" id="115" name="Google Shape;115;p10"/>
+          <p:cNvPr id="115" name="Google Shape;115;p10" descr="Círculo pequeño con el número 2 en su interior para indicar que se encuentra en el paso 2"/>
           <p:cNvGrpSpPr/>
           <p:nvPr/>
         </p:nvGrpSpPr>
@@ -9974,7 +9578,7 @@
         </p:grpSpPr>
         <p:sp>
           <p:nvSpPr>
-            <p:cNvPr descr="Círculo pequeño" id="116" name="Google Shape;116;p10"/>
+            <p:cNvPr id="116" name="Google Shape;116;p10" descr="Círculo pequeño"/>
             <p:cNvSpPr/>
             <p:nvPr/>
           </p:nvSpPr>
@@ -9994,12 +9598,12 @@
             </a:ln>
           </p:spPr>
           <p:txBody>
-            <a:bodyPr anchorCtr="0" anchor="ctr" bIns="45700" lIns="91425" spcFirstLastPara="1" rIns="91425" wrap="square" tIns="45700">
+            <a:bodyPr spcFirstLastPara="1" wrap="square" lIns="91425" tIns="45700" rIns="91425" bIns="45700" anchor="ctr" anchorCtr="0">
               <a:noAutofit/>
             </a:bodyPr>
             <a:lstStyle/>
             <a:p>
-              <a:pPr indent="0" lvl="0" marL="0" marR="0" rtl="0" algn="ctr">
+              <a:pPr marL="0" marR="0" lvl="0" indent="0" algn="ctr" rtl="0">
                 <a:spcBef>
                   <a:spcPts val="0"/>
                 </a:spcBef>
@@ -10008,9 +9612,6 @@
                 </a:spcAft>
                 <a:buNone/>
               </a:pPr>
-              <a:r>
-                <a:t/>
-              </a:r>
               <a:endParaRPr sz="1800">
                 <a:solidFill>
                   <a:schemeClr val="lt1"/>
@@ -10025,7 +9626,7 @@
         </p:sp>
         <p:sp>
           <p:nvSpPr>
-            <p:cNvPr descr="Número 2" id="117" name="Google Shape;117;p10"/>
+            <p:cNvPr id="117" name="Google Shape;117;p10" descr="Número 2"/>
             <p:cNvSpPr txBox="1"/>
             <p:nvPr/>
           </p:nvSpPr>
@@ -10043,12 +9644,12 @@
             </a:ln>
           </p:spPr>
           <p:txBody>
-            <a:bodyPr anchorCtr="0" anchor="t" bIns="45700" lIns="91425" spcFirstLastPara="1" rIns="91425" wrap="square" tIns="45700">
+            <a:bodyPr spcFirstLastPara="1" wrap="square" lIns="91425" tIns="45700" rIns="91425" bIns="45700" anchor="t" anchorCtr="0">
               <a:spAutoFit/>
             </a:bodyPr>
             <a:lstStyle/>
             <a:p>
-              <a:pPr indent="0" lvl="0" marL="0" marR="0" rtl="0" algn="ctr">
+              <a:pPr marL="0" marR="0" lvl="0" indent="0" algn="ctr" rtl="0">
                 <a:spcBef>
                   <a:spcPts val="0"/>
                 </a:spcBef>
@@ -10094,12 +9695,12 @@
           </a:ln>
         </p:spPr>
         <p:txBody>
-          <a:bodyPr anchorCtr="0" anchor="t" bIns="45700" lIns="91425" spcFirstLastPara="1" rIns="91425" wrap="square" tIns="45700">
+          <a:bodyPr spcFirstLastPara="1" wrap="square" lIns="91425" tIns="45700" rIns="91425" bIns="45700" anchor="t" anchorCtr="0">
             <a:normAutofit/>
           </a:bodyPr>
           <a:lstStyle/>
           <a:p>
-            <a:pPr indent="0" lvl="0" marL="0" marR="0" rtl="0" algn="l">
+            <a:pPr marL="0" marR="0" lvl="0" indent="0" algn="l" rtl="0">
               <a:lnSpc>
                 <a:spcPct val="150000"/>
               </a:lnSpc>
@@ -10117,24 +9718,41 @@
               <a:buNone/>
             </a:pPr>
             <a:r>
-              <a:rPr lang="es-ES" sz="1200">
+              <a:rPr lang="es-ES" sz="1200" dirty="0">
                 <a:solidFill>
                   <a:srgbClr val="3F3F3F"/>
                 </a:solidFill>
                 <a:latin typeface="Quattrocento Sans"/>
-                <a:ea typeface="Quattrocento Sans"/>
-                <a:cs typeface="Quattrocento Sans"/>
                 <a:sym typeface="Quattrocento Sans"/>
               </a:rPr>
-              <a:t>Cuando hay otros usuarios en la presentación, se muestra mediante un marcador quién está en cada diapositiva...</a:t>
+              <a:t>En la ventana contacto, se usa el comando “Input” para que el usuario ingrese sus datos</a:t>
             </a:r>
-            <a:endParaRPr/>
+          </a:p>
+          <a:p>
+            <a:pPr marL="0" marR="0" lvl="0" indent="0" algn="l" rtl="0">
+              <a:lnSpc>
+                <a:spcPct val="150000"/>
+              </a:lnSpc>
+              <a:spcBef>
+                <a:spcPts val="0"/>
+              </a:spcBef>
+              <a:spcAft>
+                <a:spcPts val="0"/>
+              </a:spcAft>
+              <a:buClr>
+                <a:srgbClr val="3F3F3F"/>
+              </a:buClr>
+              <a:buSzPts val="1200"/>
+              <a:buFont typeface="Arial"/>
+              <a:buNone/>
+            </a:pPr>
+            <a:endParaRPr dirty="0"/>
           </a:p>
         </p:txBody>
       </p:sp>
       <p:grpSp>
         <p:nvGrpSpPr>
-          <p:cNvPr descr="Círculo pequeño con el número 3 en su interior para indicar que se encuentra en el paso 3" id="119" name="Google Shape;119;p10"/>
+          <p:cNvPr id="119" name="Google Shape;119;p10" descr="Círculo pequeño con el número 3 en su interior para indicar que se encuentra en el paso 3"/>
           <p:cNvGrpSpPr/>
           <p:nvPr/>
         </p:nvGrpSpPr>
@@ -10148,7 +9766,7 @@
         </p:grpSpPr>
         <p:sp>
           <p:nvSpPr>
-            <p:cNvPr descr="Círculo pequeño" id="120" name="Google Shape;120;p10"/>
+            <p:cNvPr id="120" name="Google Shape;120;p10" descr="Círculo pequeño"/>
             <p:cNvSpPr/>
             <p:nvPr/>
           </p:nvSpPr>
@@ -10168,12 +9786,12 @@
             </a:ln>
           </p:spPr>
           <p:txBody>
-            <a:bodyPr anchorCtr="0" anchor="ctr" bIns="45700" lIns="91425" spcFirstLastPara="1" rIns="91425" wrap="square" tIns="45700">
+            <a:bodyPr spcFirstLastPara="1" wrap="square" lIns="91425" tIns="45700" rIns="91425" bIns="45700" anchor="ctr" anchorCtr="0">
               <a:noAutofit/>
             </a:bodyPr>
             <a:lstStyle/>
             <a:p>
-              <a:pPr indent="0" lvl="0" marL="0" marR="0" rtl="0" algn="ctr">
+              <a:pPr marL="0" marR="0" lvl="0" indent="0" algn="ctr" rtl="0">
                 <a:spcBef>
                   <a:spcPts val="0"/>
                 </a:spcBef>
@@ -10182,9 +9800,6 @@
                 </a:spcAft>
                 <a:buNone/>
               </a:pPr>
-              <a:r>
-                <a:t/>
-              </a:r>
               <a:endParaRPr sz="1800">
                 <a:solidFill>
                   <a:schemeClr val="lt1"/>
@@ -10199,7 +9814,7 @@
         </p:sp>
         <p:sp>
           <p:nvSpPr>
-            <p:cNvPr descr="Número 3" id="121" name="Google Shape;121;p10"/>
+            <p:cNvPr id="121" name="Google Shape;121;p10" descr="Número 3"/>
             <p:cNvSpPr txBox="1"/>
             <p:nvPr/>
           </p:nvSpPr>
@@ -10217,12 +9832,12 @@
             </a:ln>
           </p:spPr>
           <p:txBody>
-            <a:bodyPr anchorCtr="0" anchor="t" bIns="45700" lIns="91425" spcFirstLastPara="1" rIns="91425" wrap="square" tIns="45700">
+            <a:bodyPr spcFirstLastPara="1" wrap="square" lIns="91425" tIns="45700" rIns="91425" bIns="45700" anchor="t" anchorCtr="0">
               <a:spAutoFit/>
             </a:bodyPr>
             <a:lstStyle/>
             <a:p>
-              <a:pPr indent="0" lvl="0" marL="0" marR="0" rtl="0" algn="ctr">
+              <a:pPr marL="0" marR="0" lvl="0" indent="0" algn="ctr" rtl="0">
                 <a:spcBef>
                   <a:spcPts val="0"/>
                 </a:spcBef>
@@ -10268,12 +9883,12 @@
           </a:ln>
         </p:spPr>
         <p:txBody>
-          <a:bodyPr anchorCtr="0" anchor="t" bIns="45700" lIns="91425" spcFirstLastPara="1" rIns="91425" wrap="square" tIns="45700">
+          <a:bodyPr spcFirstLastPara="1" wrap="square" lIns="91425" tIns="45700" rIns="91425" bIns="45700" anchor="t" anchorCtr="0">
             <a:normAutofit fontScale="70000" lnSpcReduction="20000"/>
           </a:bodyPr>
           <a:lstStyle/>
           <a:p>
-            <a:pPr indent="-228600" lvl="0" marL="457200" rtl="0" algn="l">
+            <a:pPr marL="457200" lvl="0" indent="-228600" algn="l" rtl="0">
               <a:lnSpc>
                 <a:spcPct val="115000"/>
               </a:lnSpc>
@@ -10385,7 +10000,7 @@
             </a:endParaRPr>
           </a:p>
           <a:p>
-            <a:pPr indent="-228600" lvl="0" marL="457200" rtl="0" algn="l">
+            <a:pPr marL="457200" lvl="0" indent="-228600" algn="l" rtl="0">
               <a:lnSpc>
                 <a:spcPct val="115000"/>
               </a:lnSpc>
@@ -10449,7 +10064,7 @@
             </a:endParaRPr>
           </a:p>
           <a:p>
-            <a:pPr indent="0" lvl="0" marL="0" marR="0" rtl="0" algn="l">
+            <a:pPr marL="0" marR="0" lvl="0" indent="0" algn="l" rtl="0">
               <a:lnSpc>
                 <a:spcPct val="150000"/>
               </a:lnSpc>
@@ -10466,9 +10081,6 @@
               <a:buFont typeface="Arial"/>
               <a:buNone/>
             </a:pPr>
-            <a:r>
-              <a:t/>
-            </a:r>
             <a:endParaRPr sz="1200">
               <a:solidFill>
                 <a:srgbClr val="3F3F3F"/>
@@ -10574,11 +10186,11 @@
 </file>
 
 <file path=ppt/slides/slide7.xml><?xml version="1.0" encoding="utf-8"?>
-<p:sld xmlns:a="http://schemas.openxmlformats.org/drawingml/2006/main" xmlns:r="http://schemas.openxmlformats.org/officeDocument/2006/relationships" xmlns:mc="http://schemas.openxmlformats.org/markup-compatibility/2006" xmlns:mv="urn:schemas-microsoft-com:mac:vml" xmlns:p="http://schemas.openxmlformats.org/presentationml/2006/main" xmlns:c="http://schemas.openxmlformats.org/drawingml/2006/chart" xmlns:dgm="http://schemas.openxmlformats.org/drawingml/2006/diagram" xmlns:o="urn:schemas-microsoft-com:office:office" xmlns:v="urn:schemas-microsoft-com:vml" xmlns:pvml="urn:schemas-microsoft-com:office:powerpoint" xmlns:com="http://schemas.openxmlformats.org/drawingml/2006/compatibility" xmlns:p14="http://schemas.microsoft.com/office/powerpoint/2010/main" xmlns:p15="http://schemas.microsoft.com/office/powerpoint/2012/main" xmlns:ahyp="http://schemas.microsoft.com/office/drawing/2018/hyperlinkcolor">
+<p:sld xmlns:a="http://schemas.openxmlformats.org/drawingml/2006/main" xmlns:r="http://schemas.openxmlformats.org/officeDocument/2006/relationships" xmlns:p="http://schemas.openxmlformats.org/presentationml/2006/main">
   <p:cSld>
     <p:spTree>
       <p:nvGrpSpPr>
-        <p:cNvPr id="130" name="Shape 130"/>
+        <p:cNvPr id="1" name="Shape 130"/>
         <p:cNvGrpSpPr/>
         <p:nvPr/>
       </p:nvGrpSpPr>
@@ -10593,7 +10205,9 @@
       <p:sp>
         <p:nvSpPr>
           <p:cNvPr id="131" name="Google Shape;131;p11"/>
-          <p:cNvSpPr txBox="1"/>
+          <p:cNvSpPr txBox="1">
+            <a:spLocks noGrp="1"/>
+          </p:cNvSpPr>
           <p:nvPr>
             <p:ph type="title"/>
           </p:nvPr>
@@ -10612,12 +10226,12 @@
           </a:ln>
         </p:spPr>
         <p:txBody>
-          <a:bodyPr anchorCtr="0" anchor="b" bIns="45700" lIns="91425" spcFirstLastPara="1" rIns="91425" wrap="square" tIns="45700">
+          <a:bodyPr spcFirstLastPara="1" wrap="square" lIns="91425" tIns="45700" rIns="91425" bIns="45700" anchor="b" anchorCtr="0">
             <a:normAutofit/>
           </a:bodyPr>
           <a:lstStyle/>
           <a:p>
-            <a:pPr indent="0" lvl="0" marL="0" rtl="0" algn="l">
+            <a:pPr marL="0" lvl="0" indent="0" algn="l" rtl="0">
               <a:spcBef>
                 <a:spcPts val="0"/>
               </a:spcBef>
@@ -10659,12 +10273,12 @@
           </a:ln>
         </p:spPr>
         <p:txBody>
-          <a:bodyPr anchorCtr="0" anchor="t" bIns="45700" lIns="91425" spcFirstLastPara="1" rIns="91425" wrap="square" tIns="45700">
+          <a:bodyPr spcFirstLastPara="1" wrap="square" lIns="91425" tIns="45700" rIns="91425" bIns="45700" anchor="t" anchorCtr="0">
             <a:normAutofit/>
           </a:bodyPr>
           <a:lstStyle/>
           <a:p>
-            <a:pPr indent="0" lvl="0" marL="0" marR="0" rtl="0" algn="l">
+            <a:pPr marL="0" marR="0" lvl="0" indent="0" algn="l" rtl="0">
               <a:lnSpc>
                 <a:spcPct val="150000"/>
               </a:lnSpc>
@@ -10691,31 +10305,7 @@
                 <a:cs typeface="Quattrocento Sans"/>
                 <a:sym typeface="Quattrocento Sans"/>
               </a:rPr>
-              <a:t>en esta breve </a:t>
-            </a:r>
-            <a:r>
-              <a:rPr lang="es-ES" sz="1200">
-                <a:solidFill>
-                  <a:srgbClr val="3F3F3F"/>
-                </a:solidFill>
-                <a:latin typeface="Quattrocento Sans"/>
-                <a:ea typeface="Quattrocento Sans"/>
-                <a:cs typeface="Quattrocento Sans"/>
-                <a:sym typeface="Quattrocento Sans"/>
-              </a:rPr>
-              <a:t>sección</a:t>
-            </a:r>
-            <a:r>
-              <a:rPr lang="es-ES" sz="1200">
-                <a:solidFill>
-                  <a:srgbClr val="3F3F3F"/>
-                </a:solidFill>
-                <a:latin typeface="Quattrocento Sans"/>
-                <a:ea typeface="Quattrocento Sans"/>
-                <a:cs typeface="Quattrocento Sans"/>
-                <a:sym typeface="Quattrocento Sans"/>
-              </a:rPr>
-              <a:t> mostraremos parte de la rubrica que si se desarrolo pero no pudimos implementar en la vista</a:t>
+              <a:t>en esta breve sección mostraremos parte de la rubrica que si se desarrolo pero no pudimos implementar en la vista</a:t>
             </a:r>
             <a:endParaRPr/>
           </a:p>
@@ -10723,7 +10313,7 @@
       </p:sp>
       <p:grpSp>
         <p:nvGrpSpPr>
-          <p:cNvPr descr="Círculo pequeño con el número 1 en su interior para indicar que se encuentra en el paso 1" id="133" name="Google Shape;133;p11"/>
+          <p:cNvPr id="133" name="Google Shape;133;p11" descr="Círculo pequeño con el número 1 en su interior para indicar que se encuentra en el paso 1"/>
           <p:cNvGrpSpPr/>
           <p:nvPr/>
         </p:nvGrpSpPr>
@@ -10737,7 +10327,7 @@
         </p:grpSpPr>
         <p:sp>
           <p:nvSpPr>
-            <p:cNvPr descr="Círculo pequeño" id="134" name="Google Shape;134;p11"/>
+            <p:cNvPr id="134" name="Google Shape;134;p11" descr="Círculo pequeño"/>
             <p:cNvSpPr/>
             <p:nvPr/>
           </p:nvSpPr>
@@ -10757,12 +10347,12 @@
             </a:ln>
           </p:spPr>
           <p:txBody>
-            <a:bodyPr anchorCtr="0" anchor="ctr" bIns="45700" lIns="91425" spcFirstLastPara="1" rIns="91425" wrap="square" tIns="45700">
+            <a:bodyPr spcFirstLastPara="1" wrap="square" lIns="91425" tIns="45700" rIns="91425" bIns="45700" anchor="ctr" anchorCtr="0">
               <a:noAutofit/>
             </a:bodyPr>
             <a:lstStyle/>
             <a:p>
-              <a:pPr indent="0" lvl="0" marL="0" marR="0" rtl="0" algn="ctr">
+              <a:pPr marL="0" marR="0" lvl="0" indent="0" algn="ctr" rtl="0">
                 <a:spcBef>
                   <a:spcPts val="0"/>
                 </a:spcBef>
@@ -10771,9 +10361,6 @@
                 </a:spcAft>
                 <a:buNone/>
               </a:pPr>
-              <a:r>
-                <a:t/>
-              </a:r>
               <a:endParaRPr sz="1800">
                 <a:solidFill>
                   <a:schemeClr val="lt1"/>
@@ -10788,7 +10375,7 @@
         </p:sp>
         <p:sp>
           <p:nvSpPr>
-            <p:cNvPr descr="Número 1" id="135" name="Google Shape;135;p11"/>
+            <p:cNvPr id="135" name="Google Shape;135;p11" descr="Número 1"/>
             <p:cNvSpPr txBox="1"/>
             <p:nvPr/>
           </p:nvSpPr>
@@ -10806,12 +10393,12 @@
             </a:ln>
           </p:spPr>
           <p:txBody>
-            <a:bodyPr anchorCtr="0" anchor="t" bIns="45700" lIns="91425" spcFirstLastPara="1" rIns="91425" wrap="square" tIns="45700">
+            <a:bodyPr spcFirstLastPara="1" wrap="square" lIns="91425" tIns="45700" rIns="91425" bIns="45700" anchor="t" anchorCtr="0">
               <a:spAutoFit/>
             </a:bodyPr>
             <a:lstStyle/>
             <a:p>
-              <a:pPr indent="0" lvl="0" marL="0" marR="0" rtl="0" algn="ctr">
+              <a:pPr marL="0" marR="0" lvl="0" indent="0" algn="ctr" rtl="0">
                 <a:spcBef>
                   <a:spcPts val="0"/>
                 </a:spcBef>
@@ -10857,12 +10444,12 @@
           </a:ln>
         </p:spPr>
         <p:txBody>
-          <a:bodyPr anchorCtr="0" anchor="t" bIns="45700" lIns="91425" spcFirstLastPara="1" rIns="91425" wrap="square" tIns="45700">
+          <a:bodyPr spcFirstLastPara="1" wrap="square" lIns="91425" tIns="45700" rIns="91425" bIns="45700" anchor="t" anchorCtr="0">
             <a:normAutofit/>
           </a:bodyPr>
           <a:lstStyle/>
           <a:p>
-            <a:pPr indent="0" lvl="0" marL="0" marR="0" rtl="0" algn="l">
+            <a:pPr marL="0" marR="0" lvl="0" indent="0" algn="l" rtl="0">
               <a:lnSpc>
                 <a:spcPct val="100000"/>
               </a:lnSpc>
@@ -10889,31 +10476,7 @@
                 <a:cs typeface="Quattrocento Sans"/>
                 <a:sym typeface="Quattrocento Sans"/>
               </a:rPr>
-              <a:t>SECCION DE LOGIN PARA LA </a:t>
-            </a:r>
-            <a:r>
-              <a:rPr lang="es-ES" sz="1200">
-                <a:solidFill>
-                  <a:srgbClr val="3F3F3F"/>
-                </a:solidFill>
-                <a:latin typeface="Quattrocento Sans"/>
-                <a:ea typeface="Quattrocento Sans"/>
-                <a:cs typeface="Quattrocento Sans"/>
-                <a:sym typeface="Quattrocento Sans"/>
-              </a:rPr>
-              <a:t>AUTENtifiCACIÓN</a:t>
-            </a:r>
-            <a:r>
-              <a:rPr lang="es-ES" sz="1200">
-                <a:solidFill>
-                  <a:srgbClr val="3F3F3F"/>
-                </a:solidFill>
-                <a:latin typeface="Quattrocento Sans"/>
-                <a:ea typeface="Quattrocento Sans"/>
-                <a:cs typeface="Quattrocento Sans"/>
-                <a:sym typeface="Quattrocento Sans"/>
-              </a:rPr>
-              <a:t> (login)</a:t>
+              <a:t>SECCION DE LOGIN PARA LA AUTENtifiCACIÓN (login)</a:t>
             </a:r>
             <a:endParaRPr/>
           </a:p>
@@ -10921,7 +10484,7 @@
       </p:sp>
       <p:grpSp>
         <p:nvGrpSpPr>
-          <p:cNvPr descr="Círculo pequeño con el número 2 en su interior para indicar que se encuentra en el paso 2" id="137" name="Google Shape;137;p11"/>
+          <p:cNvPr id="137" name="Google Shape;137;p11" descr="Círculo pequeño con el número 2 en su interior para indicar que se encuentra en el paso 2"/>
           <p:cNvGrpSpPr/>
           <p:nvPr/>
         </p:nvGrpSpPr>
@@ -10935,7 +10498,7 @@
         </p:grpSpPr>
         <p:sp>
           <p:nvSpPr>
-            <p:cNvPr descr="Círculo pequeño" id="138" name="Google Shape;138;p11"/>
+            <p:cNvPr id="138" name="Google Shape;138;p11" descr="Círculo pequeño"/>
             <p:cNvSpPr/>
             <p:nvPr/>
           </p:nvSpPr>
@@ -10955,12 +10518,12 @@
             </a:ln>
           </p:spPr>
           <p:txBody>
-            <a:bodyPr anchorCtr="0" anchor="ctr" bIns="45700" lIns="91425" spcFirstLastPara="1" rIns="91425" wrap="square" tIns="45700">
+            <a:bodyPr spcFirstLastPara="1" wrap="square" lIns="91425" tIns="45700" rIns="91425" bIns="45700" anchor="ctr" anchorCtr="0">
               <a:noAutofit/>
             </a:bodyPr>
             <a:lstStyle/>
             <a:p>
-              <a:pPr indent="0" lvl="0" marL="0" marR="0" rtl="0" algn="ctr">
+              <a:pPr marL="0" marR="0" lvl="0" indent="0" algn="ctr" rtl="0">
                 <a:spcBef>
                   <a:spcPts val="0"/>
                 </a:spcBef>
@@ -10969,9 +10532,6 @@
                 </a:spcAft>
                 <a:buNone/>
               </a:pPr>
-              <a:r>
-                <a:t/>
-              </a:r>
               <a:endParaRPr sz="1800">
                 <a:solidFill>
                   <a:schemeClr val="lt1"/>
@@ -10986,7 +10546,7 @@
         </p:sp>
         <p:sp>
           <p:nvSpPr>
-            <p:cNvPr descr="Número 2" id="139" name="Google Shape;139;p11"/>
+            <p:cNvPr id="139" name="Google Shape;139;p11" descr="Número 2"/>
             <p:cNvSpPr txBox="1"/>
             <p:nvPr/>
           </p:nvSpPr>
@@ -11004,12 +10564,12 @@
             </a:ln>
           </p:spPr>
           <p:txBody>
-            <a:bodyPr anchorCtr="0" anchor="t" bIns="45700" lIns="91425" spcFirstLastPara="1" rIns="91425" wrap="square" tIns="45700">
+            <a:bodyPr spcFirstLastPara="1" wrap="square" lIns="91425" tIns="45700" rIns="91425" bIns="45700" anchor="t" anchorCtr="0">
               <a:spAutoFit/>
             </a:bodyPr>
             <a:lstStyle/>
             <a:p>
-              <a:pPr indent="0" lvl="0" marL="0" marR="0" rtl="0" algn="ctr">
+              <a:pPr marL="0" marR="0" lvl="0" indent="0" algn="ctr" rtl="0">
                 <a:spcBef>
                   <a:spcPts val="0"/>
                 </a:spcBef>
@@ -11055,12 +10615,12 @@
           </a:ln>
         </p:spPr>
         <p:txBody>
-          <a:bodyPr anchorCtr="0" anchor="t" bIns="45700" lIns="91425" spcFirstLastPara="1" rIns="91425" wrap="square" tIns="45700">
+          <a:bodyPr spcFirstLastPara="1" wrap="square" lIns="91425" tIns="45700" rIns="91425" bIns="45700" anchor="t" anchorCtr="0">
             <a:normAutofit/>
           </a:bodyPr>
           <a:lstStyle/>
           <a:p>
-            <a:pPr indent="0" lvl="0" marL="0" marR="0" rtl="0" algn="l">
+            <a:pPr marL="0" marR="0" lvl="0" indent="0" algn="l" rtl="0">
               <a:lnSpc>
                 <a:spcPct val="100000"/>
               </a:lnSpc>
@@ -11087,205 +10647,11 @@
                 <a:cs typeface="Quattrocento Sans"/>
                 <a:sym typeface="Quattrocento Sans"/>
               </a:rPr>
-              <a:t>trabajamos</a:t>
-            </a:r>
-            <a:r>
-              <a:rPr lang="es-ES" sz="1200">
-                <a:solidFill>
-                  <a:srgbClr val="3F3F3F"/>
-                </a:solidFill>
-                <a:latin typeface="Quattrocento Sans"/>
-                <a:ea typeface="Quattrocento Sans"/>
-                <a:cs typeface="Quattrocento Sans"/>
-                <a:sym typeface="Quattrocento Sans"/>
-              </a:rPr>
-              <a:t> colaborativamente</a:t>
+              <a:t>trabajamos colaborativamente</a:t>
             </a:r>
             <a:endParaRPr sz="1200">
               <a:solidFill>
                 <a:srgbClr val="D24726"/>
-              </a:solidFill>
-              <a:latin typeface="Quattrocento Sans"/>
-              <a:ea typeface="Quattrocento Sans"/>
-              <a:cs typeface="Quattrocento Sans"/>
-              <a:sym typeface="Quattrocento Sans"/>
-            </a:endParaRPr>
-          </a:p>
-        </p:txBody>
-      </p:sp>
-      <p:grpSp>
-        <p:nvGrpSpPr>
-          <p:cNvPr descr="Círculo pequeño con el número 3 en su interior para indicar que se encuentra en el paso 3" id="141" name="Google Shape;141;p11"/>
-          <p:cNvGrpSpPr/>
-          <p:nvPr/>
-        </p:nvGrpSpPr>
-        <p:grpSpPr>
-          <a:xfrm>
-            <a:off x="7930921" y="5233381"/>
-            <a:ext cx="558179" cy="409838"/>
-            <a:chOff x="6953426" y="711274"/>
-            <a:chExt cx="558179" cy="409838"/>
-          </a:xfrm>
-        </p:grpSpPr>
-        <p:sp>
-          <p:nvSpPr>
-            <p:cNvPr descr="Círculo pequeño" id="142" name="Google Shape;142;p11"/>
-            <p:cNvSpPr/>
-            <p:nvPr/>
-          </p:nvSpPr>
-          <p:spPr>
-            <a:xfrm>
-              <a:off x="7025069" y="711274"/>
-              <a:ext cx="409838" cy="409838"/>
-            </a:xfrm>
-            <a:prstGeom prst="ellipse">
-              <a:avLst/>
-            </a:prstGeom>
-            <a:solidFill>
-              <a:srgbClr val="D24726"/>
-            </a:solidFill>
-            <a:ln>
-              <a:noFill/>
-            </a:ln>
-          </p:spPr>
-          <p:txBody>
-            <a:bodyPr anchorCtr="0" anchor="ctr" bIns="45700" lIns="91425" spcFirstLastPara="1" rIns="91425" wrap="square" tIns="45700">
-              <a:noAutofit/>
-            </a:bodyPr>
-            <a:lstStyle/>
-            <a:p>
-              <a:pPr indent="0" lvl="0" marL="0" marR="0" rtl="0" algn="ctr">
-                <a:spcBef>
-                  <a:spcPts val="0"/>
-                </a:spcBef>
-                <a:spcAft>
-                  <a:spcPts val="0"/>
-                </a:spcAft>
-                <a:buNone/>
-              </a:pPr>
-              <a:r>
-                <a:t/>
-              </a:r>
-              <a:endParaRPr sz="1800">
-                <a:solidFill>
-                  <a:schemeClr val="lt1"/>
-                </a:solidFill>
-                <a:latin typeface="Quattrocento Sans"/>
-                <a:ea typeface="Quattrocento Sans"/>
-                <a:cs typeface="Quattrocento Sans"/>
-                <a:sym typeface="Quattrocento Sans"/>
-              </a:endParaRPr>
-            </a:p>
-          </p:txBody>
-        </p:sp>
-        <p:sp>
-          <p:nvSpPr>
-            <p:cNvPr descr="Número 3" id="143" name="Google Shape;143;p11"/>
-            <p:cNvSpPr txBox="1"/>
-            <p:nvPr/>
-          </p:nvSpPr>
-          <p:spPr>
-            <a:xfrm>
-              <a:off x="6953426" y="727564"/>
-              <a:ext cx="558179" cy="369332"/>
-            </a:xfrm>
-            <a:prstGeom prst="rect">
-              <a:avLst/>
-            </a:prstGeom>
-            <a:noFill/>
-            <a:ln>
-              <a:noFill/>
-            </a:ln>
-          </p:spPr>
-          <p:txBody>
-            <a:bodyPr anchorCtr="0" anchor="t" bIns="45700" lIns="91425" spcFirstLastPara="1" rIns="91425" wrap="square" tIns="45700">
-              <a:spAutoFit/>
-            </a:bodyPr>
-            <a:lstStyle/>
-            <a:p>
-              <a:pPr indent="0" lvl="0" marL="0" marR="0" rtl="0" algn="ctr">
-                <a:spcBef>
-                  <a:spcPts val="0"/>
-                </a:spcBef>
-                <a:spcAft>
-                  <a:spcPts val="0"/>
-                </a:spcAft>
-                <a:buNone/>
-              </a:pPr>
-              <a:r>
-                <a:rPr lang="es-ES" sz="1800">
-                  <a:solidFill>
-                    <a:schemeClr val="lt1"/>
-                  </a:solidFill>
-                  <a:latin typeface="Quattrocento Sans"/>
-                  <a:ea typeface="Quattrocento Sans"/>
-                  <a:cs typeface="Quattrocento Sans"/>
-                  <a:sym typeface="Quattrocento Sans"/>
-                </a:rPr>
-                <a:t>3</a:t>
-              </a:r>
-              <a:endParaRPr/>
-            </a:p>
-          </p:txBody>
-        </p:sp>
-      </p:grpSp>
-      <p:sp>
-        <p:nvSpPr>
-          <p:cNvPr id="144" name="Google Shape;144;p11"/>
-          <p:cNvSpPr txBox="1"/>
-          <p:nvPr/>
-        </p:nvSpPr>
-        <p:spPr>
-          <a:xfrm>
-            <a:off x="8429668" y="5273573"/>
-            <a:ext cx="3107336" cy="1341886"/>
-          </a:xfrm>
-          <a:prstGeom prst="rect">
-            <a:avLst/>
-          </a:prstGeom>
-          <a:noFill/>
-          <a:ln>
-            <a:noFill/>
-          </a:ln>
-        </p:spPr>
-        <p:txBody>
-          <a:bodyPr anchorCtr="0" anchor="t" bIns="45700" lIns="91425" spcFirstLastPara="1" rIns="91425" wrap="square" tIns="45700">
-            <a:normAutofit/>
-          </a:bodyPr>
-          <a:lstStyle/>
-          <a:p>
-            <a:pPr indent="0" lvl="0" marL="0" marR="0" rtl="0" algn="l">
-              <a:lnSpc>
-                <a:spcPct val="100000"/>
-              </a:lnSpc>
-              <a:spcBef>
-                <a:spcPts val="3000"/>
-              </a:spcBef>
-              <a:spcAft>
-                <a:spcPts val="0"/>
-              </a:spcAft>
-              <a:buClr>
-                <a:srgbClr val="3F3F3F"/>
-              </a:buClr>
-              <a:buSzPts val="1200"/>
-              <a:buFont typeface="Arial"/>
-              <a:buNone/>
-            </a:pPr>
-            <a:r>
-              <a:rPr lang="es-ES" sz="1200">
-                <a:solidFill>
-                  <a:srgbClr val="3F3F3F"/>
-                </a:solidFill>
-                <a:latin typeface="Quattrocento Sans"/>
-                <a:ea typeface="Quattrocento Sans"/>
-                <a:cs typeface="Quattrocento Sans"/>
-                <a:sym typeface="Quattrocento Sans"/>
-              </a:rPr>
-              <a:t>perdimos </a:t>
-            </a:r>
-            <a:endParaRPr sz="1200">
-              <a:solidFill>
-                <a:srgbClr val="3F3F3F"/>
               </a:solidFill>
               <a:latin typeface="Quattrocento Sans"/>
               <a:ea typeface="Quattrocento Sans"/>
@@ -11360,7 +10726,7 @@
 </file>
 
 <file path=ppt/theme/theme1.xml><?xml version="1.0" encoding="utf-8"?>
-<a:theme xmlns:a="http://schemas.openxmlformats.org/drawingml/2006/main" xmlns:r="http://schemas.openxmlformats.org/officeDocument/2006/relationships" name="Tema de Office">
+<a:theme xmlns:a="http://schemas.openxmlformats.org/drawingml/2006/main" name="WelcomeDoc">
   <a:themeElements>
     <a:clrScheme name="Office">
       <a:dk1>
@@ -11635,11 +11001,13 @@
       </a:bgFillStyleLst>
     </a:fmtScheme>
   </a:themeElements>
+  <a:objectDefaults/>
+  <a:extraClrSchemeLst/>
 </a:theme>
 </file>
 
 <file path=ppt/theme/theme2.xml><?xml version="1.0" encoding="utf-8"?>
-<a:theme xmlns:a="http://schemas.openxmlformats.org/drawingml/2006/main" xmlns:r="http://schemas.openxmlformats.org/officeDocument/2006/relationships" name="WelcomeDoc">
+<a:theme xmlns:a="http://schemas.openxmlformats.org/drawingml/2006/main" name="Tema de Office">
   <a:themeElements>
     <a:clrScheme name="Office">
       <a:dk1>
@@ -11914,5 +11282,7 @@
       </a:bgFillStyleLst>
     </a:fmtScheme>
   </a:themeElements>
+  <a:objectDefaults/>
+  <a:extraClrSchemeLst/>
 </a:theme>
 </file>